--- a/SA_Simulator.pptx
+++ b/SA_Simulator.pptx
@@ -6,6 +6,8 @@
   </p:sldMasterIdLst>
   <p:sldIdLst>
     <p:sldId id="256" r:id="rId2"/>
+    <p:sldId id="257" r:id="rId3"/>
+    <p:sldId id="258" r:id="rId4"/>
   </p:sldIdLst>
   <p:sldSz cx="12192000" cy="6858000"/>
   <p:notesSz cx="6858000" cy="9144000"/>
@@ -104,6 +106,11 @@
       </a:defRPr>
     </a:lvl9pPr>
   </p:defaultTextStyle>
+  <p:extLst>
+    <p:ext uri="{EFAFB233-063F-42B5-8137-9DF3F51BA10A}">
+      <p15:sldGuideLst xmlns:p15="http://schemas.microsoft.com/office/powerpoint/2012/main"/>
+    </p:ext>
+  </p:extLst>
 </p:presentation>
 </file>
 
@@ -254,7 +261,7 @@
           <a:p>
             <a:fld id="{1951C600-A5E6-4FAC-AB4D-C2C9AF20EF8A}" type="datetimeFigureOut">
               <a:rPr lang="ko-KR" altLang="en-US" smtClean="0"/>
-              <a:t>2021-09-08</a:t>
+              <a:t>2021-09-10</a:t>
             </a:fld>
             <a:endParaRPr lang="ko-KR" altLang="en-US"/>
           </a:p>
@@ -452,7 +459,7 @@
           <a:p>
             <a:fld id="{1951C600-A5E6-4FAC-AB4D-C2C9AF20EF8A}" type="datetimeFigureOut">
               <a:rPr lang="ko-KR" altLang="en-US" smtClean="0"/>
-              <a:t>2021-09-08</a:t>
+              <a:t>2021-09-10</a:t>
             </a:fld>
             <a:endParaRPr lang="ko-KR" altLang="en-US"/>
           </a:p>
@@ -660,7 +667,7 @@
           <a:p>
             <a:fld id="{1951C600-A5E6-4FAC-AB4D-C2C9AF20EF8A}" type="datetimeFigureOut">
               <a:rPr lang="ko-KR" altLang="en-US" smtClean="0"/>
-              <a:t>2021-09-08</a:t>
+              <a:t>2021-09-10</a:t>
             </a:fld>
             <a:endParaRPr lang="ko-KR" altLang="en-US"/>
           </a:p>
@@ -858,7 +865,7 @@
           <a:p>
             <a:fld id="{1951C600-A5E6-4FAC-AB4D-C2C9AF20EF8A}" type="datetimeFigureOut">
               <a:rPr lang="ko-KR" altLang="en-US" smtClean="0"/>
-              <a:t>2021-09-08</a:t>
+              <a:t>2021-09-10</a:t>
             </a:fld>
             <a:endParaRPr lang="ko-KR" altLang="en-US"/>
           </a:p>
@@ -1133,7 +1140,7 @@
           <a:p>
             <a:fld id="{1951C600-A5E6-4FAC-AB4D-C2C9AF20EF8A}" type="datetimeFigureOut">
               <a:rPr lang="ko-KR" altLang="en-US" smtClean="0"/>
-              <a:t>2021-09-08</a:t>
+              <a:t>2021-09-10</a:t>
             </a:fld>
             <a:endParaRPr lang="ko-KR" altLang="en-US"/>
           </a:p>
@@ -1398,7 +1405,7 @@
           <a:p>
             <a:fld id="{1951C600-A5E6-4FAC-AB4D-C2C9AF20EF8A}" type="datetimeFigureOut">
               <a:rPr lang="ko-KR" altLang="en-US" smtClean="0"/>
-              <a:t>2021-09-08</a:t>
+              <a:t>2021-09-10</a:t>
             </a:fld>
             <a:endParaRPr lang="ko-KR" altLang="en-US"/>
           </a:p>
@@ -1810,7 +1817,7 @@
           <a:p>
             <a:fld id="{1951C600-A5E6-4FAC-AB4D-C2C9AF20EF8A}" type="datetimeFigureOut">
               <a:rPr lang="ko-KR" altLang="en-US" smtClean="0"/>
-              <a:t>2021-09-08</a:t>
+              <a:t>2021-09-10</a:t>
             </a:fld>
             <a:endParaRPr lang="ko-KR" altLang="en-US"/>
           </a:p>
@@ -1951,7 +1958,7 @@
           <a:p>
             <a:fld id="{1951C600-A5E6-4FAC-AB4D-C2C9AF20EF8A}" type="datetimeFigureOut">
               <a:rPr lang="ko-KR" altLang="en-US" smtClean="0"/>
-              <a:t>2021-09-08</a:t>
+              <a:t>2021-09-10</a:t>
             </a:fld>
             <a:endParaRPr lang="ko-KR" altLang="en-US"/>
           </a:p>
@@ -2064,7 +2071,7 @@
           <a:p>
             <a:fld id="{1951C600-A5E6-4FAC-AB4D-C2C9AF20EF8A}" type="datetimeFigureOut">
               <a:rPr lang="ko-KR" altLang="en-US" smtClean="0"/>
-              <a:t>2021-09-08</a:t>
+              <a:t>2021-09-10</a:t>
             </a:fld>
             <a:endParaRPr lang="ko-KR" altLang="en-US"/>
           </a:p>
@@ -2375,7 +2382,7 @@
           <a:p>
             <a:fld id="{1951C600-A5E6-4FAC-AB4D-C2C9AF20EF8A}" type="datetimeFigureOut">
               <a:rPr lang="ko-KR" altLang="en-US" smtClean="0"/>
-              <a:t>2021-09-08</a:t>
+              <a:t>2021-09-10</a:t>
             </a:fld>
             <a:endParaRPr lang="ko-KR" altLang="en-US"/>
           </a:p>
@@ -2663,7 +2670,7 @@
           <a:p>
             <a:fld id="{1951C600-A5E6-4FAC-AB4D-C2C9AF20EF8A}" type="datetimeFigureOut">
               <a:rPr lang="ko-KR" altLang="en-US" smtClean="0"/>
-              <a:t>2021-09-08</a:t>
+              <a:t>2021-09-10</a:t>
             </a:fld>
             <a:endParaRPr lang="ko-KR" altLang="en-US"/>
           </a:p>
@@ -2904,7 +2911,7 @@
           <a:p>
             <a:fld id="{1951C600-A5E6-4FAC-AB4D-C2C9AF20EF8A}" type="datetimeFigureOut">
               <a:rPr lang="ko-KR" altLang="en-US" smtClean="0"/>
-              <a:t>2021-09-08</a:t>
+              <a:t>2021-09-10</a:t>
             </a:fld>
             <a:endParaRPr lang="ko-KR" altLang="en-US"/>
           </a:p>
@@ -4387,6 +4394,327 @@
 </p:sld>
 </file>
 
+<file path=ppt/slides/slide2.xml><?xml version="1.0" encoding="utf-8"?>
+<p:sld xmlns:a="http://schemas.openxmlformats.org/drawingml/2006/main" xmlns:r="http://schemas.openxmlformats.org/officeDocument/2006/relationships" xmlns:p="http://schemas.openxmlformats.org/presentationml/2006/main">
+  <p:cSld>
+    <p:spTree>
+      <p:nvGrpSpPr>
+        <p:cNvPr id="1" name=""/>
+        <p:cNvGrpSpPr/>
+        <p:nvPr/>
+      </p:nvGrpSpPr>
+      <p:grpSpPr>
+        <a:xfrm>
+          <a:off x="0" y="0"/>
+          <a:ext cx="0" cy="0"/>
+          <a:chOff x="0" y="0"/>
+          <a:chExt cx="0" cy="0"/>
+        </a:xfrm>
+      </p:grpSpPr>
+      <p:grpSp>
+        <p:nvGrpSpPr>
+          <p:cNvPr id="8" name="그룹 7">
+            <a:extLst>
+              <a:ext uri="{FF2B5EF4-FFF2-40B4-BE49-F238E27FC236}">
+                <a16:creationId xmlns:a16="http://schemas.microsoft.com/office/drawing/2014/main" id="{3721F7D6-F668-407F-B97F-D06F2796047A}"/>
+              </a:ext>
+            </a:extLst>
+          </p:cNvPr>
+          <p:cNvGrpSpPr/>
+          <p:nvPr/>
+        </p:nvGrpSpPr>
+        <p:grpSpPr>
+          <a:xfrm>
+            <a:off x="1061493" y="0"/>
+            <a:ext cx="7965667" cy="5003800"/>
+            <a:chOff x="1061493" y="0"/>
+            <a:chExt cx="9774374" cy="6858000"/>
+          </a:xfrm>
+        </p:grpSpPr>
+        <p:pic>
+          <p:nvPicPr>
+            <p:cNvPr id="4" name="그림 3">
+              <a:extLst>
+                <a:ext uri="{FF2B5EF4-FFF2-40B4-BE49-F238E27FC236}">
+                  <a16:creationId xmlns:a16="http://schemas.microsoft.com/office/drawing/2014/main" id="{2E3049B5-C532-44BE-BF19-D34B566A1224}"/>
+                </a:ext>
+              </a:extLst>
+            </p:cNvPr>
+            <p:cNvPicPr>
+              <a:picLocks noChangeAspect="1"/>
+            </p:cNvPicPr>
+            <p:nvPr/>
+          </p:nvPicPr>
+          <p:blipFill>
+            <a:blip r:embed="rId2"/>
+            <a:stretch>
+              <a:fillRect/>
+            </a:stretch>
+          </p:blipFill>
+          <p:spPr>
+            <a:xfrm>
+              <a:off x="1061493" y="0"/>
+              <a:ext cx="9774374" cy="6858000"/>
+            </a:xfrm>
+            <a:prstGeom prst="rect">
+              <a:avLst/>
+            </a:prstGeom>
+          </p:spPr>
+        </p:pic>
+        <p:sp>
+          <p:nvSpPr>
+            <p:cNvPr id="5" name="TextBox 4">
+              <a:extLst>
+                <a:ext uri="{FF2B5EF4-FFF2-40B4-BE49-F238E27FC236}">
+                  <a16:creationId xmlns:a16="http://schemas.microsoft.com/office/drawing/2014/main" id="{F6D1F298-3192-4E1B-8AA1-559CC6579AB9}"/>
+                </a:ext>
+              </a:extLst>
+            </p:cNvPr>
+            <p:cNvSpPr txBox="1"/>
+            <p:nvPr/>
+          </p:nvSpPr>
+          <p:spPr>
+            <a:xfrm>
+              <a:off x="5575300" y="3642360"/>
+              <a:ext cx="1041400" cy="316369"/>
+            </a:xfrm>
+            <a:prstGeom prst="rect">
+              <a:avLst/>
+            </a:prstGeom>
+            <a:noFill/>
+          </p:spPr>
+          <p:txBody>
+            <a:bodyPr wrap="square" rtlCol="0">
+              <a:spAutoFit/>
+            </a:bodyPr>
+            <a:lstStyle/>
+            <a:p>
+              <a:r>
+                <a:rPr lang="en-US" altLang="ko-KR" sz="900" b="1" dirty="0" err="1"/>
+                <a:t>Input_fmap</a:t>
+              </a:r>
+              <a:endParaRPr lang="ko-KR" altLang="en-US" sz="900" b="1" dirty="0"/>
+            </a:p>
+          </p:txBody>
+        </p:sp>
+        <p:sp>
+          <p:nvSpPr>
+            <p:cNvPr id="6" name="TextBox 5">
+              <a:extLst>
+                <a:ext uri="{FF2B5EF4-FFF2-40B4-BE49-F238E27FC236}">
+                  <a16:creationId xmlns:a16="http://schemas.microsoft.com/office/drawing/2014/main" id="{89CC18A2-DEE9-4F1A-9B12-A1F9D31E1B09}"/>
+                </a:ext>
+              </a:extLst>
+            </p:cNvPr>
+            <p:cNvSpPr txBox="1"/>
+            <p:nvPr/>
+          </p:nvSpPr>
+          <p:spPr>
+            <a:xfrm>
+              <a:off x="9166860" y="431800"/>
+              <a:ext cx="1041400" cy="316369"/>
+            </a:xfrm>
+            <a:prstGeom prst="rect">
+              <a:avLst/>
+            </a:prstGeom>
+            <a:noFill/>
+          </p:spPr>
+          <p:txBody>
+            <a:bodyPr wrap="square" rtlCol="0">
+              <a:spAutoFit/>
+            </a:bodyPr>
+            <a:lstStyle/>
+            <a:p>
+              <a:r>
+                <a:rPr lang="en-US" altLang="ko-KR" sz="900" b="1" dirty="0" err="1"/>
+                <a:t>Filter_fmap</a:t>
+              </a:r>
+              <a:endParaRPr lang="ko-KR" altLang="en-US" sz="900" b="1" dirty="0"/>
+            </a:p>
+          </p:txBody>
+        </p:sp>
+        <p:sp>
+          <p:nvSpPr>
+            <p:cNvPr id="7" name="TextBox 6">
+              <a:extLst>
+                <a:ext uri="{FF2B5EF4-FFF2-40B4-BE49-F238E27FC236}">
+                  <a16:creationId xmlns:a16="http://schemas.microsoft.com/office/drawing/2014/main" id="{DB7D8E01-00CF-4AFC-8867-B2884313C581}"/>
+                </a:ext>
+              </a:extLst>
+            </p:cNvPr>
+            <p:cNvSpPr txBox="1"/>
+            <p:nvPr/>
+          </p:nvSpPr>
+          <p:spPr>
+            <a:xfrm>
+              <a:off x="6845300" y="3557721"/>
+              <a:ext cx="1041400" cy="506191"/>
+            </a:xfrm>
+            <a:prstGeom prst="rect">
+              <a:avLst/>
+            </a:prstGeom>
+            <a:noFill/>
+          </p:spPr>
+          <p:txBody>
+            <a:bodyPr wrap="square" rtlCol="0">
+              <a:spAutoFit/>
+            </a:bodyPr>
+            <a:lstStyle/>
+            <a:p>
+              <a:pPr algn="ctr"/>
+              <a:r>
+                <a:rPr lang="en-US" altLang="ko-KR" sz="900" b="1" dirty="0" err="1"/>
+                <a:t>Input_fmap</a:t>
+              </a:r>
+              <a:endParaRPr lang="en-US" altLang="ko-KR" sz="900" b="1" dirty="0"/>
+            </a:p>
+            <a:p>
+              <a:pPr algn="ctr"/>
+              <a:r>
+                <a:rPr lang="en-US" altLang="ko-KR" sz="900" b="1" dirty="0"/>
+                <a:t>Queue</a:t>
+              </a:r>
+              <a:endParaRPr lang="ko-KR" altLang="en-US" sz="900" b="1" dirty="0"/>
+            </a:p>
+          </p:txBody>
+        </p:sp>
+      </p:grpSp>
+      <p:sp>
+        <p:nvSpPr>
+          <p:cNvPr id="9" name="TextBox 8">
+            <a:extLst>
+              <a:ext uri="{FF2B5EF4-FFF2-40B4-BE49-F238E27FC236}">
+                <a16:creationId xmlns:a16="http://schemas.microsoft.com/office/drawing/2014/main" id="{37B96411-5EA0-4BF3-8F89-8176F521431C}"/>
+              </a:ext>
+            </a:extLst>
+          </p:cNvPr>
+          <p:cNvSpPr txBox="1"/>
+          <p:nvPr/>
+        </p:nvSpPr>
+        <p:spPr>
+          <a:xfrm>
+            <a:off x="1183640" y="5344160"/>
+            <a:ext cx="7924800" cy="261610"/>
+          </a:xfrm>
+          <a:prstGeom prst="rect">
+            <a:avLst/>
+          </a:prstGeom>
+          <a:noFill/>
+        </p:spPr>
+        <p:txBody>
+          <a:bodyPr wrap="square" rtlCol="0">
+            <a:spAutoFit/>
+          </a:bodyPr>
+          <a:lstStyle/>
+          <a:p>
+            <a:r>
+              <a:rPr lang="en-US" altLang="ko-KR" sz="1100" dirty="0"/>
+              <a:t>* DRAM -&gt; Unified Buffer, Weight FIFO </a:t>
+            </a:r>
+            <a:r>
+              <a:rPr lang="ko-KR" altLang="en-US" sz="1100" dirty="0"/>
+              <a:t>과정 생략</a:t>
+            </a:r>
+            <a:r>
+              <a:rPr lang="en-US" altLang="ko-KR" sz="1100" dirty="0"/>
+              <a:t>(</a:t>
+            </a:r>
+            <a:r>
+              <a:rPr lang="ko-KR" altLang="en-US" sz="1100" dirty="0"/>
+              <a:t>단순히 </a:t>
+            </a:r>
+            <a:r>
+              <a:rPr lang="en-US" altLang="ko-KR" sz="1100" dirty="0"/>
+              <a:t>Parsing</a:t>
+            </a:r>
+            <a:r>
+              <a:rPr lang="ko-KR" altLang="en-US" sz="1100" dirty="0"/>
+              <a:t> 해서 </a:t>
+            </a:r>
+            <a:r>
+              <a:rPr lang="en-US" altLang="ko-KR" sz="1100" dirty="0"/>
+              <a:t>Array</a:t>
+            </a:r>
+            <a:r>
+              <a:rPr lang="ko-KR" altLang="en-US" sz="1100" dirty="0"/>
+              <a:t>로 만드는 과정으로 대체</a:t>
+            </a:r>
+          </a:p>
+        </p:txBody>
+      </p:sp>
+    </p:spTree>
+    <p:extLst>
+      <p:ext uri="{BB962C8B-B14F-4D97-AF65-F5344CB8AC3E}">
+        <p14:creationId xmlns:p14="http://schemas.microsoft.com/office/powerpoint/2010/main" val="3132362468"/>
+      </p:ext>
+    </p:extLst>
+  </p:cSld>
+  <p:clrMapOvr>
+    <a:masterClrMapping/>
+  </p:clrMapOvr>
+</p:sld>
+</file>
+
+<file path=ppt/slides/slide3.xml><?xml version="1.0" encoding="utf-8"?>
+<p:sld xmlns:a="http://schemas.openxmlformats.org/drawingml/2006/main" xmlns:r="http://schemas.openxmlformats.org/officeDocument/2006/relationships" xmlns:p="http://schemas.openxmlformats.org/presentationml/2006/main">
+  <p:cSld>
+    <p:spTree>
+      <p:nvGrpSpPr>
+        <p:cNvPr id="1" name=""/>
+        <p:cNvGrpSpPr/>
+        <p:nvPr/>
+      </p:nvGrpSpPr>
+      <p:grpSpPr>
+        <a:xfrm>
+          <a:off x="0" y="0"/>
+          <a:ext cx="0" cy="0"/>
+          <a:chOff x="0" y="0"/>
+          <a:chExt cx="0" cy="0"/>
+        </a:xfrm>
+      </p:grpSpPr>
+      <p:pic>
+        <p:nvPicPr>
+          <p:cNvPr id="7" name="그림 6">
+            <a:extLst>
+              <a:ext uri="{FF2B5EF4-FFF2-40B4-BE49-F238E27FC236}">
+                <a16:creationId xmlns:a16="http://schemas.microsoft.com/office/drawing/2014/main" id="{1EEA6B1D-B887-4FC2-A87D-6496EF82E03D}"/>
+              </a:ext>
+            </a:extLst>
+          </p:cNvPr>
+          <p:cNvPicPr>
+            <a:picLocks noChangeAspect="1"/>
+          </p:cNvPicPr>
+          <p:nvPr/>
+        </p:nvPicPr>
+        <p:blipFill>
+          <a:blip r:embed="rId2"/>
+          <a:stretch>
+            <a:fillRect/>
+          </a:stretch>
+        </p:blipFill>
+        <p:spPr>
+          <a:xfrm>
+            <a:off x="0" y="443819"/>
+            <a:ext cx="12192000" cy="5970361"/>
+          </a:xfrm>
+          <a:prstGeom prst="rect">
+            <a:avLst/>
+          </a:prstGeom>
+        </p:spPr>
+      </p:pic>
+    </p:spTree>
+    <p:extLst>
+      <p:ext uri="{BB962C8B-B14F-4D97-AF65-F5344CB8AC3E}">
+        <p14:creationId xmlns:p14="http://schemas.microsoft.com/office/powerpoint/2010/main" val="811617993"/>
+      </p:ext>
+    </p:extLst>
+  </p:cSld>
+  <p:clrMapOvr>
+    <a:masterClrMapping/>
+  </p:clrMapOvr>
+</p:sld>
+</file>
+
 <file path=ppt/theme/theme1.xml><?xml version="1.0" encoding="utf-8"?>
 <a:theme xmlns:a="http://schemas.openxmlformats.org/drawingml/2006/main" name="Office 테마">
   <a:themeElements>

--- a/SA_Simulator.pptx
+++ b/SA_Simulator.pptx
@@ -4702,6 +4702,168 @@
           </a:prstGeom>
         </p:spPr>
       </p:pic>
+      <p:sp>
+        <p:nvSpPr>
+          <p:cNvPr id="2" name="TextBox 1">
+            <a:extLst>
+              <a:ext uri="{FF2B5EF4-FFF2-40B4-BE49-F238E27FC236}">
+                <a16:creationId xmlns:a16="http://schemas.microsoft.com/office/drawing/2014/main" id="{9E90EECE-5705-40ED-B152-6DFBD29D0B5E}"/>
+              </a:ext>
+            </a:extLst>
+          </p:cNvPr>
+          <p:cNvSpPr txBox="1"/>
+          <p:nvPr/>
+        </p:nvSpPr>
+        <p:spPr>
+          <a:xfrm>
+            <a:off x="4448013" y="1418094"/>
+            <a:ext cx="3184902" cy="646331"/>
+          </a:xfrm>
+          <a:prstGeom prst="rect">
+            <a:avLst/>
+          </a:prstGeom>
+          <a:noFill/>
+        </p:spPr>
+        <p:txBody>
+          <a:bodyPr wrap="square" rtlCol="0">
+            <a:spAutoFit/>
+          </a:bodyPr>
+          <a:lstStyle/>
+          <a:p>
+            <a:r>
+              <a:rPr lang="ko-KR" altLang="en-US" sz="1200" b="1" dirty="0"/>
+              <a:t>구조체를 만들어서 전달 하는지</a:t>
+            </a:r>
+            <a:r>
+              <a:rPr lang="en-US" altLang="ko-KR" sz="1200" b="1" dirty="0"/>
+              <a:t>(?), </a:t>
+            </a:r>
+            <a:r>
+              <a:rPr lang="ko-KR" altLang="en-US" sz="1200" b="1" dirty="0"/>
+              <a:t>모든 </a:t>
+            </a:r>
+            <a:r>
+              <a:rPr lang="en-US" altLang="ko-KR" sz="1200" b="1" dirty="0"/>
+              <a:t>PE</a:t>
+            </a:r>
+            <a:r>
+              <a:rPr lang="ko-KR" altLang="en-US" sz="1200" b="1" dirty="0"/>
+              <a:t>에 대해서 어떻게 </a:t>
+            </a:r>
+            <a:r>
+              <a:rPr lang="en-US" altLang="ko-KR" sz="1200" b="1" dirty="0"/>
+              <a:t>Data</a:t>
+            </a:r>
+            <a:r>
+              <a:rPr lang="ko-KR" altLang="en-US" sz="1200" b="1" dirty="0"/>
+              <a:t>를 뿌릴지</a:t>
+            </a:r>
+            <a:r>
+              <a:rPr lang="en-US" altLang="ko-KR" sz="1200" b="1" dirty="0"/>
+              <a:t>(</a:t>
+            </a:r>
+            <a:r>
+              <a:rPr lang="ko-KR" altLang="en-US" sz="1200" b="1" dirty="0"/>
+              <a:t>그림과 같은 방법을 사용하면 남는 </a:t>
+            </a:r>
+            <a:r>
+              <a:rPr lang="en-US" altLang="ko-KR" sz="1200" b="1" dirty="0"/>
+              <a:t>PE</a:t>
+            </a:r>
+            <a:r>
+              <a:rPr lang="ko-KR" altLang="en-US" sz="1200" b="1" dirty="0"/>
+              <a:t>가 발생함</a:t>
+            </a:r>
+            <a:r>
+              <a:rPr lang="en-US" altLang="ko-KR" sz="1200" b="1" dirty="0"/>
+              <a:t>)</a:t>
+            </a:r>
+            <a:endParaRPr lang="ko-KR" altLang="en-US" sz="1200" b="1" dirty="0"/>
+          </a:p>
+        </p:txBody>
+      </p:sp>
+      <p:cxnSp>
+        <p:nvCxnSpPr>
+          <p:cNvPr id="4" name="직선 화살표 연결선 3">
+            <a:extLst>
+              <a:ext uri="{FF2B5EF4-FFF2-40B4-BE49-F238E27FC236}">
+                <a16:creationId xmlns:a16="http://schemas.microsoft.com/office/drawing/2014/main" id="{FE35A562-0462-4A72-8692-0B97EF67DE23}"/>
+              </a:ext>
+            </a:extLst>
+          </p:cNvPr>
+          <p:cNvCxnSpPr>
+            <a:endCxn id="2" idx="2"/>
+          </p:cNvCxnSpPr>
+          <p:nvPr/>
+        </p:nvCxnSpPr>
+        <p:spPr>
+          <a:xfrm flipV="1">
+            <a:off x="4448013" y="2064425"/>
+            <a:ext cx="1592451" cy="2189860"/>
+          </a:xfrm>
+          <a:prstGeom prst="straightConnector1">
+            <a:avLst/>
+          </a:prstGeom>
+          <a:ln w="38100">
+            <a:tailEnd type="triangle"/>
+          </a:ln>
+        </p:spPr>
+        <p:style>
+          <a:lnRef idx="1">
+            <a:schemeClr val="accent1"/>
+          </a:lnRef>
+          <a:fillRef idx="0">
+            <a:schemeClr val="accent1"/>
+          </a:fillRef>
+          <a:effectRef idx="0">
+            <a:schemeClr val="accent1"/>
+          </a:effectRef>
+          <a:fontRef idx="minor">
+            <a:schemeClr val="tx1"/>
+          </a:fontRef>
+        </p:style>
+      </p:cxnSp>
+      <p:cxnSp>
+        <p:nvCxnSpPr>
+          <p:cNvPr id="6" name="직선 화살표 연결선 5">
+            <a:extLst>
+              <a:ext uri="{FF2B5EF4-FFF2-40B4-BE49-F238E27FC236}">
+                <a16:creationId xmlns:a16="http://schemas.microsoft.com/office/drawing/2014/main" id="{5E84CFDE-554C-450A-9742-EB59C2DCB6E1}"/>
+              </a:ext>
+            </a:extLst>
+          </p:cNvPr>
+          <p:cNvCxnSpPr>
+            <a:cxnSpLocks/>
+          </p:cNvCxnSpPr>
+          <p:nvPr/>
+        </p:nvCxnSpPr>
+        <p:spPr>
+          <a:xfrm flipV="1">
+            <a:off x="5928102" y="2064425"/>
+            <a:ext cx="223436" cy="810512"/>
+          </a:xfrm>
+          <a:prstGeom prst="straightConnector1">
+            <a:avLst/>
+          </a:prstGeom>
+          <a:ln w="38100">
+            <a:tailEnd type="triangle"/>
+          </a:ln>
+        </p:spPr>
+        <p:style>
+          <a:lnRef idx="1">
+            <a:schemeClr val="accent1"/>
+          </a:lnRef>
+          <a:fillRef idx="0">
+            <a:schemeClr val="accent1"/>
+          </a:fillRef>
+          <a:effectRef idx="0">
+            <a:schemeClr val="accent1"/>
+          </a:effectRef>
+          <a:fontRef idx="minor">
+            <a:schemeClr val="tx1"/>
+          </a:fontRef>
+        </p:style>
+      </p:cxnSp>
     </p:spTree>
     <p:extLst>
       <p:ext uri="{BB962C8B-B14F-4D97-AF65-F5344CB8AC3E}">

--- a/SA_Simulator.pptx
+++ b/SA_Simulator.pptx
@@ -8,6 +8,8 @@
     <p:sldId id="256" r:id="rId2"/>
     <p:sldId id="257" r:id="rId3"/>
     <p:sldId id="258" r:id="rId4"/>
+    <p:sldId id="259" r:id="rId5"/>
+    <p:sldId id="260" r:id="rId6"/>
   </p:sldIdLst>
   <p:sldSz cx="12192000" cy="6858000"/>
   <p:notesSz cx="6858000" cy="9144000"/>
@@ -261,7 +263,7 @@
           <a:p>
             <a:fld id="{1951C600-A5E6-4FAC-AB4D-C2C9AF20EF8A}" type="datetimeFigureOut">
               <a:rPr lang="ko-KR" altLang="en-US" smtClean="0"/>
-              <a:t>2021-09-10</a:t>
+              <a:t>2021-10-01</a:t>
             </a:fld>
             <a:endParaRPr lang="ko-KR" altLang="en-US"/>
           </a:p>
@@ -459,7 +461,7 @@
           <a:p>
             <a:fld id="{1951C600-A5E6-4FAC-AB4D-C2C9AF20EF8A}" type="datetimeFigureOut">
               <a:rPr lang="ko-KR" altLang="en-US" smtClean="0"/>
-              <a:t>2021-09-10</a:t>
+              <a:t>2021-10-01</a:t>
             </a:fld>
             <a:endParaRPr lang="ko-KR" altLang="en-US"/>
           </a:p>
@@ -667,7 +669,7 @@
           <a:p>
             <a:fld id="{1951C600-A5E6-4FAC-AB4D-C2C9AF20EF8A}" type="datetimeFigureOut">
               <a:rPr lang="ko-KR" altLang="en-US" smtClean="0"/>
-              <a:t>2021-09-10</a:t>
+              <a:t>2021-10-01</a:t>
             </a:fld>
             <a:endParaRPr lang="ko-KR" altLang="en-US"/>
           </a:p>
@@ -865,7 +867,7 @@
           <a:p>
             <a:fld id="{1951C600-A5E6-4FAC-AB4D-C2C9AF20EF8A}" type="datetimeFigureOut">
               <a:rPr lang="ko-KR" altLang="en-US" smtClean="0"/>
-              <a:t>2021-09-10</a:t>
+              <a:t>2021-10-01</a:t>
             </a:fld>
             <a:endParaRPr lang="ko-KR" altLang="en-US"/>
           </a:p>
@@ -1140,7 +1142,7 @@
           <a:p>
             <a:fld id="{1951C600-A5E6-4FAC-AB4D-C2C9AF20EF8A}" type="datetimeFigureOut">
               <a:rPr lang="ko-KR" altLang="en-US" smtClean="0"/>
-              <a:t>2021-09-10</a:t>
+              <a:t>2021-10-01</a:t>
             </a:fld>
             <a:endParaRPr lang="ko-KR" altLang="en-US"/>
           </a:p>
@@ -1405,7 +1407,7 @@
           <a:p>
             <a:fld id="{1951C600-A5E6-4FAC-AB4D-C2C9AF20EF8A}" type="datetimeFigureOut">
               <a:rPr lang="ko-KR" altLang="en-US" smtClean="0"/>
-              <a:t>2021-09-10</a:t>
+              <a:t>2021-10-01</a:t>
             </a:fld>
             <a:endParaRPr lang="ko-KR" altLang="en-US"/>
           </a:p>
@@ -1817,7 +1819,7 @@
           <a:p>
             <a:fld id="{1951C600-A5E6-4FAC-AB4D-C2C9AF20EF8A}" type="datetimeFigureOut">
               <a:rPr lang="ko-KR" altLang="en-US" smtClean="0"/>
-              <a:t>2021-09-10</a:t>
+              <a:t>2021-10-01</a:t>
             </a:fld>
             <a:endParaRPr lang="ko-KR" altLang="en-US"/>
           </a:p>
@@ -1958,7 +1960,7 @@
           <a:p>
             <a:fld id="{1951C600-A5E6-4FAC-AB4D-C2C9AF20EF8A}" type="datetimeFigureOut">
               <a:rPr lang="ko-KR" altLang="en-US" smtClean="0"/>
-              <a:t>2021-09-10</a:t>
+              <a:t>2021-10-01</a:t>
             </a:fld>
             <a:endParaRPr lang="ko-KR" altLang="en-US"/>
           </a:p>
@@ -2071,7 +2073,7 @@
           <a:p>
             <a:fld id="{1951C600-A5E6-4FAC-AB4D-C2C9AF20EF8A}" type="datetimeFigureOut">
               <a:rPr lang="ko-KR" altLang="en-US" smtClean="0"/>
-              <a:t>2021-09-10</a:t>
+              <a:t>2021-10-01</a:t>
             </a:fld>
             <a:endParaRPr lang="ko-KR" altLang="en-US"/>
           </a:p>
@@ -2382,7 +2384,7 @@
           <a:p>
             <a:fld id="{1951C600-A5E6-4FAC-AB4D-C2C9AF20EF8A}" type="datetimeFigureOut">
               <a:rPr lang="ko-KR" altLang="en-US" smtClean="0"/>
-              <a:t>2021-09-10</a:t>
+              <a:t>2021-10-01</a:t>
             </a:fld>
             <a:endParaRPr lang="ko-KR" altLang="en-US"/>
           </a:p>
@@ -2670,7 +2672,7 @@
           <a:p>
             <a:fld id="{1951C600-A5E6-4FAC-AB4D-C2C9AF20EF8A}" type="datetimeFigureOut">
               <a:rPr lang="ko-KR" altLang="en-US" smtClean="0"/>
-              <a:t>2021-09-10</a:t>
+              <a:t>2021-10-01</a:t>
             </a:fld>
             <a:endParaRPr lang="ko-KR" altLang="en-US"/>
           </a:p>
@@ -2911,7 +2913,7 @@
           <a:p>
             <a:fld id="{1951C600-A5E6-4FAC-AB4D-C2C9AF20EF8A}" type="datetimeFigureOut">
               <a:rPr lang="ko-KR" altLang="en-US" smtClean="0"/>
-              <a:t>2021-09-10</a:t>
+              <a:t>2021-10-01</a:t>
             </a:fld>
             <a:endParaRPr lang="ko-KR" altLang="en-US"/>
           </a:p>
@@ -4877,6 +4879,4281 @@
 </p:sld>
 </file>
 
+<file path=ppt/slides/slide4.xml><?xml version="1.0" encoding="utf-8"?>
+<p:sld xmlns:a="http://schemas.openxmlformats.org/drawingml/2006/main" xmlns:r="http://schemas.openxmlformats.org/officeDocument/2006/relationships" xmlns:p="http://schemas.openxmlformats.org/presentationml/2006/main">
+  <p:cSld>
+    <p:spTree>
+      <p:nvGrpSpPr>
+        <p:cNvPr id="1" name=""/>
+        <p:cNvGrpSpPr/>
+        <p:nvPr/>
+      </p:nvGrpSpPr>
+      <p:grpSpPr>
+        <a:xfrm>
+          <a:off x="0" y="0"/>
+          <a:ext cx="0" cy="0"/>
+          <a:chOff x="0" y="0"/>
+          <a:chExt cx="0" cy="0"/>
+        </a:xfrm>
+      </p:grpSpPr>
+      <p:pic>
+        <p:nvPicPr>
+          <p:cNvPr id="5" name="그림 4">
+            <a:extLst>
+              <a:ext uri="{FF2B5EF4-FFF2-40B4-BE49-F238E27FC236}">
+                <a16:creationId xmlns:a16="http://schemas.microsoft.com/office/drawing/2014/main" id="{85B8403C-4DDA-4DE6-8212-0EC4ACA5F47D}"/>
+              </a:ext>
+            </a:extLst>
+          </p:cNvPr>
+          <p:cNvPicPr>
+            <a:picLocks noChangeAspect="1"/>
+          </p:cNvPicPr>
+          <p:nvPr/>
+        </p:nvPicPr>
+        <p:blipFill>
+          <a:blip r:embed="rId2"/>
+          <a:stretch>
+            <a:fillRect/>
+          </a:stretch>
+        </p:blipFill>
+        <p:spPr>
+          <a:xfrm>
+            <a:off x="1613575" y="1007533"/>
+            <a:ext cx="6351696" cy="4334933"/>
+          </a:xfrm>
+          <a:prstGeom prst="rect">
+            <a:avLst/>
+          </a:prstGeom>
+        </p:spPr>
+      </p:pic>
+    </p:spTree>
+    <p:extLst>
+      <p:ext uri="{BB962C8B-B14F-4D97-AF65-F5344CB8AC3E}">
+        <p14:creationId xmlns:p14="http://schemas.microsoft.com/office/powerpoint/2010/main" val="3519423236"/>
+      </p:ext>
+    </p:extLst>
+  </p:cSld>
+  <p:clrMapOvr>
+    <a:masterClrMapping/>
+  </p:clrMapOvr>
+</p:sld>
+</file>
+
+<file path=ppt/slides/slide5.xml><?xml version="1.0" encoding="utf-8"?>
+<p:sld xmlns:a="http://schemas.openxmlformats.org/drawingml/2006/main" xmlns:r="http://schemas.openxmlformats.org/officeDocument/2006/relationships" xmlns:p="http://schemas.openxmlformats.org/presentationml/2006/main">
+  <p:cSld>
+    <p:spTree>
+      <p:nvGrpSpPr>
+        <p:cNvPr id="1" name=""/>
+        <p:cNvGrpSpPr/>
+        <p:nvPr/>
+      </p:nvGrpSpPr>
+      <p:grpSpPr>
+        <a:xfrm>
+          <a:off x="0" y="0"/>
+          <a:ext cx="0" cy="0"/>
+          <a:chOff x="0" y="0"/>
+          <a:chExt cx="0" cy="0"/>
+        </a:xfrm>
+      </p:grpSpPr>
+      <p:pic>
+        <p:nvPicPr>
+          <p:cNvPr id="4" name="그림 3">
+            <a:extLst>
+              <a:ext uri="{FF2B5EF4-FFF2-40B4-BE49-F238E27FC236}">
+                <a16:creationId xmlns:a16="http://schemas.microsoft.com/office/drawing/2014/main" id="{89282C9C-7F57-4D84-863E-A6B07C9206AC}"/>
+              </a:ext>
+            </a:extLst>
+          </p:cNvPr>
+          <p:cNvPicPr>
+            <a:picLocks noChangeAspect="1"/>
+          </p:cNvPicPr>
+          <p:nvPr/>
+        </p:nvPicPr>
+        <p:blipFill rotWithShape="1">
+          <a:blip r:embed="rId2"/>
+          <a:srcRect l="16146" t="43723" r="61354" b="4161"/>
+          <a:stretch/>
+        </p:blipFill>
+        <p:spPr>
+          <a:xfrm>
+            <a:off x="1200150" y="3265743"/>
+            <a:ext cx="2743200" cy="3111500"/>
+          </a:xfrm>
+          <a:prstGeom prst="rect">
+            <a:avLst/>
+          </a:prstGeom>
+        </p:spPr>
+      </p:pic>
+      <p:pic>
+        <p:nvPicPr>
+          <p:cNvPr id="8" name="그림 7">
+            <a:extLst>
+              <a:ext uri="{FF2B5EF4-FFF2-40B4-BE49-F238E27FC236}">
+                <a16:creationId xmlns:a16="http://schemas.microsoft.com/office/drawing/2014/main" id="{508BE720-5276-4F70-A58B-0165D9B097B2}"/>
+              </a:ext>
+            </a:extLst>
+          </p:cNvPr>
+          <p:cNvPicPr>
+            <a:picLocks noChangeAspect="1"/>
+          </p:cNvPicPr>
+          <p:nvPr/>
+        </p:nvPicPr>
+        <p:blipFill>
+          <a:blip r:embed="rId3"/>
+          <a:stretch>
+            <a:fillRect/>
+          </a:stretch>
+        </p:blipFill>
+        <p:spPr>
+          <a:xfrm>
+            <a:off x="1431705" y="836704"/>
+            <a:ext cx="2035395" cy="2140248"/>
+          </a:xfrm>
+          <a:prstGeom prst="rect">
+            <a:avLst/>
+          </a:prstGeom>
+        </p:spPr>
+      </p:pic>
+      <p:graphicFrame>
+        <p:nvGraphicFramePr>
+          <p:cNvPr id="16" name="표 6">
+            <a:extLst>
+              <a:ext uri="{FF2B5EF4-FFF2-40B4-BE49-F238E27FC236}">
+                <a16:creationId xmlns:a16="http://schemas.microsoft.com/office/drawing/2014/main" id="{5DDB55B4-AA1B-4623-9FAB-4C860C445B3F}"/>
+              </a:ext>
+            </a:extLst>
+          </p:cNvPr>
+          <p:cNvGraphicFramePr>
+            <a:graphicFrameLocks noGrp="1"/>
+          </p:cNvGraphicFramePr>
+          <p:nvPr>
+            <p:extLst>
+              <p:ext uri="{D42A27DB-BD31-4B8C-83A1-F6EECF244321}">
+                <p14:modId xmlns:p14="http://schemas.microsoft.com/office/powerpoint/2010/main" val="258639151"/>
+              </p:ext>
+            </p:extLst>
+          </p:nvPr>
+        </p:nvGraphicFramePr>
+        <p:xfrm>
+          <a:off x="8135628" y="3391541"/>
+          <a:ext cx="2616200" cy="1813985"/>
+        </p:xfrm>
+        <a:graphic>
+          <a:graphicData uri="http://schemas.openxmlformats.org/drawingml/2006/table">
+            <a:tbl>
+              <a:tblPr firstRow="1" bandRow="1">
+                <a:tableStyleId>{5C22544A-7EE6-4342-B048-85BDC9FD1C3A}</a:tableStyleId>
+              </a:tblPr>
+              <a:tblGrid>
+                <a:gridCol w="523240">
+                  <a:extLst>
+                    <a:ext uri="{9D8B030D-6E8A-4147-A177-3AD203B41FA5}">
+                      <a16:colId xmlns:a16="http://schemas.microsoft.com/office/drawing/2014/main" val="2430935173"/>
+                    </a:ext>
+                  </a:extLst>
+                </a:gridCol>
+                <a:gridCol w="523240">
+                  <a:extLst>
+                    <a:ext uri="{9D8B030D-6E8A-4147-A177-3AD203B41FA5}">
+                      <a16:colId xmlns:a16="http://schemas.microsoft.com/office/drawing/2014/main" val="3737258820"/>
+                    </a:ext>
+                  </a:extLst>
+                </a:gridCol>
+                <a:gridCol w="523240">
+                  <a:extLst>
+                    <a:ext uri="{9D8B030D-6E8A-4147-A177-3AD203B41FA5}">
+                      <a16:colId xmlns:a16="http://schemas.microsoft.com/office/drawing/2014/main" val="3514139217"/>
+                    </a:ext>
+                  </a:extLst>
+                </a:gridCol>
+                <a:gridCol w="523240">
+                  <a:extLst>
+                    <a:ext uri="{9D8B030D-6E8A-4147-A177-3AD203B41FA5}">
+                      <a16:colId xmlns:a16="http://schemas.microsoft.com/office/drawing/2014/main" val="3571665784"/>
+                    </a:ext>
+                  </a:extLst>
+                </a:gridCol>
+                <a:gridCol w="523240">
+                  <a:extLst>
+                    <a:ext uri="{9D8B030D-6E8A-4147-A177-3AD203B41FA5}">
+                      <a16:colId xmlns:a16="http://schemas.microsoft.com/office/drawing/2014/main" val="428887677"/>
+                    </a:ext>
+                  </a:extLst>
+                </a:gridCol>
+              </a:tblGrid>
+              <a:tr h="362797">
+                <a:tc>
+                  <a:txBody>
+                    <a:bodyPr/>
+                    <a:lstStyle/>
+                    <a:p>
+                      <a:pPr algn="ctr" latinLnBrk="1"/>
+                      <a:r>
+                        <a:rPr lang="en-US" altLang="ko-KR" sz="1200" b="0" dirty="0">
+                          <a:solidFill>
+                            <a:schemeClr val="tx1"/>
+                          </a:solidFill>
+                        </a:rPr>
+                        <a:t>Y3</a:t>
+                      </a:r>
+                      <a:endParaRPr lang="ko-KR" altLang="en-US" sz="1200" b="0" dirty="0">
+                        <a:solidFill>
+                          <a:schemeClr val="tx1"/>
+                        </a:solidFill>
+                      </a:endParaRPr>
+                    </a:p>
+                  </a:txBody>
+                  <a:tcPr>
+                    <a:lnL w="12700" cap="flat" cmpd="sng" algn="ctr">
+                      <a:solidFill>
+                        <a:schemeClr val="tx1"/>
+                      </a:solidFill>
+                      <a:prstDash val="solid"/>
+                      <a:round/>
+                      <a:headEnd type="none" w="med" len="med"/>
+                      <a:tailEnd type="none" w="med" len="med"/>
+                    </a:lnL>
+                    <a:lnR w="12700" cap="flat" cmpd="sng" algn="ctr">
+                      <a:solidFill>
+                        <a:schemeClr val="tx1"/>
+                      </a:solidFill>
+                      <a:prstDash val="solid"/>
+                      <a:round/>
+                      <a:headEnd type="none" w="med" len="med"/>
+                      <a:tailEnd type="none" w="med" len="med"/>
+                    </a:lnR>
+                    <a:lnT w="12700" cap="flat" cmpd="sng" algn="ctr">
+                      <a:solidFill>
+                        <a:schemeClr val="tx1"/>
+                      </a:solidFill>
+                      <a:prstDash val="solid"/>
+                      <a:round/>
+                      <a:headEnd type="none" w="med" len="med"/>
+                      <a:tailEnd type="none" w="med" len="med"/>
+                    </a:lnT>
+                    <a:lnB w="12700" cap="flat" cmpd="sng" algn="ctr">
+                      <a:solidFill>
+                        <a:schemeClr val="tx1"/>
+                      </a:solidFill>
+                      <a:prstDash val="solid"/>
+                      <a:round/>
+                      <a:headEnd type="none" w="med" len="med"/>
+                      <a:tailEnd type="none" w="med" len="med"/>
+                    </a:lnB>
+                    <a:solidFill>
+                      <a:schemeClr val="bg1"/>
+                    </a:solidFill>
+                  </a:tcPr>
+                </a:tc>
+                <a:tc>
+                  <a:txBody>
+                    <a:bodyPr/>
+                    <a:lstStyle/>
+                    <a:p>
+                      <a:pPr algn="ctr" latinLnBrk="1"/>
+                      <a:r>
+                        <a:rPr lang="en-US" altLang="ko-KR" sz="1200" b="0" dirty="0">
+                          <a:solidFill>
+                            <a:srgbClr val="002060"/>
+                          </a:solidFill>
+                        </a:rPr>
+                        <a:t>R3</a:t>
+                      </a:r>
+                      <a:endParaRPr lang="ko-KR" altLang="en-US" sz="1200" b="0" dirty="0">
+                        <a:solidFill>
+                          <a:srgbClr val="002060"/>
+                        </a:solidFill>
+                      </a:endParaRPr>
+                    </a:p>
+                  </a:txBody>
+                  <a:tcPr>
+                    <a:lnL w="12700" cap="flat" cmpd="sng" algn="ctr">
+                      <a:solidFill>
+                        <a:schemeClr val="tx1"/>
+                      </a:solidFill>
+                      <a:prstDash val="solid"/>
+                      <a:round/>
+                      <a:headEnd type="none" w="med" len="med"/>
+                      <a:tailEnd type="none" w="med" len="med"/>
+                    </a:lnL>
+                    <a:lnR w="12700" cap="flat" cmpd="sng" algn="ctr">
+                      <a:solidFill>
+                        <a:schemeClr val="tx1"/>
+                      </a:solidFill>
+                      <a:prstDash val="solid"/>
+                      <a:round/>
+                      <a:headEnd type="none" w="med" len="med"/>
+                      <a:tailEnd type="none" w="med" len="med"/>
+                    </a:lnR>
+                    <a:lnT w="12700" cap="flat" cmpd="sng" algn="ctr">
+                      <a:solidFill>
+                        <a:schemeClr val="tx1"/>
+                      </a:solidFill>
+                      <a:prstDash val="solid"/>
+                      <a:round/>
+                      <a:headEnd type="none" w="med" len="med"/>
+                      <a:tailEnd type="none" w="med" len="med"/>
+                    </a:lnT>
+                    <a:lnB w="12700" cap="flat" cmpd="sng" algn="ctr">
+                      <a:solidFill>
+                        <a:schemeClr val="tx1"/>
+                      </a:solidFill>
+                      <a:prstDash val="solid"/>
+                      <a:round/>
+                      <a:headEnd type="none" w="med" len="med"/>
+                      <a:tailEnd type="none" w="med" len="med"/>
+                    </a:lnB>
+                    <a:solidFill>
+                      <a:schemeClr val="bg1"/>
+                    </a:solidFill>
+                  </a:tcPr>
+                </a:tc>
+                <a:tc>
+                  <a:txBody>
+                    <a:bodyPr/>
+                    <a:lstStyle/>
+                    <a:p>
+                      <a:pPr algn="ctr" latinLnBrk="1"/>
+                      <a:r>
+                        <a:rPr lang="en-US" altLang="ko-KR" sz="1200" b="0" dirty="0">
+                          <a:solidFill>
+                            <a:srgbClr val="0070C0"/>
+                          </a:solidFill>
+                        </a:rPr>
+                        <a:t>O3</a:t>
+                      </a:r>
+                      <a:endParaRPr lang="ko-KR" altLang="en-US" sz="1200" b="0" dirty="0">
+                        <a:solidFill>
+                          <a:srgbClr val="0070C0"/>
+                        </a:solidFill>
+                      </a:endParaRPr>
+                    </a:p>
+                  </a:txBody>
+                  <a:tcPr>
+                    <a:lnL w="12700" cap="flat" cmpd="sng" algn="ctr">
+                      <a:solidFill>
+                        <a:schemeClr val="tx1"/>
+                      </a:solidFill>
+                      <a:prstDash val="solid"/>
+                      <a:round/>
+                      <a:headEnd type="none" w="med" len="med"/>
+                      <a:tailEnd type="none" w="med" len="med"/>
+                    </a:lnL>
+                    <a:lnR w="12700" cap="flat" cmpd="sng" algn="ctr">
+                      <a:solidFill>
+                        <a:schemeClr val="tx1"/>
+                      </a:solidFill>
+                      <a:prstDash val="solid"/>
+                      <a:round/>
+                      <a:headEnd type="none" w="med" len="med"/>
+                      <a:tailEnd type="none" w="med" len="med"/>
+                    </a:lnR>
+                    <a:lnT w="12700" cap="flat" cmpd="sng" algn="ctr">
+                      <a:solidFill>
+                        <a:schemeClr val="tx1"/>
+                      </a:solidFill>
+                      <a:prstDash val="solid"/>
+                      <a:round/>
+                      <a:headEnd type="none" w="med" len="med"/>
+                      <a:tailEnd type="none" w="med" len="med"/>
+                    </a:lnT>
+                    <a:lnB w="12700" cap="flat" cmpd="sng" algn="ctr">
+                      <a:solidFill>
+                        <a:schemeClr val="tx1"/>
+                      </a:solidFill>
+                      <a:prstDash val="solid"/>
+                      <a:round/>
+                      <a:headEnd type="none" w="med" len="med"/>
+                      <a:tailEnd type="none" w="med" len="med"/>
+                    </a:lnB>
+                    <a:solidFill>
+                      <a:schemeClr val="bg1"/>
+                    </a:solidFill>
+                  </a:tcPr>
+                </a:tc>
+                <a:tc>
+                  <a:txBody>
+                    <a:bodyPr/>
+                    <a:lstStyle/>
+                    <a:p>
+                      <a:pPr algn="ctr" latinLnBrk="1"/>
+                      <a:r>
+                        <a:rPr lang="en-US" altLang="ko-KR" sz="1200" b="0" dirty="0">
+                          <a:solidFill>
+                            <a:srgbClr val="00B050"/>
+                          </a:solidFill>
+                        </a:rPr>
+                        <a:t>N3</a:t>
+                      </a:r>
+                      <a:endParaRPr lang="ko-KR" altLang="en-US" sz="1200" b="0" dirty="0">
+                        <a:solidFill>
+                          <a:srgbClr val="00B050"/>
+                        </a:solidFill>
+                      </a:endParaRPr>
+                    </a:p>
+                  </a:txBody>
+                  <a:tcPr>
+                    <a:lnL w="12700" cap="flat" cmpd="sng" algn="ctr">
+                      <a:solidFill>
+                        <a:schemeClr val="tx1"/>
+                      </a:solidFill>
+                      <a:prstDash val="solid"/>
+                      <a:round/>
+                      <a:headEnd type="none" w="med" len="med"/>
+                      <a:tailEnd type="none" w="med" len="med"/>
+                    </a:lnL>
+                    <a:lnR w="12700" cap="flat" cmpd="sng" algn="ctr">
+                      <a:solidFill>
+                        <a:schemeClr val="tx1"/>
+                      </a:solidFill>
+                      <a:prstDash val="solid"/>
+                      <a:round/>
+                      <a:headEnd type="none" w="med" len="med"/>
+                      <a:tailEnd type="none" w="med" len="med"/>
+                    </a:lnR>
+                    <a:lnT w="12700" cap="flat" cmpd="sng" algn="ctr">
+                      <a:solidFill>
+                        <a:schemeClr val="tx1"/>
+                      </a:solidFill>
+                      <a:prstDash val="solid"/>
+                      <a:round/>
+                      <a:headEnd type="none" w="med" len="med"/>
+                      <a:tailEnd type="none" w="med" len="med"/>
+                    </a:lnT>
+                    <a:lnB w="12700" cap="flat" cmpd="sng" algn="ctr">
+                      <a:solidFill>
+                        <a:schemeClr val="tx1"/>
+                      </a:solidFill>
+                      <a:prstDash val="solid"/>
+                      <a:round/>
+                      <a:headEnd type="none" w="med" len="med"/>
+                      <a:tailEnd type="none" w="med" len="med"/>
+                    </a:lnB>
+                    <a:solidFill>
+                      <a:schemeClr val="bg1"/>
+                    </a:solidFill>
+                  </a:tcPr>
+                </a:tc>
+                <a:tc>
+                  <a:txBody>
+                    <a:bodyPr/>
+                    <a:lstStyle/>
+                    <a:p>
+                      <a:pPr algn="ctr" latinLnBrk="1"/>
+                      <a:r>
+                        <a:rPr lang="en-US" altLang="ko-KR" sz="1200" b="0" dirty="0">
+                          <a:solidFill>
+                            <a:srgbClr val="C00000"/>
+                          </a:solidFill>
+                        </a:rPr>
+                        <a:t>M3</a:t>
+                      </a:r>
+                      <a:endParaRPr lang="ko-KR" altLang="en-US" sz="1200" b="0" dirty="0">
+                        <a:solidFill>
+                          <a:srgbClr val="C00000"/>
+                        </a:solidFill>
+                      </a:endParaRPr>
+                    </a:p>
+                  </a:txBody>
+                  <a:tcPr>
+                    <a:lnL w="12700" cap="flat" cmpd="sng" algn="ctr">
+                      <a:solidFill>
+                        <a:schemeClr val="tx1"/>
+                      </a:solidFill>
+                      <a:prstDash val="solid"/>
+                      <a:round/>
+                      <a:headEnd type="none" w="med" len="med"/>
+                      <a:tailEnd type="none" w="med" len="med"/>
+                    </a:lnL>
+                    <a:lnR w="12700" cap="flat" cmpd="sng" algn="ctr">
+                      <a:solidFill>
+                        <a:schemeClr val="tx1"/>
+                      </a:solidFill>
+                      <a:prstDash val="solid"/>
+                      <a:round/>
+                      <a:headEnd type="none" w="med" len="med"/>
+                      <a:tailEnd type="none" w="med" len="med"/>
+                    </a:lnR>
+                    <a:lnT w="12700" cap="flat" cmpd="sng" algn="ctr">
+                      <a:solidFill>
+                        <a:schemeClr val="tx1"/>
+                      </a:solidFill>
+                      <a:prstDash val="solid"/>
+                      <a:round/>
+                      <a:headEnd type="none" w="med" len="med"/>
+                      <a:tailEnd type="none" w="med" len="med"/>
+                    </a:lnT>
+                    <a:lnB w="12700" cap="flat" cmpd="sng" algn="ctr">
+                      <a:solidFill>
+                        <a:schemeClr val="tx1"/>
+                      </a:solidFill>
+                      <a:prstDash val="solid"/>
+                      <a:round/>
+                      <a:headEnd type="none" w="med" len="med"/>
+                      <a:tailEnd type="none" w="med" len="med"/>
+                    </a:lnB>
+                    <a:solidFill>
+                      <a:schemeClr val="bg1"/>
+                    </a:solidFill>
+                  </a:tcPr>
+                </a:tc>
+                <a:extLst>
+                  <a:ext uri="{0D108BD9-81ED-4DB2-BD59-A6C34878D82A}">
+                    <a16:rowId xmlns:a16="http://schemas.microsoft.com/office/drawing/2014/main" val="1020676685"/>
+                  </a:ext>
+                </a:extLst>
+              </a:tr>
+              <a:tr h="362797">
+                <a:tc>
+                  <a:txBody>
+                    <a:bodyPr/>
+                    <a:lstStyle/>
+                    <a:p>
+                      <a:pPr algn="ctr" latinLnBrk="1"/>
+                      <a:r>
+                        <a:rPr lang="en-US" altLang="ko-KR" sz="1200" b="0" dirty="0">
+                          <a:solidFill>
+                            <a:srgbClr val="002060"/>
+                          </a:solidFill>
+                        </a:rPr>
+                        <a:t>R2</a:t>
+                      </a:r>
+                      <a:endParaRPr lang="ko-KR" altLang="en-US" sz="1200" b="0" dirty="0">
+                        <a:solidFill>
+                          <a:srgbClr val="002060"/>
+                        </a:solidFill>
+                      </a:endParaRPr>
+                    </a:p>
+                  </a:txBody>
+                  <a:tcPr>
+                    <a:lnL w="12700" cap="flat" cmpd="sng" algn="ctr">
+                      <a:solidFill>
+                        <a:schemeClr val="tx1"/>
+                      </a:solidFill>
+                      <a:prstDash val="solid"/>
+                      <a:round/>
+                      <a:headEnd type="none" w="med" len="med"/>
+                      <a:tailEnd type="none" w="med" len="med"/>
+                    </a:lnL>
+                    <a:lnR w="12700" cap="flat" cmpd="sng" algn="ctr">
+                      <a:solidFill>
+                        <a:schemeClr val="tx1"/>
+                      </a:solidFill>
+                      <a:prstDash val="solid"/>
+                      <a:round/>
+                      <a:headEnd type="none" w="med" len="med"/>
+                      <a:tailEnd type="none" w="med" len="med"/>
+                    </a:lnR>
+                    <a:lnT w="12700" cap="flat" cmpd="sng" algn="ctr">
+                      <a:solidFill>
+                        <a:schemeClr val="tx1"/>
+                      </a:solidFill>
+                      <a:prstDash val="solid"/>
+                      <a:round/>
+                      <a:headEnd type="none" w="med" len="med"/>
+                      <a:tailEnd type="none" w="med" len="med"/>
+                    </a:lnT>
+                    <a:lnB w="12700" cap="flat" cmpd="sng" algn="ctr">
+                      <a:solidFill>
+                        <a:schemeClr val="tx1"/>
+                      </a:solidFill>
+                      <a:prstDash val="solid"/>
+                      <a:round/>
+                      <a:headEnd type="none" w="med" len="med"/>
+                      <a:tailEnd type="none" w="med" len="med"/>
+                    </a:lnB>
+                    <a:solidFill>
+                      <a:schemeClr val="bg1"/>
+                    </a:solidFill>
+                  </a:tcPr>
+                </a:tc>
+                <a:tc>
+                  <a:txBody>
+                    <a:bodyPr/>
+                    <a:lstStyle/>
+                    <a:p>
+                      <a:pPr algn="ctr" latinLnBrk="1"/>
+                      <a:r>
+                        <a:rPr lang="en-US" altLang="ko-KR" sz="1200" b="0" dirty="0">
+                          <a:solidFill>
+                            <a:srgbClr val="0070C0"/>
+                          </a:solidFill>
+                        </a:rPr>
+                        <a:t>O2</a:t>
+                      </a:r>
+                      <a:endParaRPr lang="ko-KR" altLang="en-US" sz="1200" b="0" dirty="0">
+                        <a:solidFill>
+                          <a:srgbClr val="0070C0"/>
+                        </a:solidFill>
+                      </a:endParaRPr>
+                    </a:p>
+                  </a:txBody>
+                  <a:tcPr>
+                    <a:lnL w="12700" cap="flat" cmpd="sng" algn="ctr">
+                      <a:solidFill>
+                        <a:schemeClr val="tx1"/>
+                      </a:solidFill>
+                      <a:prstDash val="solid"/>
+                      <a:round/>
+                      <a:headEnd type="none" w="med" len="med"/>
+                      <a:tailEnd type="none" w="med" len="med"/>
+                    </a:lnL>
+                    <a:lnR w="12700" cap="flat" cmpd="sng" algn="ctr">
+                      <a:solidFill>
+                        <a:schemeClr val="tx1"/>
+                      </a:solidFill>
+                      <a:prstDash val="solid"/>
+                      <a:round/>
+                      <a:headEnd type="none" w="med" len="med"/>
+                      <a:tailEnd type="none" w="med" len="med"/>
+                    </a:lnR>
+                    <a:lnT w="12700" cap="flat" cmpd="sng" algn="ctr">
+                      <a:solidFill>
+                        <a:schemeClr val="tx1"/>
+                      </a:solidFill>
+                      <a:prstDash val="solid"/>
+                      <a:round/>
+                      <a:headEnd type="none" w="med" len="med"/>
+                      <a:tailEnd type="none" w="med" len="med"/>
+                    </a:lnT>
+                    <a:lnB w="12700" cap="flat" cmpd="sng" algn="ctr">
+                      <a:solidFill>
+                        <a:schemeClr val="tx1"/>
+                      </a:solidFill>
+                      <a:prstDash val="solid"/>
+                      <a:round/>
+                      <a:headEnd type="none" w="med" len="med"/>
+                      <a:tailEnd type="none" w="med" len="med"/>
+                    </a:lnB>
+                    <a:solidFill>
+                      <a:schemeClr val="bg1"/>
+                    </a:solidFill>
+                  </a:tcPr>
+                </a:tc>
+                <a:tc>
+                  <a:txBody>
+                    <a:bodyPr/>
+                    <a:lstStyle/>
+                    <a:p>
+                      <a:pPr algn="ctr" latinLnBrk="1"/>
+                      <a:r>
+                        <a:rPr lang="en-US" altLang="ko-KR" sz="1200" b="0" dirty="0">
+                          <a:solidFill>
+                            <a:srgbClr val="00B050"/>
+                          </a:solidFill>
+                        </a:rPr>
+                        <a:t>N2</a:t>
+                      </a:r>
+                      <a:endParaRPr lang="ko-KR" altLang="en-US" sz="1200" b="0" dirty="0">
+                        <a:solidFill>
+                          <a:srgbClr val="00B050"/>
+                        </a:solidFill>
+                      </a:endParaRPr>
+                    </a:p>
+                  </a:txBody>
+                  <a:tcPr>
+                    <a:lnL w="12700" cap="flat" cmpd="sng" algn="ctr">
+                      <a:solidFill>
+                        <a:schemeClr val="tx1"/>
+                      </a:solidFill>
+                      <a:prstDash val="solid"/>
+                      <a:round/>
+                      <a:headEnd type="none" w="med" len="med"/>
+                      <a:tailEnd type="none" w="med" len="med"/>
+                    </a:lnL>
+                    <a:lnR w="12700" cap="flat" cmpd="sng" algn="ctr">
+                      <a:solidFill>
+                        <a:schemeClr val="tx1"/>
+                      </a:solidFill>
+                      <a:prstDash val="solid"/>
+                      <a:round/>
+                      <a:headEnd type="none" w="med" len="med"/>
+                      <a:tailEnd type="none" w="med" len="med"/>
+                    </a:lnR>
+                    <a:lnT w="12700" cap="flat" cmpd="sng" algn="ctr">
+                      <a:solidFill>
+                        <a:schemeClr val="tx1"/>
+                      </a:solidFill>
+                      <a:prstDash val="solid"/>
+                      <a:round/>
+                      <a:headEnd type="none" w="med" len="med"/>
+                      <a:tailEnd type="none" w="med" len="med"/>
+                    </a:lnT>
+                    <a:lnB w="12700" cap="flat" cmpd="sng" algn="ctr">
+                      <a:solidFill>
+                        <a:schemeClr val="tx1"/>
+                      </a:solidFill>
+                      <a:prstDash val="solid"/>
+                      <a:round/>
+                      <a:headEnd type="none" w="med" len="med"/>
+                      <a:tailEnd type="none" w="med" len="med"/>
+                    </a:lnB>
+                    <a:solidFill>
+                      <a:schemeClr val="bg1"/>
+                    </a:solidFill>
+                  </a:tcPr>
+                </a:tc>
+                <a:tc>
+                  <a:txBody>
+                    <a:bodyPr/>
+                    <a:lstStyle/>
+                    <a:p>
+                      <a:pPr algn="ctr" latinLnBrk="1"/>
+                      <a:r>
+                        <a:rPr lang="en-US" altLang="ko-KR" sz="1200" b="0" dirty="0">
+                          <a:solidFill>
+                            <a:srgbClr val="C00000"/>
+                          </a:solidFill>
+                        </a:rPr>
+                        <a:t>M2</a:t>
+                      </a:r>
+                      <a:endParaRPr lang="ko-KR" altLang="en-US" sz="1200" b="0" dirty="0">
+                        <a:solidFill>
+                          <a:srgbClr val="C00000"/>
+                        </a:solidFill>
+                      </a:endParaRPr>
+                    </a:p>
+                  </a:txBody>
+                  <a:tcPr>
+                    <a:lnL w="12700" cap="flat" cmpd="sng" algn="ctr">
+                      <a:solidFill>
+                        <a:schemeClr val="tx1"/>
+                      </a:solidFill>
+                      <a:prstDash val="solid"/>
+                      <a:round/>
+                      <a:headEnd type="none" w="med" len="med"/>
+                      <a:tailEnd type="none" w="med" len="med"/>
+                    </a:lnL>
+                    <a:lnR w="12700" cap="flat" cmpd="sng" algn="ctr">
+                      <a:solidFill>
+                        <a:schemeClr val="tx1"/>
+                      </a:solidFill>
+                      <a:prstDash val="solid"/>
+                      <a:round/>
+                      <a:headEnd type="none" w="med" len="med"/>
+                      <a:tailEnd type="none" w="med" len="med"/>
+                    </a:lnR>
+                    <a:lnT w="12700" cap="flat" cmpd="sng" algn="ctr">
+                      <a:solidFill>
+                        <a:schemeClr val="tx1"/>
+                      </a:solidFill>
+                      <a:prstDash val="solid"/>
+                      <a:round/>
+                      <a:headEnd type="none" w="med" len="med"/>
+                      <a:tailEnd type="none" w="med" len="med"/>
+                    </a:lnT>
+                    <a:lnB w="12700" cap="flat" cmpd="sng" algn="ctr">
+                      <a:solidFill>
+                        <a:schemeClr val="tx1"/>
+                      </a:solidFill>
+                      <a:prstDash val="solid"/>
+                      <a:round/>
+                      <a:headEnd type="none" w="med" len="med"/>
+                      <a:tailEnd type="none" w="med" len="med"/>
+                    </a:lnB>
+                    <a:solidFill>
+                      <a:schemeClr val="bg1"/>
+                    </a:solidFill>
+                  </a:tcPr>
+                </a:tc>
+                <a:tc>
+                  <a:txBody>
+                    <a:bodyPr/>
+                    <a:lstStyle/>
+                    <a:p>
+                      <a:pPr algn="ctr" latinLnBrk="1"/>
+                      <a:endParaRPr lang="ko-KR" altLang="en-US" sz="1200" b="0" dirty="0">
+                        <a:solidFill>
+                          <a:schemeClr val="tx1"/>
+                        </a:solidFill>
+                      </a:endParaRPr>
+                    </a:p>
+                  </a:txBody>
+                  <a:tcPr>
+                    <a:lnL w="12700" cap="flat" cmpd="sng" algn="ctr">
+                      <a:solidFill>
+                        <a:schemeClr val="tx1"/>
+                      </a:solidFill>
+                      <a:prstDash val="solid"/>
+                      <a:round/>
+                      <a:headEnd type="none" w="med" len="med"/>
+                      <a:tailEnd type="none" w="med" len="med"/>
+                    </a:lnL>
+                    <a:lnR w="12700" cap="flat" cmpd="sng" algn="ctr">
+                      <a:solidFill>
+                        <a:schemeClr val="tx1"/>
+                      </a:solidFill>
+                      <a:prstDash val="solid"/>
+                      <a:round/>
+                      <a:headEnd type="none" w="med" len="med"/>
+                      <a:tailEnd type="none" w="med" len="med"/>
+                    </a:lnR>
+                    <a:lnT w="12700" cap="flat" cmpd="sng" algn="ctr">
+                      <a:solidFill>
+                        <a:schemeClr val="tx1"/>
+                      </a:solidFill>
+                      <a:prstDash val="solid"/>
+                      <a:round/>
+                      <a:headEnd type="none" w="med" len="med"/>
+                      <a:tailEnd type="none" w="med" len="med"/>
+                    </a:lnT>
+                    <a:lnB w="12700" cap="flat" cmpd="sng" algn="ctr">
+                      <a:solidFill>
+                        <a:schemeClr val="tx1"/>
+                      </a:solidFill>
+                      <a:prstDash val="solid"/>
+                      <a:round/>
+                      <a:headEnd type="none" w="med" len="med"/>
+                      <a:tailEnd type="none" w="med" len="med"/>
+                    </a:lnB>
+                    <a:solidFill>
+                      <a:schemeClr val="bg1"/>
+                    </a:solidFill>
+                  </a:tcPr>
+                </a:tc>
+                <a:extLst>
+                  <a:ext uri="{0D108BD9-81ED-4DB2-BD59-A6C34878D82A}">
+                    <a16:rowId xmlns:a16="http://schemas.microsoft.com/office/drawing/2014/main" val="3017563560"/>
+                  </a:ext>
+                </a:extLst>
+              </a:tr>
+              <a:tr h="362797">
+                <a:tc>
+                  <a:txBody>
+                    <a:bodyPr/>
+                    <a:lstStyle/>
+                    <a:p>
+                      <a:pPr algn="ctr" latinLnBrk="1"/>
+                      <a:r>
+                        <a:rPr lang="en-US" altLang="ko-KR" sz="1200" b="0" dirty="0">
+                          <a:solidFill>
+                            <a:srgbClr val="0070C0"/>
+                          </a:solidFill>
+                        </a:rPr>
+                        <a:t>…</a:t>
+                      </a:r>
+                      <a:endParaRPr lang="ko-KR" altLang="en-US" sz="1200" b="0" dirty="0">
+                        <a:solidFill>
+                          <a:srgbClr val="0070C0"/>
+                        </a:solidFill>
+                      </a:endParaRPr>
+                    </a:p>
+                  </a:txBody>
+                  <a:tcPr>
+                    <a:lnL w="12700" cap="flat" cmpd="sng" algn="ctr">
+                      <a:solidFill>
+                        <a:schemeClr val="tx1"/>
+                      </a:solidFill>
+                      <a:prstDash val="solid"/>
+                      <a:round/>
+                      <a:headEnd type="none" w="med" len="med"/>
+                      <a:tailEnd type="none" w="med" len="med"/>
+                    </a:lnL>
+                    <a:lnR w="12700" cap="flat" cmpd="sng" algn="ctr">
+                      <a:solidFill>
+                        <a:schemeClr val="tx1"/>
+                      </a:solidFill>
+                      <a:prstDash val="solid"/>
+                      <a:round/>
+                      <a:headEnd type="none" w="med" len="med"/>
+                      <a:tailEnd type="none" w="med" len="med"/>
+                    </a:lnR>
+                    <a:lnT w="12700" cap="flat" cmpd="sng" algn="ctr">
+                      <a:solidFill>
+                        <a:schemeClr val="tx1"/>
+                      </a:solidFill>
+                      <a:prstDash val="solid"/>
+                      <a:round/>
+                      <a:headEnd type="none" w="med" len="med"/>
+                      <a:tailEnd type="none" w="med" len="med"/>
+                    </a:lnT>
+                    <a:lnB w="12700" cap="flat" cmpd="sng" algn="ctr">
+                      <a:solidFill>
+                        <a:schemeClr val="tx1"/>
+                      </a:solidFill>
+                      <a:prstDash val="solid"/>
+                      <a:round/>
+                      <a:headEnd type="none" w="med" len="med"/>
+                      <a:tailEnd type="none" w="med" len="med"/>
+                    </a:lnB>
+                    <a:solidFill>
+                      <a:schemeClr val="bg1"/>
+                    </a:solidFill>
+                  </a:tcPr>
+                </a:tc>
+                <a:tc>
+                  <a:txBody>
+                    <a:bodyPr/>
+                    <a:lstStyle/>
+                    <a:p>
+                      <a:pPr algn="ctr" latinLnBrk="1"/>
+                      <a:r>
+                        <a:rPr lang="en-US" altLang="ko-KR" sz="1200" b="0" dirty="0">
+                          <a:solidFill>
+                            <a:srgbClr val="00B050"/>
+                          </a:solidFill>
+                        </a:rPr>
+                        <a:t>…</a:t>
+                      </a:r>
+                      <a:endParaRPr lang="ko-KR" altLang="en-US" sz="1200" b="0" dirty="0">
+                        <a:solidFill>
+                          <a:srgbClr val="00B050"/>
+                        </a:solidFill>
+                      </a:endParaRPr>
+                    </a:p>
+                  </a:txBody>
+                  <a:tcPr>
+                    <a:lnL w="12700" cap="flat" cmpd="sng" algn="ctr">
+                      <a:solidFill>
+                        <a:schemeClr val="tx1"/>
+                      </a:solidFill>
+                      <a:prstDash val="solid"/>
+                      <a:round/>
+                      <a:headEnd type="none" w="med" len="med"/>
+                      <a:tailEnd type="none" w="med" len="med"/>
+                    </a:lnL>
+                    <a:lnR w="12700" cap="flat" cmpd="sng" algn="ctr">
+                      <a:solidFill>
+                        <a:schemeClr val="tx1"/>
+                      </a:solidFill>
+                      <a:prstDash val="solid"/>
+                      <a:round/>
+                      <a:headEnd type="none" w="med" len="med"/>
+                      <a:tailEnd type="none" w="med" len="med"/>
+                    </a:lnR>
+                    <a:lnT w="12700" cap="flat" cmpd="sng" algn="ctr">
+                      <a:solidFill>
+                        <a:schemeClr val="tx1"/>
+                      </a:solidFill>
+                      <a:prstDash val="solid"/>
+                      <a:round/>
+                      <a:headEnd type="none" w="med" len="med"/>
+                      <a:tailEnd type="none" w="med" len="med"/>
+                    </a:lnT>
+                    <a:lnB w="12700" cap="flat" cmpd="sng" algn="ctr">
+                      <a:solidFill>
+                        <a:schemeClr val="tx1"/>
+                      </a:solidFill>
+                      <a:prstDash val="solid"/>
+                      <a:round/>
+                      <a:headEnd type="none" w="med" len="med"/>
+                      <a:tailEnd type="none" w="med" len="med"/>
+                    </a:lnB>
+                    <a:solidFill>
+                      <a:schemeClr val="bg1"/>
+                    </a:solidFill>
+                  </a:tcPr>
+                </a:tc>
+                <a:tc>
+                  <a:txBody>
+                    <a:bodyPr/>
+                    <a:lstStyle/>
+                    <a:p>
+                      <a:pPr algn="ctr" latinLnBrk="1"/>
+                      <a:r>
+                        <a:rPr lang="en-US" altLang="ko-KR" sz="1200" b="0" dirty="0">
+                          <a:solidFill>
+                            <a:srgbClr val="C00000"/>
+                          </a:solidFill>
+                        </a:rPr>
+                        <a:t>…</a:t>
+                      </a:r>
+                      <a:endParaRPr lang="ko-KR" altLang="en-US" sz="1200" b="0" dirty="0">
+                        <a:solidFill>
+                          <a:srgbClr val="C00000"/>
+                        </a:solidFill>
+                      </a:endParaRPr>
+                    </a:p>
+                  </a:txBody>
+                  <a:tcPr>
+                    <a:lnL w="12700" cap="flat" cmpd="sng" algn="ctr">
+                      <a:solidFill>
+                        <a:schemeClr val="tx1"/>
+                      </a:solidFill>
+                      <a:prstDash val="solid"/>
+                      <a:round/>
+                      <a:headEnd type="none" w="med" len="med"/>
+                      <a:tailEnd type="none" w="med" len="med"/>
+                    </a:lnL>
+                    <a:lnR w="12700" cap="flat" cmpd="sng" algn="ctr">
+                      <a:solidFill>
+                        <a:schemeClr val="tx1"/>
+                      </a:solidFill>
+                      <a:prstDash val="solid"/>
+                      <a:round/>
+                      <a:headEnd type="none" w="med" len="med"/>
+                      <a:tailEnd type="none" w="med" len="med"/>
+                    </a:lnR>
+                    <a:lnT w="12700" cap="flat" cmpd="sng" algn="ctr">
+                      <a:solidFill>
+                        <a:schemeClr val="tx1"/>
+                      </a:solidFill>
+                      <a:prstDash val="solid"/>
+                      <a:round/>
+                      <a:headEnd type="none" w="med" len="med"/>
+                      <a:tailEnd type="none" w="med" len="med"/>
+                    </a:lnT>
+                    <a:lnB w="12700" cap="flat" cmpd="sng" algn="ctr">
+                      <a:solidFill>
+                        <a:schemeClr val="tx1"/>
+                      </a:solidFill>
+                      <a:prstDash val="solid"/>
+                      <a:round/>
+                      <a:headEnd type="none" w="med" len="med"/>
+                      <a:tailEnd type="none" w="med" len="med"/>
+                    </a:lnB>
+                    <a:solidFill>
+                      <a:schemeClr val="bg1"/>
+                    </a:solidFill>
+                  </a:tcPr>
+                </a:tc>
+                <a:tc>
+                  <a:txBody>
+                    <a:bodyPr/>
+                    <a:lstStyle/>
+                    <a:p>
+                      <a:pPr algn="ctr" latinLnBrk="1"/>
+                      <a:endParaRPr lang="ko-KR" altLang="en-US" sz="1200" b="0" dirty="0">
+                        <a:solidFill>
+                          <a:schemeClr val="tx1"/>
+                        </a:solidFill>
+                      </a:endParaRPr>
+                    </a:p>
+                  </a:txBody>
+                  <a:tcPr>
+                    <a:lnL w="12700" cap="flat" cmpd="sng" algn="ctr">
+                      <a:solidFill>
+                        <a:schemeClr val="tx1"/>
+                      </a:solidFill>
+                      <a:prstDash val="solid"/>
+                      <a:round/>
+                      <a:headEnd type="none" w="med" len="med"/>
+                      <a:tailEnd type="none" w="med" len="med"/>
+                    </a:lnL>
+                    <a:lnR w="12700" cap="flat" cmpd="sng" algn="ctr">
+                      <a:solidFill>
+                        <a:schemeClr val="tx1"/>
+                      </a:solidFill>
+                      <a:prstDash val="solid"/>
+                      <a:round/>
+                      <a:headEnd type="none" w="med" len="med"/>
+                      <a:tailEnd type="none" w="med" len="med"/>
+                    </a:lnR>
+                    <a:lnT w="12700" cap="flat" cmpd="sng" algn="ctr">
+                      <a:solidFill>
+                        <a:schemeClr val="tx1"/>
+                      </a:solidFill>
+                      <a:prstDash val="solid"/>
+                      <a:round/>
+                      <a:headEnd type="none" w="med" len="med"/>
+                      <a:tailEnd type="none" w="med" len="med"/>
+                    </a:lnT>
+                    <a:lnB w="12700" cap="flat" cmpd="sng" algn="ctr">
+                      <a:solidFill>
+                        <a:schemeClr val="tx1"/>
+                      </a:solidFill>
+                      <a:prstDash val="solid"/>
+                      <a:round/>
+                      <a:headEnd type="none" w="med" len="med"/>
+                      <a:tailEnd type="none" w="med" len="med"/>
+                    </a:lnB>
+                    <a:solidFill>
+                      <a:schemeClr val="bg1"/>
+                    </a:solidFill>
+                  </a:tcPr>
+                </a:tc>
+                <a:tc>
+                  <a:txBody>
+                    <a:bodyPr/>
+                    <a:lstStyle/>
+                    <a:p>
+                      <a:pPr algn="ctr" latinLnBrk="1"/>
+                      <a:endParaRPr lang="ko-KR" altLang="en-US" sz="1200" b="0" dirty="0">
+                        <a:solidFill>
+                          <a:schemeClr val="tx1"/>
+                        </a:solidFill>
+                      </a:endParaRPr>
+                    </a:p>
+                  </a:txBody>
+                  <a:tcPr>
+                    <a:lnL w="12700" cap="flat" cmpd="sng" algn="ctr">
+                      <a:solidFill>
+                        <a:schemeClr val="tx1"/>
+                      </a:solidFill>
+                      <a:prstDash val="solid"/>
+                      <a:round/>
+                      <a:headEnd type="none" w="med" len="med"/>
+                      <a:tailEnd type="none" w="med" len="med"/>
+                    </a:lnL>
+                    <a:lnR w="12700" cap="flat" cmpd="sng" algn="ctr">
+                      <a:solidFill>
+                        <a:schemeClr val="tx1"/>
+                      </a:solidFill>
+                      <a:prstDash val="solid"/>
+                      <a:round/>
+                      <a:headEnd type="none" w="med" len="med"/>
+                      <a:tailEnd type="none" w="med" len="med"/>
+                    </a:lnR>
+                    <a:lnT w="12700" cap="flat" cmpd="sng" algn="ctr">
+                      <a:solidFill>
+                        <a:schemeClr val="tx1"/>
+                      </a:solidFill>
+                      <a:prstDash val="solid"/>
+                      <a:round/>
+                      <a:headEnd type="none" w="med" len="med"/>
+                      <a:tailEnd type="none" w="med" len="med"/>
+                    </a:lnT>
+                    <a:lnB w="12700" cap="flat" cmpd="sng" algn="ctr">
+                      <a:solidFill>
+                        <a:schemeClr val="tx1"/>
+                      </a:solidFill>
+                      <a:prstDash val="solid"/>
+                      <a:round/>
+                      <a:headEnd type="none" w="med" len="med"/>
+                      <a:tailEnd type="none" w="med" len="med"/>
+                    </a:lnB>
+                    <a:solidFill>
+                      <a:schemeClr val="bg1"/>
+                    </a:solidFill>
+                  </a:tcPr>
+                </a:tc>
+                <a:extLst>
+                  <a:ext uri="{0D108BD9-81ED-4DB2-BD59-A6C34878D82A}">
+                    <a16:rowId xmlns:a16="http://schemas.microsoft.com/office/drawing/2014/main" val="3563553148"/>
+                  </a:ext>
+                </a:extLst>
+              </a:tr>
+              <a:tr h="362797">
+                <a:tc>
+                  <a:txBody>
+                    <a:bodyPr/>
+                    <a:lstStyle/>
+                    <a:p>
+                      <a:pPr algn="ctr" latinLnBrk="1"/>
+                      <a:r>
+                        <a:rPr lang="en-US" altLang="ko-KR" sz="1200" b="0" dirty="0">
+                          <a:solidFill>
+                            <a:srgbClr val="00B050"/>
+                          </a:solidFill>
+                        </a:rPr>
+                        <a:t>B2</a:t>
+                      </a:r>
+                      <a:endParaRPr lang="ko-KR" altLang="en-US" sz="1200" b="0" dirty="0">
+                        <a:solidFill>
+                          <a:srgbClr val="00B050"/>
+                        </a:solidFill>
+                      </a:endParaRPr>
+                    </a:p>
+                  </a:txBody>
+                  <a:tcPr>
+                    <a:lnL w="12700" cap="flat" cmpd="sng" algn="ctr">
+                      <a:solidFill>
+                        <a:schemeClr val="tx1"/>
+                      </a:solidFill>
+                      <a:prstDash val="solid"/>
+                      <a:round/>
+                      <a:headEnd type="none" w="med" len="med"/>
+                      <a:tailEnd type="none" w="med" len="med"/>
+                    </a:lnL>
+                    <a:lnR w="12700" cap="flat" cmpd="sng" algn="ctr">
+                      <a:solidFill>
+                        <a:schemeClr val="tx1"/>
+                      </a:solidFill>
+                      <a:prstDash val="solid"/>
+                      <a:round/>
+                      <a:headEnd type="none" w="med" len="med"/>
+                      <a:tailEnd type="none" w="med" len="med"/>
+                    </a:lnR>
+                    <a:lnT w="12700" cap="flat" cmpd="sng" algn="ctr">
+                      <a:solidFill>
+                        <a:schemeClr val="tx1"/>
+                      </a:solidFill>
+                      <a:prstDash val="solid"/>
+                      <a:round/>
+                      <a:headEnd type="none" w="med" len="med"/>
+                      <a:tailEnd type="none" w="med" len="med"/>
+                    </a:lnT>
+                    <a:lnB w="12700" cap="flat" cmpd="sng" algn="ctr">
+                      <a:solidFill>
+                        <a:schemeClr val="tx1"/>
+                      </a:solidFill>
+                      <a:prstDash val="solid"/>
+                      <a:round/>
+                      <a:headEnd type="none" w="med" len="med"/>
+                      <a:tailEnd type="none" w="med" len="med"/>
+                    </a:lnB>
+                    <a:solidFill>
+                      <a:schemeClr val="bg1"/>
+                    </a:solidFill>
+                  </a:tcPr>
+                </a:tc>
+                <a:tc>
+                  <a:txBody>
+                    <a:bodyPr/>
+                    <a:lstStyle/>
+                    <a:p>
+                      <a:pPr algn="ctr" latinLnBrk="1"/>
+                      <a:r>
+                        <a:rPr lang="en-US" altLang="ko-KR" sz="1200" b="0" dirty="0">
+                          <a:solidFill>
+                            <a:srgbClr val="C00000"/>
+                          </a:solidFill>
+                        </a:rPr>
+                        <a:t>A2</a:t>
+                      </a:r>
+                      <a:endParaRPr lang="ko-KR" altLang="en-US" sz="1200" b="0" dirty="0">
+                        <a:solidFill>
+                          <a:srgbClr val="C00000"/>
+                        </a:solidFill>
+                      </a:endParaRPr>
+                    </a:p>
+                  </a:txBody>
+                  <a:tcPr>
+                    <a:lnL w="12700" cap="flat" cmpd="sng" algn="ctr">
+                      <a:solidFill>
+                        <a:schemeClr val="tx1"/>
+                      </a:solidFill>
+                      <a:prstDash val="solid"/>
+                      <a:round/>
+                      <a:headEnd type="none" w="med" len="med"/>
+                      <a:tailEnd type="none" w="med" len="med"/>
+                    </a:lnL>
+                    <a:lnR w="12700" cap="flat" cmpd="sng" algn="ctr">
+                      <a:solidFill>
+                        <a:schemeClr val="tx1"/>
+                      </a:solidFill>
+                      <a:prstDash val="solid"/>
+                      <a:round/>
+                      <a:headEnd type="none" w="med" len="med"/>
+                      <a:tailEnd type="none" w="med" len="med"/>
+                    </a:lnR>
+                    <a:lnT w="12700" cap="flat" cmpd="sng" algn="ctr">
+                      <a:solidFill>
+                        <a:schemeClr val="tx1"/>
+                      </a:solidFill>
+                      <a:prstDash val="solid"/>
+                      <a:round/>
+                      <a:headEnd type="none" w="med" len="med"/>
+                      <a:tailEnd type="none" w="med" len="med"/>
+                    </a:lnT>
+                    <a:lnB w="12700" cap="flat" cmpd="sng" algn="ctr">
+                      <a:solidFill>
+                        <a:schemeClr val="tx1"/>
+                      </a:solidFill>
+                      <a:prstDash val="solid"/>
+                      <a:round/>
+                      <a:headEnd type="none" w="med" len="med"/>
+                      <a:tailEnd type="none" w="med" len="med"/>
+                    </a:lnB>
+                    <a:solidFill>
+                      <a:schemeClr val="bg1"/>
+                    </a:solidFill>
+                  </a:tcPr>
+                </a:tc>
+                <a:tc>
+                  <a:txBody>
+                    <a:bodyPr/>
+                    <a:lstStyle/>
+                    <a:p>
+                      <a:pPr algn="ctr" latinLnBrk="1"/>
+                      <a:endParaRPr lang="ko-KR" altLang="en-US" sz="1200" b="0" dirty="0">
+                        <a:solidFill>
+                          <a:schemeClr val="tx1"/>
+                        </a:solidFill>
+                      </a:endParaRPr>
+                    </a:p>
+                  </a:txBody>
+                  <a:tcPr>
+                    <a:lnL w="12700" cap="flat" cmpd="sng" algn="ctr">
+                      <a:solidFill>
+                        <a:schemeClr val="tx1"/>
+                      </a:solidFill>
+                      <a:prstDash val="solid"/>
+                      <a:round/>
+                      <a:headEnd type="none" w="med" len="med"/>
+                      <a:tailEnd type="none" w="med" len="med"/>
+                    </a:lnL>
+                    <a:lnR w="12700" cap="flat" cmpd="sng" algn="ctr">
+                      <a:solidFill>
+                        <a:schemeClr val="tx1"/>
+                      </a:solidFill>
+                      <a:prstDash val="solid"/>
+                      <a:round/>
+                      <a:headEnd type="none" w="med" len="med"/>
+                      <a:tailEnd type="none" w="med" len="med"/>
+                    </a:lnR>
+                    <a:lnT w="12700" cap="flat" cmpd="sng" algn="ctr">
+                      <a:solidFill>
+                        <a:schemeClr val="tx1"/>
+                      </a:solidFill>
+                      <a:prstDash val="solid"/>
+                      <a:round/>
+                      <a:headEnd type="none" w="med" len="med"/>
+                      <a:tailEnd type="none" w="med" len="med"/>
+                    </a:lnT>
+                    <a:lnB w="12700" cap="flat" cmpd="sng" algn="ctr">
+                      <a:solidFill>
+                        <a:schemeClr val="tx1"/>
+                      </a:solidFill>
+                      <a:prstDash val="solid"/>
+                      <a:round/>
+                      <a:headEnd type="none" w="med" len="med"/>
+                      <a:tailEnd type="none" w="med" len="med"/>
+                    </a:lnB>
+                    <a:solidFill>
+                      <a:schemeClr val="bg1"/>
+                    </a:solidFill>
+                  </a:tcPr>
+                </a:tc>
+                <a:tc>
+                  <a:txBody>
+                    <a:bodyPr/>
+                    <a:lstStyle/>
+                    <a:p>
+                      <a:pPr algn="ctr" latinLnBrk="1"/>
+                      <a:endParaRPr lang="ko-KR" altLang="en-US" sz="1200" b="0" dirty="0">
+                        <a:solidFill>
+                          <a:schemeClr val="tx1"/>
+                        </a:solidFill>
+                      </a:endParaRPr>
+                    </a:p>
+                  </a:txBody>
+                  <a:tcPr>
+                    <a:lnL w="12700" cap="flat" cmpd="sng" algn="ctr">
+                      <a:solidFill>
+                        <a:schemeClr val="tx1"/>
+                      </a:solidFill>
+                      <a:prstDash val="solid"/>
+                      <a:round/>
+                      <a:headEnd type="none" w="med" len="med"/>
+                      <a:tailEnd type="none" w="med" len="med"/>
+                    </a:lnL>
+                    <a:lnR w="12700" cap="flat" cmpd="sng" algn="ctr">
+                      <a:solidFill>
+                        <a:schemeClr val="tx1"/>
+                      </a:solidFill>
+                      <a:prstDash val="solid"/>
+                      <a:round/>
+                      <a:headEnd type="none" w="med" len="med"/>
+                      <a:tailEnd type="none" w="med" len="med"/>
+                    </a:lnR>
+                    <a:lnT w="12700" cap="flat" cmpd="sng" algn="ctr">
+                      <a:solidFill>
+                        <a:schemeClr val="tx1"/>
+                      </a:solidFill>
+                      <a:prstDash val="solid"/>
+                      <a:round/>
+                      <a:headEnd type="none" w="med" len="med"/>
+                      <a:tailEnd type="none" w="med" len="med"/>
+                    </a:lnT>
+                    <a:lnB w="12700" cap="flat" cmpd="sng" algn="ctr">
+                      <a:solidFill>
+                        <a:schemeClr val="tx1"/>
+                      </a:solidFill>
+                      <a:prstDash val="solid"/>
+                      <a:round/>
+                      <a:headEnd type="none" w="med" len="med"/>
+                      <a:tailEnd type="none" w="med" len="med"/>
+                    </a:lnB>
+                    <a:solidFill>
+                      <a:schemeClr val="bg1"/>
+                    </a:solidFill>
+                  </a:tcPr>
+                </a:tc>
+                <a:tc>
+                  <a:txBody>
+                    <a:bodyPr/>
+                    <a:lstStyle/>
+                    <a:p>
+                      <a:pPr algn="ctr" latinLnBrk="1"/>
+                      <a:endParaRPr lang="ko-KR" altLang="en-US" sz="1200" b="0" dirty="0">
+                        <a:solidFill>
+                          <a:schemeClr val="tx1"/>
+                        </a:solidFill>
+                      </a:endParaRPr>
+                    </a:p>
+                  </a:txBody>
+                  <a:tcPr>
+                    <a:lnL w="12700" cap="flat" cmpd="sng" algn="ctr">
+                      <a:solidFill>
+                        <a:schemeClr val="tx1"/>
+                      </a:solidFill>
+                      <a:prstDash val="solid"/>
+                      <a:round/>
+                      <a:headEnd type="none" w="med" len="med"/>
+                      <a:tailEnd type="none" w="med" len="med"/>
+                    </a:lnL>
+                    <a:lnR w="12700" cap="flat" cmpd="sng" algn="ctr">
+                      <a:solidFill>
+                        <a:schemeClr val="tx1"/>
+                      </a:solidFill>
+                      <a:prstDash val="solid"/>
+                      <a:round/>
+                      <a:headEnd type="none" w="med" len="med"/>
+                      <a:tailEnd type="none" w="med" len="med"/>
+                    </a:lnR>
+                    <a:lnT w="12700" cap="flat" cmpd="sng" algn="ctr">
+                      <a:solidFill>
+                        <a:schemeClr val="tx1"/>
+                      </a:solidFill>
+                      <a:prstDash val="solid"/>
+                      <a:round/>
+                      <a:headEnd type="none" w="med" len="med"/>
+                      <a:tailEnd type="none" w="med" len="med"/>
+                    </a:lnT>
+                    <a:lnB w="12700" cap="flat" cmpd="sng" algn="ctr">
+                      <a:solidFill>
+                        <a:schemeClr val="tx1"/>
+                      </a:solidFill>
+                      <a:prstDash val="solid"/>
+                      <a:round/>
+                      <a:headEnd type="none" w="med" len="med"/>
+                      <a:tailEnd type="none" w="med" len="med"/>
+                    </a:lnB>
+                    <a:solidFill>
+                      <a:schemeClr val="bg1"/>
+                    </a:solidFill>
+                  </a:tcPr>
+                </a:tc>
+                <a:extLst>
+                  <a:ext uri="{0D108BD9-81ED-4DB2-BD59-A6C34878D82A}">
+                    <a16:rowId xmlns:a16="http://schemas.microsoft.com/office/drawing/2014/main" val="2399335939"/>
+                  </a:ext>
+                </a:extLst>
+              </a:tr>
+              <a:tr h="362797">
+                <a:tc>
+                  <a:txBody>
+                    <a:bodyPr/>
+                    <a:lstStyle/>
+                    <a:p>
+                      <a:pPr algn="ctr" latinLnBrk="1"/>
+                      <a:r>
+                        <a:rPr lang="en-US" altLang="ko-KR" sz="1200" b="0" dirty="0">
+                          <a:solidFill>
+                            <a:srgbClr val="C00000"/>
+                          </a:solidFill>
+                        </a:rPr>
+                        <a:t>A1</a:t>
+                      </a:r>
+                      <a:endParaRPr lang="ko-KR" altLang="en-US" sz="1200" b="0" dirty="0">
+                        <a:solidFill>
+                          <a:srgbClr val="C00000"/>
+                        </a:solidFill>
+                      </a:endParaRPr>
+                    </a:p>
+                  </a:txBody>
+                  <a:tcPr>
+                    <a:lnL w="12700" cap="flat" cmpd="sng" algn="ctr">
+                      <a:solidFill>
+                        <a:schemeClr val="tx1"/>
+                      </a:solidFill>
+                      <a:prstDash val="solid"/>
+                      <a:round/>
+                      <a:headEnd type="none" w="med" len="med"/>
+                      <a:tailEnd type="none" w="med" len="med"/>
+                    </a:lnL>
+                    <a:lnR w="12700" cap="flat" cmpd="sng" algn="ctr">
+                      <a:solidFill>
+                        <a:schemeClr val="tx1"/>
+                      </a:solidFill>
+                      <a:prstDash val="solid"/>
+                      <a:round/>
+                      <a:headEnd type="none" w="med" len="med"/>
+                      <a:tailEnd type="none" w="med" len="med"/>
+                    </a:lnR>
+                    <a:lnT w="12700" cap="flat" cmpd="sng" algn="ctr">
+                      <a:solidFill>
+                        <a:schemeClr val="tx1"/>
+                      </a:solidFill>
+                      <a:prstDash val="solid"/>
+                      <a:round/>
+                      <a:headEnd type="none" w="med" len="med"/>
+                      <a:tailEnd type="none" w="med" len="med"/>
+                    </a:lnT>
+                    <a:lnB w="12700" cap="flat" cmpd="sng" algn="ctr">
+                      <a:solidFill>
+                        <a:schemeClr val="tx1"/>
+                      </a:solidFill>
+                      <a:prstDash val="solid"/>
+                      <a:round/>
+                      <a:headEnd type="none" w="med" len="med"/>
+                      <a:tailEnd type="none" w="med" len="med"/>
+                    </a:lnB>
+                    <a:solidFill>
+                      <a:schemeClr val="bg1"/>
+                    </a:solidFill>
+                  </a:tcPr>
+                </a:tc>
+                <a:tc>
+                  <a:txBody>
+                    <a:bodyPr/>
+                    <a:lstStyle/>
+                    <a:p>
+                      <a:pPr algn="ctr" latinLnBrk="1"/>
+                      <a:endParaRPr lang="ko-KR" altLang="en-US" sz="1200" b="0">
+                        <a:solidFill>
+                          <a:schemeClr val="tx1"/>
+                        </a:solidFill>
+                      </a:endParaRPr>
+                    </a:p>
+                  </a:txBody>
+                  <a:tcPr>
+                    <a:lnL w="12700" cap="flat" cmpd="sng" algn="ctr">
+                      <a:solidFill>
+                        <a:schemeClr val="tx1"/>
+                      </a:solidFill>
+                      <a:prstDash val="solid"/>
+                      <a:round/>
+                      <a:headEnd type="none" w="med" len="med"/>
+                      <a:tailEnd type="none" w="med" len="med"/>
+                    </a:lnL>
+                    <a:lnR w="12700" cap="flat" cmpd="sng" algn="ctr">
+                      <a:solidFill>
+                        <a:schemeClr val="tx1"/>
+                      </a:solidFill>
+                      <a:prstDash val="solid"/>
+                      <a:round/>
+                      <a:headEnd type="none" w="med" len="med"/>
+                      <a:tailEnd type="none" w="med" len="med"/>
+                    </a:lnR>
+                    <a:lnT w="12700" cap="flat" cmpd="sng" algn="ctr">
+                      <a:solidFill>
+                        <a:schemeClr val="tx1"/>
+                      </a:solidFill>
+                      <a:prstDash val="solid"/>
+                      <a:round/>
+                      <a:headEnd type="none" w="med" len="med"/>
+                      <a:tailEnd type="none" w="med" len="med"/>
+                    </a:lnT>
+                    <a:lnB w="12700" cap="flat" cmpd="sng" algn="ctr">
+                      <a:solidFill>
+                        <a:schemeClr val="tx1"/>
+                      </a:solidFill>
+                      <a:prstDash val="solid"/>
+                      <a:round/>
+                      <a:headEnd type="none" w="med" len="med"/>
+                      <a:tailEnd type="none" w="med" len="med"/>
+                    </a:lnB>
+                    <a:solidFill>
+                      <a:schemeClr val="bg1"/>
+                    </a:solidFill>
+                  </a:tcPr>
+                </a:tc>
+                <a:tc>
+                  <a:txBody>
+                    <a:bodyPr/>
+                    <a:lstStyle/>
+                    <a:p>
+                      <a:pPr algn="ctr" latinLnBrk="1"/>
+                      <a:endParaRPr lang="ko-KR" altLang="en-US" sz="1200" b="0" dirty="0">
+                        <a:solidFill>
+                          <a:schemeClr val="tx1"/>
+                        </a:solidFill>
+                      </a:endParaRPr>
+                    </a:p>
+                  </a:txBody>
+                  <a:tcPr>
+                    <a:lnL w="12700" cap="flat" cmpd="sng" algn="ctr">
+                      <a:solidFill>
+                        <a:schemeClr val="tx1"/>
+                      </a:solidFill>
+                      <a:prstDash val="solid"/>
+                      <a:round/>
+                      <a:headEnd type="none" w="med" len="med"/>
+                      <a:tailEnd type="none" w="med" len="med"/>
+                    </a:lnL>
+                    <a:lnR w="12700" cap="flat" cmpd="sng" algn="ctr">
+                      <a:solidFill>
+                        <a:schemeClr val="tx1"/>
+                      </a:solidFill>
+                      <a:prstDash val="solid"/>
+                      <a:round/>
+                      <a:headEnd type="none" w="med" len="med"/>
+                      <a:tailEnd type="none" w="med" len="med"/>
+                    </a:lnR>
+                    <a:lnT w="12700" cap="flat" cmpd="sng" algn="ctr">
+                      <a:solidFill>
+                        <a:schemeClr val="tx1"/>
+                      </a:solidFill>
+                      <a:prstDash val="solid"/>
+                      <a:round/>
+                      <a:headEnd type="none" w="med" len="med"/>
+                      <a:tailEnd type="none" w="med" len="med"/>
+                    </a:lnT>
+                    <a:lnB w="12700" cap="flat" cmpd="sng" algn="ctr">
+                      <a:solidFill>
+                        <a:schemeClr val="tx1"/>
+                      </a:solidFill>
+                      <a:prstDash val="solid"/>
+                      <a:round/>
+                      <a:headEnd type="none" w="med" len="med"/>
+                      <a:tailEnd type="none" w="med" len="med"/>
+                    </a:lnB>
+                    <a:solidFill>
+                      <a:schemeClr val="bg1"/>
+                    </a:solidFill>
+                  </a:tcPr>
+                </a:tc>
+                <a:tc>
+                  <a:txBody>
+                    <a:bodyPr/>
+                    <a:lstStyle/>
+                    <a:p>
+                      <a:pPr algn="ctr" latinLnBrk="1"/>
+                      <a:endParaRPr lang="ko-KR" altLang="en-US" sz="1200" b="0" dirty="0">
+                        <a:solidFill>
+                          <a:schemeClr val="tx1"/>
+                        </a:solidFill>
+                      </a:endParaRPr>
+                    </a:p>
+                  </a:txBody>
+                  <a:tcPr>
+                    <a:lnL w="12700" cap="flat" cmpd="sng" algn="ctr">
+                      <a:solidFill>
+                        <a:schemeClr val="tx1"/>
+                      </a:solidFill>
+                      <a:prstDash val="solid"/>
+                      <a:round/>
+                      <a:headEnd type="none" w="med" len="med"/>
+                      <a:tailEnd type="none" w="med" len="med"/>
+                    </a:lnL>
+                    <a:lnR w="12700" cap="flat" cmpd="sng" algn="ctr">
+                      <a:solidFill>
+                        <a:schemeClr val="tx1"/>
+                      </a:solidFill>
+                      <a:prstDash val="solid"/>
+                      <a:round/>
+                      <a:headEnd type="none" w="med" len="med"/>
+                      <a:tailEnd type="none" w="med" len="med"/>
+                    </a:lnR>
+                    <a:lnT w="12700" cap="flat" cmpd="sng" algn="ctr">
+                      <a:solidFill>
+                        <a:schemeClr val="tx1"/>
+                      </a:solidFill>
+                      <a:prstDash val="solid"/>
+                      <a:round/>
+                      <a:headEnd type="none" w="med" len="med"/>
+                      <a:tailEnd type="none" w="med" len="med"/>
+                    </a:lnT>
+                    <a:lnB w="12700" cap="flat" cmpd="sng" algn="ctr">
+                      <a:solidFill>
+                        <a:schemeClr val="tx1"/>
+                      </a:solidFill>
+                      <a:prstDash val="solid"/>
+                      <a:round/>
+                      <a:headEnd type="none" w="med" len="med"/>
+                      <a:tailEnd type="none" w="med" len="med"/>
+                    </a:lnB>
+                    <a:solidFill>
+                      <a:schemeClr val="bg1"/>
+                    </a:solidFill>
+                  </a:tcPr>
+                </a:tc>
+                <a:tc>
+                  <a:txBody>
+                    <a:bodyPr/>
+                    <a:lstStyle/>
+                    <a:p>
+                      <a:pPr algn="ctr" latinLnBrk="1"/>
+                      <a:endParaRPr lang="ko-KR" altLang="en-US" sz="1200" b="0" dirty="0">
+                        <a:solidFill>
+                          <a:schemeClr val="tx1"/>
+                        </a:solidFill>
+                      </a:endParaRPr>
+                    </a:p>
+                  </a:txBody>
+                  <a:tcPr>
+                    <a:lnL w="12700" cap="flat" cmpd="sng" algn="ctr">
+                      <a:solidFill>
+                        <a:schemeClr val="tx1"/>
+                      </a:solidFill>
+                      <a:prstDash val="solid"/>
+                      <a:round/>
+                      <a:headEnd type="none" w="med" len="med"/>
+                      <a:tailEnd type="none" w="med" len="med"/>
+                    </a:lnL>
+                    <a:lnR w="12700" cap="flat" cmpd="sng" algn="ctr">
+                      <a:solidFill>
+                        <a:schemeClr val="tx1"/>
+                      </a:solidFill>
+                      <a:prstDash val="solid"/>
+                      <a:round/>
+                      <a:headEnd type="none" w="med" len="med"/>
+                      <a:tailEnd type="none" w="med" len="med"/>
+                    </a:lnR>
+                    <a:lnT w="12700" cap="flat" cmpd="sng" algn="ctr">
+                      <a:solidFill>
+                        <a:schemeClr val="tx1"/>
+                      </a:solidFill>
+                      <a:prstDash val="solid"/>
+                      <a:round/>
+                      <a:headEnd type="none" w="med" len="med"/>
+                      <a:tailEnd type="none" w="med" len="med"/>
+                    </a:lnT>
+                    <a:lnB w="12700" cap="flat" cmpd="sng" algn="ctr">
+                      <a:solidFill>
+                        <a:schemeClr val="tx1"/>
+                      </a:solidFill>
+                      <a:prstDash val="solid"/>
+                      <a:round/>
+                      <a:headEnd type="none" w="med" len="med"/>
+                      <a:tailEnd type="none" w="med" len="med"/>
+                    </a:lnB>
+                    <a:solidFill>
+                      <a:schemeClr val="bg1"/>
+                    </a:solidFill>
+                  </a:tcPr>
+                </a:tc>
+                <a:extLst>
+                  <a:ext uri="{0D108BD9-81ED-4DB2-BD59-A6C34878D82A}">
+                    <a16:rowId xmlns:a16="http://schemas.microsoft.com/office/drawing/2014/main" val="3000531804"/>
+                  </a:ext>
+                </a:extLst>
+              </a:tr>
+            </a:tbl>
+          </a:graphicData>
+        </a:graphic>
+      </p:graphicFrame>
+      <p:graphicFrame>
+        <p:nvGraphicFramePr>
+          <p:cNvPr id="17" name="표 6">
+            <a:extLst>
+              <a:ext uri="{FF2B5EF4-FFF2-40B4-BE49-F238E27FC236}">
+                <a16:creationId xmlns:a16="http://schemas.microsoft.com/office/drawing/2014/main" id="{BA1CB77C-2DF8-4FA8-A4BF-45A17E40696A}"/>
+              </a:ext>
+            </a:extLst>
+          </p:cNvPr>
+          <p:cNvGraphicFramePr>
+            <a:graphicFrameLocks noGrp="1"/>
+          </p:cNvGraphicFramePr>
+          <p:nvPr>
+            <p:extLst>
+              <p:ext uri="{D42A27DB-BD31-4B8C-83A1-F6EECF244321}">
+                <p14:modId xmlns:p14="http://schemas.microsoft.com/office/powerpoint/2010/main" val="2899723767"/>
+              </p:ext>
+            </p:extLst>
+          </p:nvPr>
+        </p:nvGraphicFramePr>
+        <p:xfrm>
+          <a:off x="4354203" y="3391541"/>
+          <a:ext cx="2616200" cy="1813985"/>
+        </p:xfrm>
+        <a:graphic>
+          <a:graphicData uri="http://schemas.openxmlformats.org/drawingml/2006/table">
+            <a:tbl>
+              <a:tblPr firstRow="1" bandRow="1">
+                <a:tableStyleId>{5C22544A-7EE6-4342-B048-85BDC9FD1C3A}</a:tableStyleId>
+              </a:tblPr>
+              <a:tblGrid>
+                <a:gridCol w="523240">
+                  <a:extLst>
+                    <a:ext uri="{9D8B030D-6E8A-4147-A177-3AD203B41FA5}">
+                      <a16:colId xmlns:a16="http://schemas.microsoft.com/office/drawing/2014/main" val="2430935173"/>
+                    </a:ext>
+                  </a:extLst>
+                </a:gridCol>
+                <a:gridCol w="523240">
+                  <a:extLst>
+                    <a:ext uri="{9D8B030D-6E8A-4147-A177-3AD203B41FA5}">
+                      <a16:colId xmlns:a16="http://schemas.microsoft.com/office/drawing/2014/main" val="3737258820"/>
+                    </a:ext>
+                  </a:extLst>
+                </a:gridCol>
+                <a:gridCol w="523240">
+                  <a:extLst>
+                    <a:ext uri="{9D8B030D-6E8A-4147-A177-3AD203B41FA5}">
+                      <a16:colId xmlns:a16="http://schemas.microsoft.com/office/drawing/2014/main" val="3514139217"/>
+                    </a:ext>
+                  </a:extLst>
+                </a:gridCol>
+                <a:gridCol w="523240">
+                  <a:extLst>
+                    <a:ext uri="{9D8B030D-6E8A-4147-A177-3AD203B41FA5}">
+                      <a16:colId xmlns:a16="http://schemas.microsoft.com/office/drawing/2014/main" val="3571665784"/>
+                    </a:ext>
+                  </a:extLst>
+                </a:gridCol>
+                <a:gridCol w="523240">
+                  <a:extLst>
+                    <a:ext uri="{9D8B030D-6E8A-4147-A177-3AD203B41FA5}">
+                      <a16:colId xmlns:a16="http://schemas.microsoft.com/office/drawing/2014/main" val="428887677"/>
+                    </a:ext>
+                  </a:extLst>
+                </a:gridCol>
+              </a:tblGrid>
+              <a:tr h="362797">
+                <a:tc>
+                  <a:txBody>
+                    <a:bodyPr/>
+                    <a:lstStyle/>
+                    <a:p>
+                      <a:pPr algn="ctr" latinLnBrk="1"/>
+                      <a:r>
+                        <a:rPr lang="en-US" altLang="ko-KR" sz="1200" b="0" dirty="0">
+                          <a:solidFill>
+                            <a:schemeClr val="tx1"/>
+                          </a:solidFill>
+                        </a:rPr>
+                        <a:t>Y3</a:t>
+                      </a:r>
+                    </a:p>
+                  </a:txBody>
+                  <a:tcPr>
+                    <a:lnL w="12700" cap="flat" cmpd="sng" algn="ctr">
+                      <a:solidFill>
+                        <a:schemeClr val="tx1"/>
+                      </a:solidFill>
+                      <a:prstDash val="solid"/>
+                      <a:round/>
+                      <a:headEnd type="none" w="med" len="med"/>
+                      <a:tailEnd type="none" w="med" len="med"/>
+                    </a:lnL>
+                    <a:lnR w="12700" cap="flat" cmpd="sng" algn="ctr">
+                      <a:solidFill>
+                        <a:schemeClr val="tx1"/>
+                      </a:solidFill>
+                      <a:prstDash val="solid"/>
+                      <a:round/>
+                      <a:headEnd type="none" w="med" len="med"/>
+                      <a:tailEnd type="none" w="med" len="med"/>
+                    </a:lnR>
+                    <a:lnT w="12700" cap="flat" cmpd="sng" algn="ctr">
+                      <a:solidFill>
+                        <a:schemeClr val="tx1"/>
+                      </a:solidFill>
+                      <a:prstDash val="solid"/>
+                      <a:round/>
+                      <a:headEnd type="none" w="med" len="med"/>
+                      <a:tailEnd type="none" w="med" len="med"/>
+                    </a:lnT>
+                    <a:lnB w="12700" cap="flat" cmpd="sng" algn="ctr">
+                      <a:solidFill>
+                        <a:schemeClr val="tx1"/>
+                      </a:solidFill>
+                      <a:prstDash val="solid"/>
+                      <a:round/>
+                      <a:headEnd type="none" w="med" len="med"/>
+                      <a:tailEnd type="none" w="med" len="med"/>
+                    </a:lnB>
+                    <a:solidFill>
+                      <a:schemeClr val="bg1"/>
+                    </a:solidFill>
+                  </a:tcPr>
+                </a:tc>
+                <a:tc>
+                  <a:txBody>
+                    <a:bodyPr/>
+                    <a:lstStyle/>
+                    <a:p>
+                      <a:pPr algn="ctr" latinLnBrk="1"/>
+                      <a:r>
+                        <a:rPr lang="en-US" altLang="ko-KR" sz="1200" b="0" dirty="0">
+                          <a:solidFill>
+                            <a:srgbClr val="00B0F0"/>
+                          </a:solidFill>
+                        </a:rPr>
+                        <a:t>R3</a:t>
+                      </a:r>
+                      <a:endParaRPr lang="ko-KR" altLang="en-US" sz="1200" b="0" dirty="0">
+                        <a:solidFill>
+                          <a:srgbClr val="00B0F0"/>
+                        </a:solidFill>
+                      </a:endParaRPr>
+                    </a:p>
+                  </a:txBody>
+                  <a:tcPr>
+                    <a:lnL w="12700" cap="flat" cmpd="sng" algn="ctr">
+                      <a:solidFill>
+                        <a:schemeClr val="tx1"/>
+                      </a:solidFill>
+                      <a:prstDash val="solid"/>
+                      <a:round/>
+                      <a:headEnd type="none" w="med" len="med"/>
+                      <a:tailEnd type="none" w="med" len="med"/>
+                    </a:lnL>
+                    <a:lnR w="12700" cap="flat" cmpd="sng" algn="ctr">
+                      <a:solidFill>
+                        <a:schemeClr val="tx1"/>
+                      </a:solidFill>
+                      <a:prstDash val="solid"/>
+                      <a:round/>
+                      <a:headEnd type="none" w="med" len="med"/>
+                      <a:tailEnd type="none" w="med" len="med"/>
+                    </a:lnR>
+                    <a:lnT w="12700" cap="flat" cmpd="sng" algn="ctr">
+                      <a:solidFill>
+                        <a:schemeClr val="tx1"/>
+                      </a:solidFill>
+                      <a:prstDash val="solid"/>
+                      <a:round/>
+                      <a:headEnd type="none" w="med" len="med"/>
+                      <a:tailEnd type="none" w="med" len="med"/>
+                    </a:lnT>
+                    <a:lnB w="12700" cap="flat" cmpd="sng" algn="ctr">
+                      <a:solidFill>
+                        <a:schemeClr val="tx1"/>
+                      </a:solidFill>
+                      <a:prstDash val="solid"/>
+                      <a:round/>
+                      <a:headEnd type="none" w="med" len="med"/>
+                      <a:tailEnd type="none" w="med" len="med"/>
+                    </a:lnB>
+                    <a:solidFill>
+                      <a:schemeClr val="bg1"/>
+                    </a:solidFill>
+                  </a:tcPr>
+                </a:tc>
+                <a:tc>
+                  <a:txBody>
+                    <a:bodyPr/>
+                    <a:lstStyle/>
+                    <a:p>
+                      <a:pPr algn="ctr" latinLnBrk="1"/>
+                      <a:r>
+                        <a:rPr lang="en-US" altLang="ko-KR" sz="1200" b="0" dirty="0">
+                          <a:solidFill>
+                            <a:srgbClr val="0070C0"/>
+                          </a:solidFill>
+                        </a:rPr>
+                        <a:t>O3</a:t>
+                      </a:r>
+                      <a:endParaRPr lang="ko-KR" altLang="en-US" sz="1200" b="0" dirty="0">
+                        <a:solidFill>
+                          <a:srgbClr val="0070C0"/>
+                        </a:solidFill>
+                      </a:endParaRPr>
+                    </a:p>
+                  </a:txBody>
+                  <a:tcPr>
+                    <a:lnL w="12700" cap="flat" cmpd="sng" algn="ctr">
+                      <a:solidFill>
+                        <a:schemeClr val="tx1"/>
+                      </a:solidFill>
+                      <a:prstDash val="solid"/>
+                      <a:round/>
+                      <a:headEnd type="none" w="med" len="med"/>
+                      <a:tailEnd type="none" w="med" len="med"/>
+                    </a:lnL>
+                    <a:lnR w="12700" cap="flat" cmpd="sng" algn="ctr">
+                      <a:solidFill>
+                        <a:schemeClr val="tx1"/>
+                      </a:solidFill>
+                      <a:prstDash val="solid"/>
+                      <a:round/>
+                      <a:headEnd type="none" w="med" len="med"/>
+                      <a:tailEnd type="none" w="med" len="med"/>
+                    </a:lnR>
+                    <a:lnT w="12700" cap="flat" cmpd="sng" algn="ctr">
+                      <a:solidFill>
+                        <a:schemeClr val="tx1"/>
+                      </a:solidFill>
+                      <a:prstDash val="solid"/>
+                      <a:round/>
+                      <a:headEnd type="none" w="med" len="med"/>
+                      <a:tailEnd type="none" w="med" len="med"/>
+                    </a:lnT>
+                    <a:lnB w="12700" cap="flat" cmpd="sng" algn="ctr">
+                      <a:solidFill>
+                        <a:schemeClr val="tx1"/>
+                      </a:solidFill>
+                      <a:prstDash val="solid"/>
+                      <a:round/>
+                      <a:headEnd type="none" w="med" len="med"/>
+                      <a:tailEnd type="none" w="med" len="med"/>
+                    </a:lnB>
+                    <a:solidFill>
+                      <a:schemeClr val="bg1"/>
+                    </a:solidFill>
+                  </a:tcPr>
+                </a:tc>
+                <a:tc>
+                  <a:txBody>
+                    <a:bodyPr/>
+                    <a:lstStyle/>
+                    <a:p>
+                      <a:pPr algn="ctr" latinLnBrk="1"/>
+                      <a:r>
+                        <a:rPr lang="en-US" altLang="ko-KR" sz="1200" b="0" dirty="0">
+                          <a:solidFill>
+                            <a:srgbClr val="00B050"/>
+                          </a:solidFill>
+                        </a:rPr>
+                        <a:t>N3</a:t>
+                      </a:r>
+                      <a:endParaRPr lang="ko-KR" altLang="en-US" sz="1200" b="0" dirty="0">
+                        <a:solidFill>
+                          <a:srgbClr val="00B050"/>
+                        </a:solidFill>
+                      </a:endParaRPr>
+                    </a:p>
+                  </a:txBody>
+                  <a:tcPr>
+                    <a:lnL w="12700" cap="flat" cmpd="sng" algn="ctr">
+                      <a:solidFill>
+                        <a:schemeClr val="tx1"/>
+                      </a:solidFill>
+                      <a:prstDash val="solid"/>
+                      <a:round/>
+                      <a:headEnd type="none" w="med" len="med"/>
+                      <a:tailEnd type="none" w="med" len="med"/>
+                    </a:lnL>
+                    <a:lnR w="12700" cap="flat" cmpd="sng" algn="ctr">
+                      <a:solidFill>
+                        <a:schemeClr val="tx1"/>
+                      </a:solidFill>
+                      <a:prstDash val="solid"/>
+                      <a:round/>
+                      <a:headEnd type="none" w="med" len="med"/>
+                      <a:tailEnd type="none" w="med" len="med"/>
+                    </a:lnR>
+                    <a:lnT w="12700" cap="flat" cmpd="sng" algn="ctr">
+                      <a:solidFill>
+                        <a:schemeClr val="tx1"/>
+                      </a:solidFill>
+                      <a:prstDash val="solid"/>
+                      <a:round/>
+                      <a:headEnd type="none" w="med" len="med"/>
+                      <a:tailEnd type="none" w="med" len="med"/>
+                    </a:lnT>
+                    <a:lnB w="12700" cap="flat" cmpd="sng" algn="ctr">
+                      <a:solidFill>
+                        <a:schemeClr val="tx1"/>
+                      </a:solidFill>
+                      <a:prstDash val="solid"/>
+                      <a:round/>
+                      <a:headEnd type="none" w="med" len="med"/>
+                      <a:tailEnd type="none" w="med" len="med"/>
+                    </a:lnB>
+                    <a:solidFill>
+                      <a:schemeClr val="bg1"/>
+                    </a:solidFill>
+                  </a:tcPr>
+                </a:tc>
+                <a:tc>
+                  <a:txBody>
+                    <a:bodyPr/>
+                    <a:lstStyle/>
+                    <a:p>
+                      <a:pPr algn="ctr" latinLnBrk="1"/>
+                      <a:r>
+                        <a:rPr lang="en-US" altLang="ko-KR" sz="1200" b="0" dirty="0">
+                          <a:solidFill>
+                            <a:srgbClr val="FF0000"/>
+                          </a:solidFill>
+                        </a:rPr>
+                        <a:t>M3</a:t>
+                      </a:r>
+                    </a:p>
+                  </a:txBody>
+                  <a:tcPr>
+                    <a:lnL w="12700" cap="flat" cmpd="sng" algn="ctr">
+                      <a:solidFill>
+                        <a:schemeClr val="tx1"/>
+                      </a:solidFill>
+                      <a:prstDash val="solid"/>
+                      <a:round/>
+                      <a:headEnd type="none" w="med" len="med"/>
+                      <a:tailEnd type="none" w="med" len="med"/>
+                    </a:lnL>
+                    <a:lnR w="12700" cap="flat" cmpd="sng" algn="ctr">
+                      <a:solidFill>
+                        <a:schemeClr val="tx1"/>
+                      </a:solidFill>
+                      <a:prstDash val="solid"/>
+                      <a:round/>
+                      <a:headEnd type="none" w="med" len="med"/>
+                      <a:tailEnd type="none" w="med" len="med"/>
+                    </a:lnR>
+                    <a:lnT w="12700" cap="flat" cmpd="sng" algn="ctr">
+                      <a:solidFill>
+                        <a:schemeClr val="tx1"/>
+                      </a:solidFill>
+                      <a:prstDash val="solid"/>
+                      <a:round/>
+                      <a:headEnd type="none" w="med" len="med"/>
+                      <a:tailEnd type="none" w="med" len="med"/>
+                    </a:lnT>
+                    <a:lnB w="12700" cap="flat" cmpd="sng" algn="ctr">
+                      <a:solidFill>
+                        <a:schemeClr val="tx1"/>
+                      </a:solidFill>
+                      <a:prstDash val="solid"/>
+                      <a:round/>
+                      <a:headEnd type="none" w="med" len="med"/>
+                      <a:tailEnd type="none" w="med" len="med"/>
+                    </a:lnB>
+                    <a:solidFill>
+                      <a:schemeClr val="bg1"/>
+                    </a:solidFill>
+                  </a:tcPr>
+                </a:tc>
+                <a:extLst>
+                  <a:ext uri="{0D108BD9-81ED-4DB2-BD59-A6C34878D82A}">
+                    <a16:rowId xmlns:a16="http://schemas.microsoft.com/office/drawing/2014/main" val="1020676685"/>
+                  </a:ext>
+                </a:extLst>
+              </a:tr>
+              <a:tr h="362797">
+                <a:tc>
+                  <a:txBody>
+                    <a:bodyPr/>
+                    <a:lstStyle/>
+                    <a:p>
+                      <a:pPr algn="ctr" latinLnBrk="1"/>
+                      <a:r>
+                        <a:rPr lang="en-US" altLang="ko-KR" sz="1200" b="0" dirty="0">
+                          <a:solidFill>
+                            <a:schemeClr val="tx1"/>
+                          </a:solidFill>
+                        </a:rPr>
+                        <a:t>Y2</a:t>
+                      </a:r>
+                      <a:endParaRPr lang="ko-KR" altLang="en-US" sz="1200" b="0" dirty="0">
+                        <a:solidFill>
+                          <a:schemeClr val="tx1"/>
+                        </a:solidFill>
+                      </a:endParaRPr>
+                    </a:p>
+                  </a:txBody>
+                  <a:tcPr>
+                    <a:lnL w="12700" cap="flat" cmpd="sng" algn="ctr">
+                      <a:solidFill>
+                        <a:schemeClr val="tx1"/>
+                      </a:solidFill>
+                      <a:prstDash val="solid"/>
+                      <a:round/>
+                      <a:headEnd type="none" w="med" len="med"/>
+                      <a:tailEnd type="none" w="med" len="med"/>
+                    </a:lnL>
+                    <a:lnR w="12700" cap="flat" cmpd="sng" algn="ctr">
+                      <a:solidFill>
+                        <a:schemeClr val="tx1"/>
+                      </a:solidFill>
+                      <a:prstDash val="solid"/>
+                      <a:round/>
+                      <a:headEnd type="none" w="med" len="med"/>
+                      <a:tailEnd type="none" w="med" len="med"/>
+                    </a:lnR>
+                    <a:lnT w="12700" cap="flat" cmpd="sng" algn="ctr">
+                      <a:solidFill>
+                        <a:schemeClr val="tx1"/>
+                      </a:solidFill>
+                      <a:prstDash val="solid"/>
+                      <a:round/>
+                      <a:headEnd type="none" w="med" len="med"/>
+                      <a:tailEnd type="none" w="med" len="med"/>
+                    </a:lnT>
+                    <a:lnB w="12700" cap="flat" cmpd="sng" algn="ctr">
+                      <a:solidFill>
+                        <a:schemeClr val="tx1"/>
+                      </a:solidFill>
+                      <a:prstDash val="solid"/>
+                      <a:round/>
+                      <a:headEnd type="none" w="med" len="med"/>
+                      <a:tailEnd type="none" w="med" len="med"/>
+                    </a:lnB>
+                    <a:solidFill>
+                      <a:schemeClr val="bg1"/>
+                    </a:solidFill>
+                  </a:tcPr>
+                </a:tc>
+                <a:tc>
+                  <a:txBody>
+                    <a:bodyPr/>
+                    <a:lstStyle/>
+                    <a:p>
+                      <a:pPr algn="ctr" latinLnBrk="1"/>
+                      <a:r>
+                        <a:rPr lang="en-US" altLang="ko-KR" sz="1200" b="0" dirty="0">
+                          <a:solidFill>
+                            <a:srgbClr val="00B0F0"/>
+                          </a:solidFill>
+                        </a:rPr>
+                        <a:t>R2</a:t>
+                      </a:r>
+                      <a:endParaRPr lang="ko-KR" altLang="en-US" sz="1200" b="0" dirty="0">
+                        <a:solidFill>
+                          <a:srgbClr val="00B0F0"/>
+                        </a:solidFill>
+                      </a:endParaRPr>
+                    </a:p>
+                  </a:txBody>
+                  <a:tcPr>
+                    <a:lnL w="12700" cap="flat" cmpd="sng" algn="ctr">
+                      <a:solidFill>
+                        <a:schemeClr val="tx1"/>
+                      </a:solidFill>
+                      <a:prstDash val="solid"/>
+                      <a:round/>
+                      <a:headEnd type="none" w="med" len="med"/>
+                      <a:tailEnd type="none" w="med" len="med"/>
+                    </a:lnL>
+                    <a:lnR w="12700" cap="flat" cmpd="sng" algn="ctr">
+                      <a:solidFill>
+                        <a:schemeClr val="tx1"/>
+                      </a:solidFill>
+                      <a:prstDash val="solid"/>
+                      <a:round/>
+                      <a:headEnd type="none" w="med" len="med"/>
+                      <a:tailEnd type="none" w="med" len="med"/>
+                    </a:lnR>
+                    <a:lnT w="12700" cap="flat" cmpd="sng" algn="ctr">
+                      <a:solidFill>
+                        <a:schemeClr val="tx1"/>
+                      </a:solidFill>
+                      <a:prstDash val="solid"/>
+                      <a:round/>
+                      <a:headEnd type="none" w="med" len="med"/>
+                      <a:tailEnd type="none" w="med" len="med"/>
+                    </a:lnT>
+                    <a:lnB w="12700" cap="flat" cmpd="sng" algn="ctr">
+                      <a:solidFill>
+                        <a:schemeClr val="tx1"/>
+                      </a:solidFill>
+                      <a:prstDash val="solid"/>
+                      <a:round/>
+                      <a:headEnd type="none" w="med" len="med"/>
+                      <a:tailEnd type="none" w="med" len="med"/>
+                    </a:lnB>
+                    <a:solidFill>
+                      <a:schemeClr val="bg1"/>
+                    </a:solidFill>
+                  </a:tcPr>
+                </a:tc>
+                <a:tc>
+                  <a:txBody>
+                    <a:bodyPr/>
+                    <a:lstStyle/>
+                    <a:p>
+                      <a:pPr algn="ctr" latinLnBrk="1"/>
+                      <a:r>
+                        <a:rPr lang="en-US" altLang="ko-KR" sz="1200" b="0" dirty="0">
+                          <a:solidFill>
+                            <a:srgbClr val="0070C0"/>
+                          </a:solidFill>
+                        </a:rPr>
+                        <a:t>O2</a:t>
+                      </a:r>
+                      <a:endParaRPr lang="ko-KR" altLang="en-US" sz="1200" b="0" dirty="0">
+                        <a:solidFill>
+                          <a:srgbClr val="0070C0"/>
+                        </a:solidFill>
+                      </a:endParaRPr>
+                    </a:p>
+                  </a:txBody>
+                  <a:tcPr>
+                    <a:lnL w="12700" cap="flat" cmpd="sng" algn="ctr">
+                      <a:solidFill>
+                        <a:schemeClr val="tx1"/>
+                      </a:solidFill>
+                      <a:prstDash val="solid"/>
+                      <a:round/>
+                      <a:headEnd type="none" w="med" len="med"/>
+                      <a:tailEnd type="none" w="med" len="med"/>
+                    </a:lnL>
+                    <a:lnR w="12700" cap="flat" cmpd="sng" algn="ctr">
+                      <a:solidFill>
+                        <a:schemeClr val="tx1"/>
+                      </a:solidFill>
+                      <a:prstDash val="solid"/>
+                      <a:round/>
+                      <a:headEnd type="none" w="med" len="med"/>
+                      <a:tailEnd type="none" w="med" len="med"/>
+                    </a:lnR>
+                    <a:lnT w="12700" cap="flat" cmpd="sng" algn="ctr">
+                      <a:solidFill>
+                        <a:schemeClr val="tx1"/>
+                      </a:solidFill>
+                      <a:prstDash val="solid"/>
+                      <a:round/>
+                      <a:headEnd type="none" w="med" len="med"/>
+                      <a:tailEnd type="none" w="med" len="med"/>
+                    </a:lnT>
+                    <a:lnB w="12700" cap="flat" cmpd="sng" algn="ctr">
+                      <a:solidFill>
+                        <a:schemeClr val="tx1"/>
+                      </a:solidFill>
+                      <a:prstDash val="solid"/>
+                      <a:round/>
+                      <a:headEnd type="none" w="med" len="med"/>
+                      <a:tailEnd type="none" w="med" len="med"/>
+                    </a:lnB>
+                    <a:solidFill>
+                      <a:schemeClr val="bg1"/>
+                    </a:solidFill>
+                  </a:tcPr>
+                </a:tc>
+                <a:tc>
+                  <a:txBody>
+                    <a:bodyPr/>
+                    <a:lstStyle/>
+                    <a:p>
+                      <a:pPr algn="ctr" latinLnBrk="1"/>
+                      <a:r>
+                        <a:rPr lang="en-US" altLang="ko-KR" sz="1200" b="0" dirty="0">
+                          <a:solidFill>
+                            <a:srgbClr val="00B050"/>
+                          </a:solidFill>
+                        </a:rPr>
+                        <a:t>N2</a:t>
+                      </a:r>
+                      <a:endParaRPr lang="ko-KR" altLang="en-US" sz="1200" b="0" dirty="0">
+                        <a:solidFill>
+                          <a:srgbClr val="00B050"/>
+                        </a:solidFill>
+                      </a:endParaRPr>
+                    </a:p>
+                  </a:txBody>
+                  <a:tcPr>
+                    <a:lnL w="12700" cap="flat" cmpd="sng" algn="ctr">
+                      <a:solidFill>
+                        <a:schemeClr val="tx1"/>
+                      </a:solidFill>
+                      <a:prstDash val="solid"/>
+                      <a:round/>
+                      <a:headEnd type="none" w="med" len="med"/>
+                      <a:tailEnd type="none" w="med" len="med"/>
+                    </a:lnL>
+                    <a:lnR w="12700" cap="flat" cmpd="sng" algn="ctr">
+                      <a:solidFill>
+                        <a:schemeClr val="tx1"/>
+                      </a:solidFill>
+                      <a:prstDash val="solid"/>
+                      <a:round/>
+                      <a:headEnd type="none" w="med" len="med"/>
+                      <a:tailEnd type="none" w="med" len="med"/>
+                    </a:lnR>
+                    <a:lnT w="12700" cap="flat" cmpd="sng" algn="ctr">
+                      <a:solidFill>
+                        <a:schemeClr val="tx1"/>
+                      </a:solidFill>
+                      <a:prstDash val="solid"/>
+                      <a:round/>
+                      <a:headEnd type="none" w="med" len="med"/>
+                      <a:tailEnd type="none" w="med" len="med"/>
+                    </a:lnT>
+                    <a:lnB w="12700" cap="flat" cmpd="sng" algn="ctr">
+                      <a:solidFill>
+                        <a:schemeClr val="tx1"/>
+                      </a:solidFill>
+                      <a:prstDash val="solid"/>
+                      <a:round/>
+                      <a:headEnd type="none" w="med" len="med"/>
+                      <a:tailEnd type="none" w="med" len="med"/>
+                    </a:lnB>
+                    <a:solidFill>
+                      <a:schemeClr val="bg1"/>
+                    </a:solidFill>
+                  </a:tcPr>
+                </a:tc>
+                <a:tc>
+                  <a:txBody>
+                    <a:bodyPr/>
+                    <a:lstStyle/>
+                    <a:p>
+                      <a:pPr algn="ctr" latinLnBrk="1"/>
+                      <a:r>
+                        <a:rPr lang="en-US" altLang="ko-KR" sz="1200" b="0" dirty="0">
+                          <a:solidFill>
+                            <a:srgbClr val="FF0000"/>
+                          </a:solidFill>
+                        </a:rPr>
+                        <a:t>M2</a:t>
+                      </a:r>
+                      <a:endParaRPr lang="ko-KR" altLang="en-US" sz="1200" b="0" dirty="0">
+                        <a:solidFill>
+                          <a:srgbClr val="FF0000"/>
+                        </a:solidFill>
+                      </a:endParaRPr>
+                    </a:p>
+                  </a:txBody>
+                  <a:tcPr>
+                    <a:lnL w="12700" cap="flat" cmpd="sng" algn="ctr">
+                      <a:solidFill>
+                        <a:schemeClr val="tx1"/>
+                      </a:solidFill>
+                      <a:prstDash val="solid"/>
+                      <a:round/>
+                      <a:headEnd type="none" w="med" len="med"/>
+                      <a:tailEnd type="none" w="med" len="med"/>
+                    </a:lnL>
+                    <a:lnR w="12700" cap="flat" cmpd="sng" algn="ctr">
+                      <a:solidFill>
+                        <a:schemeClr val="tx1"/>
+                      </a:solidFill>
+                      <a:prstDash val="solid"/>
+                      <a:round/>
+                      <a:headEnd type="none" w="med" len="med"/>
+                      <a:tailEnd type="none" w="med" len="med"/>
+                    </a:lnR>
+                    <a:lnT w="12700" cap="flat" cmpd="sng" algn="ctr">
+                      <a:solidFill>
+                        <a:schemeClr val="tx1"/>
+                      </a:solidFill>
+                      <a:prstDash val="solid"/>
+                      <a:round/>
+                      <a:headEnd type="none" w="med" len="med"/>
+                      <a:tailEnd type="none" w="med" len="med"/>
+                    </a:lnT>
+                    <a:lnB w="12700" cap="flat" cmpd="sng" algn="ctr">
+                      <a:solidFill>
+                        <a:schemeClr val="tx1"/>
+                      </a:solidFill>
+                      <a:prstDash val="solid"/>
+                      <a:round/>
+                      <a:headEnd type="none" w="med" len="med"/>
+                      <a:tailEnd type="none" w="med" len="med"/>
+                    </a:lnB>
+                    <a:solidFill>
+                      <a:schemeClr val="bg1"/>
+                    </a:solidFill>
+                  </a:tcPr>
+                </a:tc>
+                <a:extLst>
+                  <a:ext uri="{0D108BD9-81ED-4DB2-BD59-A6C34878D82A}">
+                    <a16:rowId xmlns:a16="http://schemas.microsoft.com/office/drawing/2014/main" val="3017563560"/>
+                  </a:ext>
+                </a:extLst>
+              </a:tr>
+              <a:tr h="362797">
+                <a:tc>
+                  <a:txBody>
+                    <a:bodyPr/>
+                    <a:lstStyle/>
+                    <a:p>
+                      <a:pPr algn="ctr" latinLnBrk="1"/>
+                      <a:r>
+                        <a:rPr lang="en-US" altLang="ko-KR" sz="1200" b="0" dirty="0">
+                          <a:solidFill>
+                            <a:schemeClr val="tx1"/>
+                          </a:solidFill>
+                        </a:rPr>
+                        <a:t>…</a:t>
+                      </a:r>
+                      <a:endParaRPr lang="ko-KR" altLang="en-US" sz="1200" b="0" dirty="0">
+                        <a:solidFill>
+                          <a:schemeClr val="tx1"/>
+                        </a:solidFill>
+                      </a:endParaRPr>
+                    </a:p>
+                  </a:txBody>
+                  <a:tcPr>
+                    <a:lnL w="12700" cap="flat" cmpd="sng" algn="ctr">
+                      <a:solidFill>
+                        <a:schemeClr val="tx1"/>
+                      </a:solidFill>
+                      <a:prstDash val="solid"/>
+                      <a:round/>
+                      <a:headEnd type="none" w="med" len="med"/>
+                      <a:tailEnd type="none" w="med" len="med"/>
+                    </a:lnL>
+                    <a:lnR w="12700" cap="flat" cmpd="sng" algn="ctr">
+                      <a:solidFill>
+                        <a:schemeClr val="tx1"/>
+                      </a:solidFill>
+                      <a:prstDash val="solid"/>
+                      <a:round/>
+                      <a:headEnd type="none" w="med" len="med"/>
+                      <a:tailEnd type="none" w="med" len="med"/>
+                    </a:lnR>
+                    <a:lnT w="12700" cap="flat" cmpd="sng" algn="ctr">
+                      <a:solidFill>
+                        <a:schemeClr val="tx1"/>
+                      </a:solidFill>
+                      <a:prstDash val="solid"/>
+                      <a:round/>
+                      <a:headEnd type="none" w="med" len="med"/>
+                      <a:tailEnd type="none" w="med" len="med"/>
+                    </a:lnT>
+                    <a:lnB w="12700" cap="flat" cmpd="sng" algn="ctr">
+                      <a:solidFill>
+                        <a:schemeClr val="tx1"/>
+                      </a:solidFill>
+                      <a:prstDash val="solid"/>
+                      <a:round/>
+                      <a:headEnd type="none" w="med" len="med"/>
+                      <a:tailEnd type="none" w="med" len="med"/>
+                    </a:lnB>
+                    <a:solidFill>
+                      <a:schemeClr val="bg1"/>
+                    </a:solidFill>
+                  </a:tcPr>
+                </a:tc>
+                <a:tc>
+                  <a:txBody>
+                    <a:bodyPr/>
+                    <a:lstStyle/>
+                    <a:p>
+                      <a:pPr algn="ctr" latinLnBrk="1"/>
+                      <a:r>
+                        <a:rPr lang="en-US" altLang="ko-KR" sz="1200" b="0" dirty="0">
+                          <a:solidFill>
+                            <a:srgbClr val="00B0F0"/>
+                          </a:solidFill>
+                        </a:rPr>
+                        <a:t>…</a:t>
+                      </a:r>
+                      <a:endParaRPr lang="ko-KR" altLang="en-US" sz="1200" b="0" dirty="0">
+                        <a:solidFill>
+                          <a:srgbClr val="00B0F0"/>
+                        </a:solidFill>
+                      </a:endParaRPr>
+                    </a:p>
+                  </a:txBody>
+                  <a:tcPr>
+                    <a:lnL w="12700" cap="flat" cmpd="sng" algn="ctr">
+                      <a:solidFill>
+                        <a:schemeClr val="tx1"/>
+                      </a:solidFill>
+                      <a:prstDash val="solid"/>
+                      <a:round/>
+                      <a:headEnd type="none" w="med" len="med"/>
+                      <a:tailEnd type="none" w="med" len="med"/>
+                    </a:lnL>
+                    <a:lnR w="12700" cap="flat" cmpd="sng" algn="ctr">
+                      <a:solidFill>
+                        <a:schemeClr val="tx1"/>
+                      </a:solidFill>
+                      <a:prstDash val="solid"/>
+                      <a:round/>
+                      <a:headEnd type="none" w="med" len="med"/>
+                      <a:tailEnd type="none" w="med" len="med"/>
+                    </a:lnR>
+                    <a:lnT w="12700" cap="flat" cmpd="sng" algn="ctr">
+                      <a:solidFill>
+                        <a:schemeClr val="tx1"/>
+                      </a:solidFill>
+                      <a:prstDash val="solid"/>
+                      <a:round/>
+                      <a:headEnd type="none" w="med" len="med"/>
+                      <a:tailEnd type="none" w="med" len="med"/>
+                    </a:lnT>
+                    <a:lnB w="12700" cap="flat" cmpd="sng" algn="ctr">
+                      <a:solidFill>
+                        <a:schemeClr val="tx1"/>
+                      </a:solidFill>
+                      <a:prstDash val="solid"/>
+                      <a:round/>
+                      <a:headEnd type="none" w="med" len="med"/>
+                      <a:tailEnd type="none" w="med" len="med"/>
+                    </a:lnB>
+                    <a:solidFill>
+                      <a:schemeClr val="bg1"/>
+                    </a:solidFill>
+                  </a:tcPr>
+                </a:tc>
+                <a:tc>
+                  <a:txBody>
+                    <a:bodyPr/>
+                    <a:lstStyle/>
+                    <a:p>
+                      <a:pPr algn="ctr" latinLnBrk="1"/>
+                      <a:r>
+                        <a:rPr lang="en-US" altLang="ko-KR" sz="1200" b="0" dirty="0">
+                          <a:solidFill>
+                            <a:srgbClr val="0070C0"/>
+                          </a:solidFill>
+                        </a:rPr>
+                        <a:t>…</a:t>
+                      </a:r>
+                      <a:endParaRPr lang="ko-KR" altLang="en-US" sz="1200" b="0" dirty="0">
+                        <a:solidFill>
+                          <a:srgbClr val="0070C0"/>
+                        </a:solidFill>
+                      </a:endParaRPr>
+                    </a:p>
+                  </a:txBody>
+                  <a:tcPr>
+                    <a:lnL w="12700" cap="flat" cmpd="sng" algn="ctr">
+                      <a:solidFill>
+                        <a:schemeClr val="tx1"/>
+                      </a:solidFill>
+                      <a:prstDash val="solid"/>
+                      <a:round/>
+                      <a:headEnd type="none" w="med" len="med"/>
+                      <a:tailEnd type="none" w="med" len="med"/>
+                    </a:lnL>
+                    <a:lnR w="12700" cap="flat" cmpd="sng" algn="ctr">
+                      <a:solidFill>
+                        <a:schemeClr val="tx1"/>
+                      </a:solidFill>
+                      <a:prstDash val="solid"/>
+                      <a:round/>
+                      <a:headEnd type="none" w="med" len="med"/>
+                      <a:tailEnd type="none" w="med" len="med"/>
+                    </a:lnR>
+                    <a:lnT w="12700" cap="flat" cmpd="sng" algn="ctr">
+                      <a:solidFill>
+                        <a:schemeClr val="tx1"/>
+                      </a:solidFill>
+                      <a:prstDash val="solid"/>
+                      <a:round/>
+                      <a:headEnd type="none" w="med" len="med"/>
+                      <a:tailEnd type="none" w="med" len="med"/>
+                    </a:lnT>
+                    <a:lnB w="12700" cap="flat" cmpd="sng" algn="ctr">
+                      <a:solidFill>
+                        <a:schemeClr val="tx1"/>
+                      </a:solidFill>
+                      <a:prstDash val="solid"/>
+                      <a:round/>
+                      <a:headEnd type="none" w="med" len="med"/>
+                      <a:tailEnd type="none" w="med" len="med"/>
+                    </a:lnB>
+                    <a:solidFill>
+                      <a:schemeClr val="bg1"/>
+                    </a:solidFill>
+                  </a:tcPr>
+                </a:tc>
+                <a:tc>
+                  <a:txBody>
+                    <a:bodyPr/>
+                    <a:lstStyle/>
+                    <a:p>
+                      <a:pPr algn="ctr" latinLnBrk="1"/>
+                      <a:r>
+                        <a:rPr lang="en-US" altLang="ko-KR" sz="1200" b="0" dirty="0">
+                          <a:solidFill>
+                            <a:srgbClr val="00B050"/>
+                          </a:solidFill>
+                        </a:rPr>
+                        <a:t>…</a:t>
+                      </a:r>
+                      <a:endParaRPr lang="ko-KR" altLang="en-US" sz="1200" b="0" dirty="0">
+                        <a:solidFill>
+                          <a:srgbClr val="00B050"/>
+                        </a:solidFill>
+                      </a:endParaRPr>
+                    </a:p>
+                  </a:txBody>
+                  <a:tcPr>
+                    <a:lnL w="12700" cap="flat" cmpd="sng" algn="ctr">
+                      <a:solidFill>
+                        <a:schemeClr val="tx1"/>
+                      </a:solidFill>
+                      <a:prstDash val="solid"/>
+                      <a:round/>
+                      <a:headEnd type="none" w="med" len="med"/>
+                      <a:tailEnd type="none" w="med" len="med"/>
+                    </a:lnL>
+                    <a:lnR w="12700" cap="flat" cmpd="sng" algn="ctr">
+                      <a:solidFill>
+                        <a:schemeClr val="tx1"/>
+                      </a:solidFill>
+                      <a:prstDash val="solid"/>
+                      <a:round/>
+                      <a:headEnd type="none" w="med" len="med"/>
+                      <a:tailEnd type="none" w="med" len="med"/>
+                    </a:lnR>
+                    <a:lnT w="12700" cap="flat" cmpd="sng" algn="ctr">
+                      <a:solidFill>
+                        <a:schemeClr val="tx1"/>
+                      </a:solidFill>
+                      <a:prstDash val="solid"/>
+                      <a:round/>
+                      <a:headEnd type="none" w="med" len="med"/>
+                      <a:tailEnd type="none" w="med" len="med"/>
+                    </a:lnT>
+                    <a:lnB w="12700" cap="flat" cmpd="sng" algn="ctr">
+                      <a:solidFill>
+                        <a:schemeClr val="tx1"/>
+                      </a:solidFill>
+                      <a:prstDash val="solid"/>
+                      <a:round/>
+                      <a:headEnd type="none" w="med" len="med"/>
+                      <a:tailEnd type="none" w="med" len="med"/>
+                    </a:lnB>
+                    <a:solidFill>
+                      <a:schemeClr val="bg1"/>
+                    </a:solidFill>
+                  </a:tcPr>
+                </a:tc>
+                <a:tc>
+                  <a:txBody>
+                    <a:bodyPr/>
+                    <a:lstStyle/>
+                    <a:p>
+                      <a:pPr algn="ctr" latinLnBrk="1"/>
+                      <a:r>
+                        <a:rPr lang="en-US" altLang="ko-KR" sz="1200" b="0" dirty="0">
+                          <a:solidFill>
+                            <a:srgbClr val="FF0000"/>
+                          </a:solidFill>
+                        </a:rPr>
+                        <a:t>…</a:t>
+                      </a:r>
+                      <a:endParaRPr lang="ko-KR" altLang="en-US" sz="1200" b="0" dirty="0">
+                        <a:solidFill>
+                          <a:srgbClr val="FF0000"/>
+                        </a:solidFill>
+                      </a:endParaRPr>
+                    </a:p>
+                  </a:txBody>
+                  <a:tcPr>
+                    <a:lnL w="12700" cap="flat" cmpd="sng" algn="ctr">
+                      <a:solidFill>
+                        <a:schemeClr val="tx1"/>
+                      </a:solidFill>
+                      <a:prstDash val="solid"/>
+                      <a:round/>
+                      <a:headEnd type="none" w="med" len="med"/>
+                      <a:tailEnd type="none" w="med" len="med"/>
+                    </a:lnL>
+                    <a:lnR w="12700" cap="flat" cmpd="sng" algn="ctr">
+                      <a:solidFill>
+                        <a:schemeClr val="tx1"/>
+                      </a:solidFill>
+                      <a:prstDash val="solid"/>
+                      <a:round/>
+                      <a:headEnd type="none" w="med" len="med"/>
+                      <a:tailEnd type="none" w="med" len="med"/>
+                    </a:lnR>
+                    <a:lnT w="12700" cap="flat" cmpd="sng" algn="ctr">
+                      <a:solidFill>
+                        <a:schemeClr val="tx1"/>
+                      </a:solidFill>
+                      <a:prstDash val="solid"/>
+                      <a:round/>
+                      <a:headEnd type="none" w="med" len="med"/>
+                      <a:tailEnd type="none" w="med" len="med"/>
+                    </a:lnT>
+                    <a:lnB w="12700" cap="flat" cmpd="sng" algn="ctr">
+                      <a:solidFill>
+                        <a:schemeClr val="tx1"/>
+                      </a:solidFill>
+                      <a:prstDash val="solid"/>
+                      <a:round/>
+                      <a:headEnd type="none" w="med" len="med"/>
+                      <a:tailEnd type="none" w="med" len="med"/>
+                    </a:lnB>
+                    <a:solidFill>
+                      <a:schemeClr val="bg1"/>
+                    </a:solidFill>
+                  </a:tcPr>
+                </a:tc>
+                <a:extLst>
+                  <a:ext uri="{0D108BD9-81ED-4DB2-BD59-A6C34878D82A}">
+                    <a16:rowId xmlns:a16="http://schemas.microsoft.com/office/drawing/2014/main" val="3563553148"/>
+                  </a:ext>
+                </a:extLst>
+              </a:tr>
+              <a:tr h="362797">
+                <a:tc>
+                  <a:txBody>
+                    <a:bodyPr/>
+                    <a:lstStyle/>
+                    <a:p>
+                      <a:pPr algn="ctr" latinLnBrk="1"/>
+                      <a:r>
+                        <a:rPr lang="en-US" altLang="ko-KR" sz="1200" b="0" dirty="0">
+                          <a:solidFill>
+                            <a:schemeClr val="tx1"/>
+                          </a:solidFill>
+                        </a:rPr>
+                        <a:t>M3</a:t>
+                      </a:r>
+                      <a:endParaRPr lang="ko-KR" altLang="en-US" sz="1200" b="0" dirty="0">
+                        <a:solidFill>
+                          <a:schemeClr val="tx1"/>
+                        </a:solidFill>
+                      </a:endParaRPr>
+                    </a:p>
+                  </a:txBody>
+                  <a:tcPr>
+                    <a:lnL w="12700" cap="flat" cmpd="sng" algn="ctr">
+                      <a:solidFill>
+                        <a:schemeClr val="tx1"/>
+                      </a:solidFill>
+                      <a:prstDash val="solid"/>
+                      <a:round/>
+                      <a:headEnd type="none" w="med" len="med"/>
+                      <a:tailEnd type="none" w="med" len="med"/>
+                    </a:lnL>
+                    <a:lnR w="12700" cap="flat" cmpd="sng" algn="ctr">
+                      <a:solidFill>
+                        <a:schemeClr val="tx1"/>
+                      </a:solidFill>
+                      <a:prstDash val="solid"/>
+                      <a:round/>
+                      <a:headEnd type="none" w="med" len="med"/>
+                      <a:tailEnd type="none" w="med" len="med"/>
+                    </a:lnR>
+                    <a:lnT w="12700" cap="flat" cmpd="sng" algn="ctr">
+                      <a:solidFill>
+                        <a:schemeClr val="tx1"/>
+                      </a:solidFill>
+                      <a:prstDash val="solid"/>
+                      <a:round/>
+                      <a:headEnd type="none" w="med" len="med"/>
+                      <a:tailEnd type="none" w="med" len="med"/>
+                    </a:lnT>
+                    <a:lnB w="12700" cap="flat" cmpd="sng" algn="ctr">
+                      <a:solidFill>
+                        <a:schemeClr val="tx1"/>
+                      </a:solidFill>
+                      <a:prstDash val="solid"/>
+                      <a:round/>
+                      <a:headEnd type="none" w="med" len="med"/>
+                      <a:tailEnd type="none" w="med" len="med"/>
+                    </a:lnB>
+                    <a:solidFill>
+                      <a:schemeClr val="bg1"/>
+                    </a:solidFill>
+                  </a:tcPr>
+                </a:tc>
+                <a:tc>
+                  <a:txBody>
+                    <a:bodyPr/>
+                    <a:lstStyle/>
+                    <a:p>
+                      <a:pPr algn="ctr" latinLnBrk="1"/>
+                      <a:r>
+                        <a:rPr lang="en-US" altLang="ko-KR" sz="1200" b="0" dirty="0">
+                          <a:solidFill>
+                            <a:srgbClr val="00B0F0"/>
+                          </a:solidFill>
+                        </a:rPr>
+                        <a:t>F2</a:t>
+                      </a:r>
+                      <a:endParaRPr lang="ko-KR" altLang="en-US" sz="1200" b="0" dirty="0">
+                        <a:solidFill>
+                          <a:srgbClr val="00B0F0"/>
+                        </a:solidFill>
+                      </a:endParaRPr>
+                    </a:p>
+                  </a:txBody>
+                  <a:tcPr>
+                    <a:lnL w="12700" cap="flat" cmpd="sng" algn="ctr">
+                      <a:solidFill>
+                        <a:schemeClr val="tx1"/>
+                      </a:solidFill>
+                      <a:prstDash val="solid"/>
+                      <a:round/>
+                      <a:headEnd type="none" w="med" len="med"/>
+                      <a:tailEnd type="none" w="med" len="med"/>
+                    </a:lnL>
+                    <a:lnR w="12700" cap="flat" cmpd="sng" algn="ctr">
+                      <a:solidFill>
+                        <a:schemeClr val="tx1"/>
+                      </a:solidFill>
+                      <a:prstDash val="solid"/>
+                      <a:round/>
+                      <a:headEnd type="none" w="med" len="med"/>
+                      <a:tailEnd type="none" w="med" len="med"/>
+                    </a:lnR>
+                    <a:lnT w="12700" cap="flat" cmpd="sng" algn="ctr">
+                      <a:solidFill>
+                        <a:schemeClr val="tx1"/>
+                      </a:solidFill>
+                      <a:prstDash val="solid"/>
+                      <a:round/>
+                      <a:headEnd type="none" w="med" len="med"/>
+                      <a:tailEnd type="none" w="med" len="med"/>
+                    </a:lnT>
+                    <a:lnB w="12700" cap="flat" cmpd="sng" algn="ctr">
+                      <a:solidFill>
+                        <a:schemeClr val="tx1"/>
+                      </a:solidFill>
+                      <a:prstDash val="solid"/>
+                      <a:round/>
+                      <a:headEnd type="none" w="med" len="med"/>
+                      <a:tailEnd type="none" w="med" len="med"/>
+                    </a:lnB>
+                    <a:solidFill>
+                      <a:schemeClr val="bg1"/>
+                    </a:solidFill>
+                  </a:tcPr>
+                </a:tc>
+                <a:tc>
+                  <a:txBody>
+                    <a:bodyPr/>
+                    <a:lstStyle/>
+                    <a:p>
+                      <a:pPr algn="ctr" latinLnBrk="1"/>
+                      <a:r>
+                        <a:rPr lang="en-US" altLang="ko-KR" sz="1200" b="0" dirty="0">
+                          <a:solidFill>
+                            <a:srgbClr val="0070C0"/>
+                          </a:solidFill>
+                        </a:rPr>
+                        <a:t>C2</a:t>
+                      </a:r>
+                      <a:endParaRPr lang="ko-KR" altLang="en-US" sz="1200" b="0" dirty="0">
+                        <a:solidFill>
+                          <a:srgbClr val="0070C0"/>
+                        </a:solidFill>
+                      </a:endParaRPr>
+                    </a:p>
+                  </a:txBody>
+                  <a:tcPr>
+                    <a:lnL w="12700" cap="flat" cmpd="sng" algn="ctr">
+                      <a:solidFill>
+                        <a:schemeClr val="tx1"/>
+                      </a:solidFill>
+                      <a:prstDash val="solid"/>
+                      <a:round/>
+                      <a:headEnd type="none" w="med" len="med"/>
+                      <a:tailEnd type="none" w="med" len="med"/>
+                    </a:lnL>
+                    <a:lnR w="12700" cap="flat" cmpd="sng" algn="ctr">
+                      <a:solidFill>
+                        <a:schemeClr val="tx1"/>
+                      </a:solidFill>
+                      <a:prstDash val="solid"/>
+                      <a:round/>
+                      <a:headEnd type="none" w="med" len="med"/>
+                      <a:tailEnd type="none" w="med" len="med"/>
+                    </a:lnR>
+                    <a:lnT w="12700" cap="flat" cmpd="sng" algn="ctr">
+                      <a:solidFill>
+                        <a:schemeClr val="tx1"/>
+                      </a:solidFill>
+                      <a:prstDash val="solid"/>
+                      <a:round/>
+                      <a:headEnd type="none" w="med" len="med"/>
+                      <a:tailEnd type="none" w="med" len="med"/>
+                    </a:lnT>
+                    <a:lnB w="12700" cap="flat" cmpd="sng" algn="ctr">
+                      <a:solidFill>
+                        <a:schemeClr val="tx1"/>
+                      </a:solidFill>
+                      <a:prstDash val="solid"/>
+                      <a:round/>
+                      <a:headEnd type="none" w="med" len="med"/>
+                      <a:tailEnd type="none" w="med" len="med"/>
+                    </a:lnB>
+                    <a:solidFill>
+                      <a:schemeClr val="bg1"/>
+                    </a:solidFill>
+                  </a:tcPr>
+                </a:tc>
+                <a:tc>
+                  <a:txBody>
+                    <a:bodyPr/>
+                    <a:lstStyle/>
+                    <a:p>
+                      <a:pPr algn="ctr" latinLnBrk="1"/>
+                      <a:r>
+                        <a:rPr lang="en-US" altLang="ko-KR" sz="1200" b="0" dirty="0">
+                          <a:solidFill>
+                            <a:srgbClr val="00B050"/>
+                          </a:solidFill>
+                        </a:rPr>
+                        <a:t>B2</a:t>
+                      </a:r>
+                      <a:endParaRPr lang="ko-KR" altLang="en-US" sz="1200" b="0" dirty="0">
+                        <a:solidFill>
+                          <a:srgbClr val="00B050"/>
+                        </a:solidFill>
+                      </a:endParaRPr>
+                    </a:p>
+                  </a:txBody>
+                  <a:tcPr>
+                    <a:lnL w="12700" cap="flat" cmpd="sng" algn="ctr">
+                      <a:solidFill>
+                        <a:schemeClr val="tx1"/>
+                      </a:solidFill>
+                      <a:prstDash val="solid"/>
+                      <a:round/>
+                      <a:headEnd type="none" w="med" len="med"/>
+                      <a:tailEnd type="none" w="med" len="med"/>
+                    </a:lnL>
+                    <a:lnR w="12700" cap="flat" cmpd="sng" algn="ctr">
+                      <a:solidFill>
+                        <a:schemeClr val="tx1"/>
+                      </a:solidFill>
+                      <a:prstDash val="solid"/>
+                      <a:round/>
+                      <a:headEnd type="none" w="med" len="med"/>
+                      <a:tailEnd type="none" w="med" len="med"/>
+                    </a:lnR>
+                    <a:lnT w="12700" cap="flat" cmpd="sng" algn="ctr">
+                      <a:solidFill>
+                        <a:schemeClr val="tx1"/>
+                      </a:solidFill>
+                      <a:prstDash val="solid"/>
+                      <a:round/>
+                      <a:headEnd type="none" w="med" len="med"/>
+                      <a:tailEnd type="none" w="med" len="med"/>
+                    </a:lnT>
+                    <a:lnB w="12700" cap="flat" cmpd="sng" algn="ctr">
+                      <a:solidFill>
+                        <a:schemeClr val="tx1"/>
+                      </a:solidFill>
+                      <a:prstDash val="solid"/>
+                      <a:round/>
+                      <a:headEnd type="none" w="med" len="med"/>
+                      <a:tailEnd type="none" w="med" len="med"/>
+                    </a:lnB>
+                    <a:solidFill>
+                      <a:schemeClr val="bg1"/>
+                    </a:solidFill>
+                  </a:tcPr>
+                </a:tc>
+                <a:tc>
+                  <a:txBody>
+                    <a:bodyPr/>
+                    <a:lstStyle/>
+                    <a:p>
+                      <a:pPr algn="ctr" latinLnBrk="1"/>
+                      <a:r>
+                        <a:rPr lang="en-US" altLang="ko-KR" sz="1200" b="0" dirty="0">
+                          <a:solidFill>
+                            <a:srgbClr val="FF0000"/>
+                          </a:solidFill>
+                        </a:rPr>
+                        <a:t>A2</a:t>
+                      </a:r>
+                      <a:endParaRPr lang="ko-KR" altLang="en-US" sz="1200" b="0" dirty="0">
+                        <a:solidFill>
+                          <a:srgbClr val="FF0000"/>
+                        </a:solidFill>
+                      </a:endParaRPr>
+                    </a:p>
+                  </a:txBody>
+                  <a:tcPr>
+                    <a:lnL w="12700" cap="flat" cmpd="sng" algn="ctr">
+                      <a:solidFill>
+                        <a:schemeClr val="tx1"/>
+                      </a:solidFill>
+                      <a:prstDash val="solid"/>
+                      <a:round/>
+                      <a:headEnd type="none" w="med" len="med"/>
+                      <a:tailEnd type="none" w="med" len="med"/>
+                    </a:lnL>
+                    <a:lnR w="12700" cap="flat" cmpd="sng" algn="ctr">
+                      <a:solidFill>
+                        <a:schemeClr val="tx1"/>
+                      </a:solidFill>
+                      <a:prstDash val="solid"/>
+                      <a:round/>
+                      <a:headEnd type="none" w="med" len="med"/>
+                      <a:tailEnd type="none" w="med" len="med"/>
+                    </a:lnR>
+                    <a:lnT w="12700" cap="flat" cmpd="sng" algn="ctr">
+                      <a:solidFill>
+                        <a:schemeClr val="tx1"/>
+                      </a:solidFill>
+                      <a:prstDash val="solid"/>
+                      <a:round/>
+                      <a:headEnd type="none" w="med" len="med"/>
+                      <a:tailEnd type="none" w="med" len="med"/>
+                    </a:lnT>
+                    <a:lnB w="12700" cap="flat" cmpd="sng" algn="ctr">
+                      <a:solidFill>
+                        <a:schemeClr val="tx1"/>
+                      </a:solidFill>
+                      <a:prstDash val="solid"/>
+                      <a:round/>
+                      <a:headEnd type="none" w="med" len="med"/>
+                      <a:tailEnd type="none" w="med" len="med"/>
+                    </a:lnB>
+                    <a:solidFill>
+                      <a:schemeClr val="bg1"/>
+                    </a:solidFill>
+                  </a:tcPr>
+                </a:tc>
+                <a:extLst>
+                  <a:ext uri="{0D108BD9-81ED-4DB2-BD59-A6C34878D82A}">
+                    <a16:rowId xmlns:a16="http://schemas.microsoft.com/office/drawing/2014/main" val="2399335939"/>
+                  </a:ext>
+                </a:extLst>
+              </a:tr>
+              <a:tr h="362797">
+                <a:tc>
+                  <a:txBody>
+                    <a:bodyPr/>
+                    <a:lstStyle/>
+                    <a:p>
+                      <a:pPr algn="ctr" latinLnBrk="1"/>
+                      <a:r>
+                        <a:rPr lang="en-US" altLang="ko-KR" sz="1200" b="0" dirty="0">
+                          <a:solidFill>
+                            <a:schemeClr val="tx1"/>
+                          </a:solidFill>
+                        </a:rPr>
+                        <a:t>M1</a:t>
+                      </a:r>
+                      <a:endParaRPr lang="ko-KR" altLang="en-US" sz="1200" b="0" dirty="0">
+                        <a:solidFill>
+                          <a:schemeClr val="tx1"/>
+                        </a:solidFill>
+                      </a:endParaRPr>
+                    </a:p>
+                  </a:txBody>
+                  <a:tcPr>
+                    <a:lnL w="12700" cap="flat" cmpd="sng" algn="ctr">
+                      <a:solidFill>
+                        <a:schemeClr val="tx1"/>
+                      </a:solidFill>
+                      <a:prstDash val="solid"/>
+                      <a:round/>
+                      <a:headEnd type="none" w="med" len="med"/>
+                      <a:tailEnd type="none" w="med" len="med"/>
+                    </a:lnL>
+                    <a:lnR w="12700" cap="flat" cmpd="sng" algn="ctr">
+                      <a:solidFill>
+                        <a:schemeClr val="tx1"/>
+                      </a:solidFill>
+                      <a:prstDash val="solid"/>
+                      <a:round/>
+                      <a:headEnd type="none" w="med" len="med"/>
+                      <a:tailEnd type="none" w="med" len="med"/>
+                    </a:lnR>
+                    <a:lnT w="12700" cap="flat" cmpd="sng" algn="ctr">
+                      <a:solidFill>
+                        <a:schemeClr val="tx1"/>
+                      </a:solidFill>
+                      <a:prstDash val="solid"/>
+                      <a:round/>
+                      <a:headEnd type="none" w="med" len="med"/>
+                      <a:tailEnd type="none" w="med" len="med"/>
+                    </a:lnT>
+                    <a:lnB w="12700" cap="flat" cmpd="sng" algn="ctr">
+                      <a:solidFill>
+                        <a:schemeClr val="tx1"/>
+                      </a:solidFill>
+                      <a:prstDash val="solid"/>
+                      <a:round/>
+                      <a:headEnd type="none" w="med" len="med"/>
+                      <a:tailEnd type="none" w="med" len="med"/>
+                    </a:lnB>
+                    <a:solidFill>
+                      <a:schemeClr val="bg1"/>
+                    </a:solidFill>
+                  </a:tcPr>
+                </a:tc>
+                <a:tc>
+                  <a:txBody>
+                    <a:bodyPr/>
+                    <a:lstStyle/>
+                    <a:p>
+                      <a:pPr algn="ctr" latinLnBrk="1"/>
+                      <a:r>
+                        <a:rPr lang="en-US" altLang="ko-KR" sz="1200" b="0" dirty="0">
+                          <a:solidFill>
+                            <a:srgbClr val="00B0F0"/>
+                          </a:solidFill>
+                        </a:rPr>
+                        <a:t>F1</a:t>
+                      </a:r>
+                      <a:endParaRPr lang="ko-KR" altLang="en-US" sz="1200" b="0" dirty="0">
+                        <a:solidFill>
+                          <a:srgbClr val="00B0F0"/>
+                        </a:solidFill>
+                      </a:endParaRPr>
+                    </a:p>
+                  </a:txBody>
+                  <a:tcPr>
+                    <a:lnL w="12700" cap="flat" cmpd="sng" algn="ctr">
+                      <a:solidFill>
+                        <a:schemeClr val="tx1"/>
+                      </a:solidFill>
+                      <a:prstDash val="solid"/>
+                      <a:round/>
+                      <a:headEnd type="none" w="med" len="med"/>
+                      <a:tailEnd type="none" w="med" len="med"/>
+                    </a:lnL>
+                    <a:lnR w="12700" cap="flat" cmpd="sng" algn="ctr">
+                      <a:solidFill>
+                        <a:schemeClr val="tx1"/>
+                      </a:solidFill>
+                      <a:prstDash val="solid"/>
+                      <a:round/>
+                      <a:headEnd type="none" w="med" len="med"/>
+                      <a:tailEnd type="none" w="med" len="med"/>
+                    </a:lnR>
+                    <a:lnT w="12700" cap="flat" cmpd="sng" algn="ctr">
+                      <a:solidFill>
+                        <a:schemeClr val="tx1"/>
+                      </a:solidFill>
+                      <a:prstDash val="solid"/>
+                      <a:round/>
+                      <a:headEnd type="none" w="med" len="med"/>
+                      <a:tailEnd type="none" w="med" len="med"/>
+                    </a:lnT>
+                    <a:lnB w="12700" cap="flat" cmpd="sng" algn="ctr">
+                      <a:solidFill>
+                        <a:schemeClr val="tx1"/>
+                      </a:solidFill>
+                      <a:prstDash val="solid"/>
+                      <a:round/>
+                      <a:headEnd type="none" w="med" len="med"/>
+                      <a:tailEnd type="none" w="med" len="med"/>
+                    </a:lnB>
+                    <a:solidFill>
+                      <a:schemeClr val="bg1"/>
+                    </a:solidFill>
+                  </a:tcPr>
+                </a:tc>
+                <a:tc>
+                  <a:txBody>
+                    <a:bodyPr/>
+                    <a:lstStyle/>
+                    <a:p>
+                      <a:pPr algn="ctr" latinLnBrk="1"/>
+                      <a:r>
+                        <a:rPr lang="en-US" altLang="ko-KR" sz="1200" b="0" dirty="0">
+                          <a:solidFill>
+                            <a:srgbClr val="0070C0"/>
+                          </a:solidFill>
+                        </a:rPr>
+                        <a:t>C1</a:t>
+                      </a:r>
+                      <a:endParaRPr lang="ko-KR" altLang="en-US" sz="1200" b="0" dirty="0">
+                        <a:solidFill>
+                          <a:srgbClr val="0070C0"/>
+                        </a:solidFill>
+                      </a:endParaRPr>
+                    </a:p>
+                  </a:txBody>
+                  <a:tcPr>
+                    <a:lnL w="12700" cap="flat" cmpd="sng" algn="ctr">
+                      <a:solidFill>
+                        <a:schemeClr val="tx1"/>
+                      </a:solidFill>
+                      <a:prstDash val="solid"/>
+                      <a:round/>
+                      <a:headEnd type="none" w="med" len="med"/>
+                      <a:tailEnd type="none" w="med" len="med"/>
+                    </a:lnL>
+                    <a:lnR w="12700" cap="flat" cmpd="sng" algn="ctr">
+                      <a:solidFill>
+                        <a:schemeClr val="tx1"/>
+                      </a:solidFill>
+                      <a:prstDash val="solid"/>
+                      <a:round/>
+                      <a:headEnd type="none" w="med" len="med"/>
+                      <a:tailEnd type="none" w="med" len="med"/>
+                    </a:lnR>
+                    <a:lnT w="12700" cap="flat" cmpd="sng" algn="ctr">
+                      <a:solidFill>
+                        <a:schemeClr val="tx1"/>
+                      </a:solidFill>
+                      <a:prstDash val="solid"/>
+                      <a:round/>
+                      <a:headEnd type="none" w="med" len="med"/>
+                      <a:tailEnd type="none" w="med" len="med"/>
+                    </a:lnT>
+                    <a:lnB w="12700" cap="flat" cmpd="sng" algn="ctr">
+                      <a:solidFill>
+                        <a:schemeClr val="tx1"/>
+                      </a:solidFill>
+                      <a:prstDash val="solid"/>
+                      <a:round/>
+                      <a:headEnd type="none" w="med" len="med"/>
+                      <a:tailEnd type="none" w="med" len="med"/>
+                    </a:lnB>
+                    <a:solidFill>
+                      <a:schemeClr val="bg1"/>
+                    </a:solidFill>
+                  </a:tcPr>
+                </a:tc>
+                <a:tc>
+                  <a:txBody>
+                    <a:bodyPr/>
+                    <a:lstStyle/>
+                    <a:p>
+                      <a:pPr algn="ctr" latinLnBrk="1"/>
+                      <a:r>
+                        <a:rPr lang="en-US" altLang="ko-KR" sz="1200" b="0" dirty="0">
+                          <a:solidFill>
+                            <a:srgbClr val="00B050"/>
+                          </a:solidFill>
+                        </a:rPr>
+                        <a:t>B1</a:t>
+                      </a:r>
+                      <a:endParaRPr lang="ko-KR" altLang="en-US" sz="1200" b="0" dirty="0">
+                        <a:solidFill>
+                          <a:srgbClr val="00B050"/>
+                        </a:solidFill>
+                      </a:endParaRPr>
+                    </a:p>
+                  </a:txBody>
+                  <a:tcPr>
+                    <a:lnL w="12700" cap="flat" cmpd="sng" algn="ctr">
+                      <a:solidFill>
+                        <a:schemeClr val="tx1"/>
+                      </a:solidFill>
+                      <a:prstDash val="solid"/>
+                      <a:round/>
+                      <a:headEnd type="none" w="med" len="med"/>
+                      <a:tailEnd type="none" w="med" len="med"/>
+                    </a:lnL>
+                    <a:lnR w="12700" cap="flat" cmpd="sng" algn="ctr">
+                      <a:solidFill>
+                        <a:schemeClr val="tx1"/>
+                      </a:solidFill>
+                      <a:prstDash val="solid"/>
+                      <a:round/>
+                      <a:headEnd type="none" w="med" len="med"/>
+                      <a:tailEnd type="none" w="med" len="med"/>
+                    </a:lnR>
+                    <a:lnT w="12700" cap="flat" cmpd="sng" algn="ctr">
+                      <a:solidFill>
+                        <a:schemeClr val="tx1"/>
+                      </a:solidFill>
+                      <a:prstDash val="solid"/>
+                      <a:round/>
+                      <a:headEnd type="none" w="med" len="med"/>
+                      <a:tailEnd type="none" w="med" len="med"/>
+                    </a:lnT>
+                    <a:lnB w="12700" cap="flat" cmpd="sng" algn="ctr">
+                      <a:solidFill>
+                        <a:schemeClr val="tx1"/>
+                      </a:solidFill>
+                      <a:prstDash val="solid"/>
+                      <a:round/>
+                      <a:headEnd type="none" w="med" len="med"/>
+                      <a:tailEnd type="none" w="med" len="med"/>
+                    </a:lnB>
+                    <a:solidFill>
+                      <a:schemeClr val="bg1"/>
+                    </a:solidFill>
+                  </a:tcPr>
+                </a:tc>
+                <a:tc>
+                  <a:txBody>
+                    <a:bodyPr/>
+                    <a:lstStyle/>
+                    <a:p>
+                      <a:pPr algn="ctr" latinLnBrk="1"/>
+                      <a:r>
+                        <a:rPr lang="en-US" altLang="ko-KR" sz="1200" b="0" dirty="0">
+                          <a:solidFill>
+                            <a:srgbClr val="FF0000"/>
+                          </a:solidFill>
+                        </a:rPr>
+                        <a:t>A1</a:t>
+                      </a:r>
+                      <a:endParaRPr lang="ko-KR" altLang="en-US" sz="1200" b="0" dirty="0">
+                        <a:solidFill>
+                          <a:srgbClr val="FF0000"/>
+                        </a:solidFill>
+                      </a:endParaRPr>
+                    </a:p>
+                  </a:txBody>
+                  <a:tcPr>
+                    <a:lnL w="12700" cap="flat" cmpd="sng" algn="ctr">
+                      <a:solidFill>
+                        <a:schemeClr val="tx1"/>
+                      </a:solidFill>
+                      <a:prstDash val="solid"/>
+                      <a:round/>
+                      <a:headEnd type="none" w="med" len="med"/>
+                      <a:tailEnd type="none" w="med" len="med"/>
+                    </a:lnL>
+                    <a:lnR w="12700" cap="flat" cmpd="sng" algn="ctr">
+                      <a:solidFill>
+                        <a:schemeClr val="tx1"/>
+                      </a:solidFill>
+                      <a:prstDash val="solid"/>
+                      <a:round/>
+                      <a:headEnd type="none" w="med" len="med"/>
+                      <a:tailEnd type="none" w="med" len="med"/>
+                    </a:lnR>
+                    <a:lnT w="12700" cap="flat" cmpd="sng" algn="ctr">
+                      <a:solidFill>
+                        <a:schemeClr val="tx1"/>
+                      </a:solidFill>
+                      <a:prstDash val="solid"/>
+                      <a:round/>
+                      <a:headEnd type="none" w="med" len="med"/>
+                      <a:tailEnd type="none" w="med" len="med"/>
+                    </a:lnT>
+                    <a:lnB w="12700" cap="flat" cmpd="sng" algn="ctr">
+                      <a:solidFill>
+                        <a:schemeClr val="tx1"/>
+                      </a:solidFill>
+                      <a:prstDash val="solid"/>
+                      <a:round/>
+                      <a:headEnd type="none" w="med" len="med"/>
+                      <a:tailEnd type="none" w="med" len="med"/>
+                    </a:lnB>
+                    <a:solidFill>
+                      <a:schemeClr val="bg1"/>
+                    </a:solidFill>
+                  </a:tcPr>
+                </a:tc>
+                <a:extLst>
+                  <a:ext uri="{0D108BD9-81ED-4DB2-BD59-A6C34878D82A}">
+                    <a16:rowId xmlns:a16="http://schemas.microsoft.com/office/drawing/2014/main" val="3000531804"/>
+                  </a:ext>
+                </a:extLst>
+              </a:tr>
+            </a:tbl>
+          </a:graphicData>
+        </a:graphic>
+      </p:graphicFrame>
+      <p:cxnSp>
+        <p:nvCxnSpPr>
+          <p:cNvPr id="18" name="직선 화살표 연결선 17">
+            <a:extLst>
+              <a:ext uri="{FF2B5EF4-FFF2-40B4-BE49-F238E27FC236}">
+                <a16:creationId xmlns:a16="http://schemas.microsoft.com/office/drawing/2014/main" id="{71A8095B-1AC0-4849-9341-0FB70C737B2F}"/>
+              </a:ext>
+            </a:extLst>
+          </p:cNvPr>
+          <p:cNvCxnSpPr>
+            <a:cxnSpLocks/>
+          </p:cNvCxnSpPr>
+          <p:nvPr/>
+        </p:nvCxnSpPr>
+        <p:spPr>
+          <a:xfrm>
+            <a:off x="6970403" y="3603804"/>
+            <a:ext cx="440944" cy="0"/>
+          </a:xfrm>
+          <a:prstGeom prst="straightConnector1">
+            <a:avLst/>
+          </a:prstGeom>
+          <a:ln>
+            <a:solidFill>
+              <a:schemeClr val="tx1"/>
+            </a:solidFill>
+            <a:tailEnd type="triangle"/>
+          </a:ln>
+        </p:spPr>
+        <p:style>
+          <a:lnRef idx="1">
+            <a:schemeClr val="accent1"/>
+          </a:lnRef>
+          <a:fillRef idx="0">
+            <a:schemeClr val="accent1"/>
+          </a:fillRef>
+          <a:effectRef idx="0">
+            <a:schemeClr val="accent1"/>
+          </a:effectRef>
+          <a:fontRef idx="minor">
+            <a:schemeClr val="tx1"/>
+          </a:fontRef>
+        </p:style>
+      </p:cxnSp>
+      <p:cxnSp>
+        <p:nvCxnSpPr>
+          <p:cNvPr id="19" name="직선 화살표 연결선 18">
+            <a:extLst>
+              <a:ext uri="{FF2B5EF4-FFF2-40B4-BE49-F238E27FC236}">
+                <a16:creationId xmlns:a16="http://schemas.microsoft.com/office/drawing/2014/main" id="{0D4F00F1-51A0-4C9F-94EE-54F9DD4D9694}"/>
+              </a:ext>
+            </a:extLst>
+          </p:cNvPr>
+          <p:cNvCxnSpPr>
+            <a:cxnSpLocks/>
+          </p:cNvCxnSpPr>
+          <p:nvPr/>
+        </p:nvCxnSpPr>
+        <p:spPr>
+          <a:xfrm>
+            <a:off x="6970403" y="3927654"/>
+            <a:ext cx="440944" cy="0"/>
+          </a:xfrm>
+          <a:prstGeom prst="straightConnector1">
+            <a:avLst/>
+          </a:prstGeom>
+          <a:ln>
+            <a:solidFill>
+              <a:schemeClr val="tx1"/>
+            </a:solidFill>
+            <a:tailEnd type="triangle"/>
+          </a:ln>
+        </p:spPr>
+        <p:style>
+          <a:lnRef idx="1">
+            <a:schemeClr val="accent1"/>
+          </a:lnRef>
+          <a:fillRef idx="0">
+            <a:schemeClr val="accent1"/>
+          </a:fillRef>
+          <a:effectRef idx="0">
+            <a:schemeClr val="accent1"/>
+          </a:effectRef>
+          <a:fontRef idx="minor">
+            <a:schemeClr val="tx1"/>
+          </a:fontRef>
+        </p:style>
+      </p:cxnSp>
+      <p:cxnSp>
+        <p:nvCxnSpPr>
+          <p:cNvPr id="20" name="직선 화살표 연결선 19">
+            <a:extLst>
+              <a:ext uri="{FF2B5EF4-FFF2-40B4-BE49-F238E27FC236}">
+                <a16:creationId xmlns:a16="http://schemas.microsoft.com/office/drawing/2014/main" id="{1B52BF8B-F81A-40CE-BFD9-F6CA0ECF412D}"/>
+              </a:ext>
+            </a:extLst>
+          </p:cNvPr>
+          <p:cNvCxnSpPr>
+            <a:cxnSpLocks/>
+          </p:cNvCxnSpPr>
+          <p:nvPr/>
+        </p:nvCxnSpPr>
+        <p:spPr>
+          <a:xfrm>
+            <a:off x="6970403" y="4270554"/>
+            <a:ext cx="440944" cy="0"/>
+          </a:xfrm>
+          <a:prstGeom prst="straightConnector1">
+            <a:avLst/>
+          </a:prstGeom>
+          <a:ln>
+            <a:solidFill>
+              <a:schemeClr val="tx1"/>
+            </a:solidFill>
+            <a:tailEnd type="triangle"/>
+          </a:ln>
+        </p:spPr>
+        <p:style>
+          <a:lnRef idx="1">
+            <a:schemeClr val="accent1"/>
+          </a:lnRef>
+          <a:fillRef idx="0">
+            <a:schemeClr val="accent1"/>
+          </a:fillRef>
+          <a:effectRef idx="0">
+            <a:schemeClr val="accent1"/>
+          </a:effectRef>
+          <a:fontRef idx="minor">
+            <a:schemeClr val="tx1"/>
+          </a:fontRef>
+        </p:style>
+      </p:cxnSp>
+      <p:cxnSp>
+        <p:nvCxnSpPr>
+          <p:cNvPr id="21" name="직선 화살표 연결선 20">
+            <a:extLst>
+              <a:ext uri="{FF2B5EF4-FFF2-40B4-BE49-F238E27FC236}">
+                <a16:creationId xmlns:a16="http://schemas.microsoft.com/office/drawing/2014/main" id="{98A0153E-0AFA-496B-B3F2-0B06193DF3A1}"/>
+              </a:ext>
+            </a:extLst>
+          </p:cNvPr>
+          <p:cNvCxnSpPr>
+            <a:cxnSpLocks/>
+          </p:cNvCxnSpPr>
+          <p:nvPr/>
+        </p:nvCxnSpPr>
+        <p:spPr>
+          <a:xfrm>
+            <a:off x="6970403" y="4664254"/>
+            <a:ext cx="440944" cy="0"/>
+          </a:xfrm>
+          <a:prstGeom prst="straightConnector1">
+            <a:avLst/>
+          </a:prstGeom>
+          <a:ln>
+            <a:solidFill>
+              <a:schemeClr val="tx1"/>
+            </a:solidFill>
+            <a:tailEnd type="triangle"/>
+          </a:ln>
+        </p:spPr>
+        <p:style>
+          <a:lnRef idx="1">
+            <a:schemeClr val="accent1"/>
+          </a:lnRef>
+          <a:fillRef idx="0">
+            <a:schemeClr val="accent1"/>
+          </a:fillRef>
+          <a:effectRef idx="0">
+            <a:schemeClr val="accent1"/>
+          </a:effectRef>
+          <a:fontRef idx="minor">
+            <a:schemeClr val="tx1"/>
+          </a:fontRef>
+        </p:style>
+      </p:cxnSp>
+      <p:cxnSp>
+        <p:nvCxnSpPr>
+          <p:cNvPr id="22" name="직선 화살표 연결선 21">
+            <a:extLst>
+              <a:ext uri="{FF2B5EF4-FFF2-40B4-BE49-F238E27FC236}">
+                <a16:creationId xmlns:a16="http://schemas.microsoft.com/office/drawing/2014/main" id="{66067E54-E6A2-4AD4-B64C-A22DB659F7F3}"/>
+              </a:ext>
+            </a:extLst>
+          </p:cNvPr>
+          <p:cNvCxnSpPr>
+            <a:cxnSpLocks/>
+          </p:cNvCxnSpPr>
+          <p:nvPr/>
+        </p:nvCxnSpPr>
+        <p:spPr>
+          <a:xfrm>
+            <a:off x="6970403" y="5013504"/>
+            <a:ext cx="440944" cy="0"/>
+          </a:xfrm>
+          <a:prstGeom prst="straightConnector1">
+            <a:avLst/>
+          </a:prstGeom>
+          <a:ln>
+            <a:solidFill>
+              <a:schemeClr val="tx1"/>
+            </a:solidFill>
+            <a:tailEnd type="triangle"/>
+          </a:ln>
+        </p:spPr>
+        <p:style>
+          <a:lnRef idx="1">
+            <a:schemeClr val="accent1"/>
+          </a:lnRef>
+          <a:fillRef idx="0">
+            <a:schemeClr val="accent1"/>
+          </a:fillRef>
+          <a:effectRef idx="0">
+            <a:schemeClr val="accent1"/>
+          </a:effectRef>
+          <a:fontRef idx="minor">
+            <a:schemeClr val="tx1"/>
+          </a:fontRef>
+        </p:style>
+      </p:cxnSp>
+      <p:sp>
+        <p:nvSpPr>
+          <p:cNvPr id="46" name="타원 45">
+            <a:extLst>
+              <a:ext uri="{FF2B5EF4-FFF2-40B4-BE49-F238E27FC236}">
+                <a16:creationId xmlns:a16="http://schemas.microsoft.com/office/drawing/2014/main" id="{000033BC-3608-4624-B10A-8C25E6D7F6F2}"/>
+              </a:ext>
+            </a:extLst>
+          </p:cNvPr>
+          <p:cNvSpPr/>
+          <p:nvPr/>
+        </p:nvSpPr>
+        <p:spPr>
+          <a:xfrm>
+            <a:off x="7411347" y="3445530"/>
+            <a:ext cx="316547" cy="316547"/>
+          </a:xfrm>
+          <a:prstGeom prst="ellipse">
+            <a:avLst/>
+          </a:prstGeom>
+          <a:noFill/>
+          <a:ln>
+            <a:solidFill>
+              <a:srgbClr val="0070C0"/>
+            </a:solidFill>
+          </a:ln>
+        </p:spPr>
+        <p:style>
+          <a:lnRef idx="2">
+            <a:schemeClr val="accent1">
+              <a:shade val="50000"/>
+            </a:schemeClr>
+          </a:lnRef>
+          <a:fillRef idx="1">
+            <a:schemeClr val="accent1"/>
+          </a:fillRef>
+          <a:effectRef idx="0">
+            <a:schemeClr val="accent1"/>
+          </a:effectRef>
+          <a:fontRef idx="minor">
+            <a:schemeClr val="lt1"/>
+          </a:fontRef>
+        </p:style>
+        <p:txBody>
+          <a:bodyPr rtlCol="0" anchor="ctr"/>
+          <a:lstStyle/>
+          <a:p>
+            <a:pPr algn="ctr"/>
+            <a:r>
+              <a:rPr lang="en-US" altLang="ko-KR" sz="700" b="1" dirty="0">
+                <a:solidFill>
+                  <a:srgbClr val="0070C0"/>
+                </a:solidFill>
+              </a:rPr>
+              <a:t>SH</a:t>
+            </a:r>
+            <a:endParaRPr lang="ko-KR" altLang="en-US" sz="700" b="1" dirty="0">
+              <a:solidFill>
+                <a:srgbClr val="0070C0"/>
+              </a:solidFill>
+            </a:endParaRPr>
+          </a:p>
+        </p:txBody>
+      </p:sp>
+      <p:sp>
+        <p:nvSpPr>
+          <p:cNvPr id="47" name="타원 46">
+            <a:extLst>
+              <a:ext uri="{FF2B5EF4-FFF2-40B4-BE49-F238E27FC236}">
+                <a16:creationId xmlns:a16="http://schemas.microsoft.com/office/drawing/2014/main" id="{16820828-8542-473F-B030-9325355931A3}"/>
+              </a:ext>
+            </a:extLst>
+          </p:cNvPr>
+          <p:cNvSpPr/>
+          <p:nvPr/>
+        </p:nvSpPr>
+        <p:spPr>
+          <a:xfrm>
+            <a:off x="7411347" y="3771315"/>
+            <a:ext cx="316547" cy="316547"/>
+          </a:xfrm>
+          <a:prstGeom prst="ellipse">
+            <a:avLst/>
+          </a:prstGeom>
+          <a:noFill/>
+          <a:ln>
+            <a:solidFill>
+              <a:srgbClr val="0070C0"/>
+            </a:solidFill>
+          </a:ln>
+        </p:spPr>
+        <p:style>
+          <a:lnRef idx="2">
+            <a:schemeClr val="accent1">
+              <a:shade val="50000"/>
+            </a:schemeClr>
+          </a:lnRef>
+          <a:fillRef idx="1">
+            <a:schemeClr val="accent1"/>
+          </a:fillRef>
+          <a:effectRef idx="0">
+            <a:schemeClr val="accent1"/>
+          </a:effectRef>
+          <a:fontRef idx="minor">
+            <a:schemeClr val="lt1"/>
+          </a:fontRef>
+        </p:style>
+        <p:txBody>
+          <a:bodyPr rtlCol="0" anchor="ctr"/>
+          <a:lstStyle/>
+          <a:p>
+            <a:pPr algn="ctr"/>
+            <a:r>
+              <a:rPr lang="en-US" altLang="ko-KR" sz="700" b="1" dirty="0">
+                <a:solidFill>
+                  <a:srgbClr val="0070C0"/>
+                </a:solidFill>
+              </a:rPr>
+              <a:t>SH</a:t>
+            </a:r>
+            <a:endParaRPr lang="ko-KR" altLang="en-US" sz="700" b="1" dirty="0">
+              <a:solidFill>
+                <a:srgbClr val="0070C0"/>
+              </a:solidFill>
+            </a:endParaRPr>
+          </a:p>
+        </p:txBody>
+      </p:sp>
+      <p:sp>
+        <p:nvSpPr>
+          <p:cNvPr id="48" name="타원 47">
+            <a:extLst>
+              <a:ext uri="{FF2B5EF4-FFF2-40B4-BE49-F238E27FC236}">
+                <a16:creationId xmlns:a16="http://schemas.microsoft.com/office/drawing/2014/main" id="{A78294BE-ADDC-43AD-B45A-8BF1499484FA}"/>
+              </a:ext>
+            </a:extLst>
+          </p:cNvPr>
+          <p:cNvSpPr/>
+          <p:nvPr/>
+        </p:nvSpPr>
+        <p:spPr>
+          <a:xfrm>
+            <a:off x="7411347" y="4112280"/>
+            <a:ext cx="316547" cy="316547"/>
+          </a:xfrm>
+          <a:prstGeom prst="ellipse">
+            <a:avLst/>
+          </a:prstGeom>
+          <a:noFill/>
+          <a:ln>
+            <a:solidFill>
+              <a:srgbClr val="0070C0"/>
+            </a:solidFill>
+          </a:ln>
+        </p:spPr>
+        <p:style>
+          <a:lnRef idx="2">
+            <a:schemeClr val="accent1">
+              <a:shade val="50000"/>
+            </a:schemeClr>
+          </a:lnRef>
+          <a:fillRef idx="1">
+            <a:schemeClr val="accent1"/>
+          </a:fillRef>
+          <a:effectRef idx="0">
+            <a:schemeClr val="accent1"/>
+          </a:effectRef>
+          <a:fontRef idx="minor">
+            <a:schemeClr val="lt1"/>
+          </a:fontRef>
+        </p:style>
+        <p:txBody>
+          <a:bodyPr rtlCol="0" anchor="ctr"/>
+          <a:lstStyle/>
+          <a:p>
+            <a:pPr algn="ctr"/>
+            <a:r>
+              <a:rPr lang="en-US" altLang="ko-KR" sz="700" b="1" dirty="0">
+                <a:solidFill>
+                  <a:srgbClr val="0070C0"/>
+                </a:solidFill>
+              </a:rPr>
+              <a:t>SH</a:t>
+            </a:r>
+            <a:endParaRPr lang="ko-KR" altLang="en-US" sz="700" b="1" dirty="0">
+              <a:solidFill>
+                <a:srgbClr val="0070C0"/>
+              </a:solidFill>
+            </a:endParaRPr>
+          </a:p>
+        </p:txBody>
+      </p:sp>
+      <p:sp>
+        <p:nvSpPr>
+          <p:cNvPr id="49" name="타원 48">
+            <a:extLst>
+              <a:ext uri="{FF2B5EF4-FFF2-40B4-BE49-F238E27FC236}">
+                <a16:creationId xmlns:a16="http://schemas.microsoft.com/office/drawing/2014/main" id="{43729CDE-D29D-4148-854D-CFF6D6808F15}"/>
+              </a:ext>
+            </a:extLst>
+          </p:cNvPr>
+          <p:cNvSpPr/>
+          <p:nvPr/>
+        </p:nvSpPr>
+        <p:spPr>
+          <a:xfrm>
+            <a:off x="7420000" y="4505980"/>
+            <a:ext cx="316547" cy="316547"/>
+          </a:xfrm>
+          <a:prstGeom prst="ellipse">
+            <a:avLst/>
+          </a:prstGeom>
+          <a:noFill/>
+          <a:ln>
+            <a:solidFill>
+              <a:srgbClr val="0070C0"/>
+            </a:solidFill>
+          </a:ln>
+        </p:spPr>
+        <p:style>
+          <a:lnRef idx="2">
+            <a:schemeClr val="accent1">
+              <a:shade val="50000"/>
+            </a:schemeClr>
+          </a:lnRef>
+          <a:fillRef idx="1">
+            <a:schemeClr val="accent1"/>
+          </a:fillRef>
+          <a:effectRef idx="0">
+            <a:schemeClr val="accent1"/>
+          </a:effectRef>
+          <a:fontRef idx="minor">
+            <a:schemeClr val="lt1"/>
+          </a:fontRef>
+        </p:style>
+        <p:txBody>
+          <a:bodyPr rtlCol="0" anchor="ctr"/>
+          <a:lstStyle/>
+          <a:p>
+            <a:pPr algn="ctr"/>
+            <a:r>
+              <a:rPr lang="en-US" altLang="ko-KR" sz="700" b="1" dirty="0">
+                <a:solidFill>
+                  <a:srgbClr val="0070C0"/>
+                </a:solidFill>
+              </a:rPr>
+              <a:t>SH</a:t>
+            </a:r>
+            <a:endParaRPr lang="ko-KR" altLang="en-US" sz="700" b="1" dirty="0">
+              <a:solidFill>
+                <a:srgbClr val="0070C0"/>
+              </a:solidFill>
+            </a:endParaRPr>
+          </a:p>
+        </p:txBody>
+      </p:sp>
+      <p:sp>
+        <p:nvSpPr>
+          <p:cNvPr id="50" name="타원 49">
+            <a:extLst>
+              <a:ext uri="{FF2B5EF4-FFF2-40B4-BE49-F238E27FC236}">
+                <a16:creationId xmlns:a16="http://schemas.microsoft.com/office/drawing/2014/main" id="{887386C2-F8E7-4887-9374-68358936EEE0}"/>
+              </a:ext>
+            </a:extLst>
+          </p:cNvPr>
+          <p:cNvSpPr/>
+          <p:nvPr/>
+        </p:nvSpPr>
+        <p:spPr>
+          <a:xfrm>
+            <a:off x="7423875" y="4856183"/>
+            <a:ext cx="316547" cy="316547"/>
+          </a:xfrm>
+          <a:prstGeom prst="ellipse">
+            <a:avLst/>
+          </a:prstGeom>
+          <a:noFill/>
+          <a:ln>
+            <a:solidFill>
+              <a:srgbClr val="0070C0"/>
+            </a:solidFill>
+          </a:ln>
+        </p:spPr>
+        <p:style>
+          <a:lnRef idx="2">
+            <a:schemeClr val="accent1">
+              <a:shade val="50000"/>
+            </a:schemeClr>
+          </a:lnRef>
+          <a:fillRef idx="1">
+            <a:schemeClr val="accent1"/>
+          </a:fillRef>
+          <a:effectRef idx="0">
+            <a:schemeClr val="accent1"/>
+          </a:effectRef>
+          <a:fontRef idx="minor">
+            <a:schemeClr val="lt1"/>
+          </a:fontRef>
+        </p:style>
+        <p:txBody>
+          <a:bodyPr rtlCol="0" anchor="ctr"/>
+          <a:lstStyle/>
+          <a:p>
+            <a:pPr algn="ctr"/>
+            <a:r>
+              <a:rPr lang="en-US" altLang="ko-KR" sz="700" b="1" dirty="0">
+                <a:solidFill>
+                  <a:srgbClr val="0070C0"/>
+                </a:solidFill>
+              </a:rPr>
+              <a:t>SH</a:t>
+            </a:r>
+            <a:endParaRPr lang="ko-KR" altLang="en-US" sz="700" b="1" dirty="0">
+              <a:solidFill>
+                <a:srgbClr val="0070C0"/>
+              </a:solidFill>
+            </a:endParaRPr>
+          </a:p>
+        </p:txBody>
+      </p:sp>
+      <p:cxnSp>
+        <p:nvCxnSpPr>
+          <p:cNvPr id="51" name="직선 화살표 연결선 50">
+            <a:extLst>
+              <a:ext uri="{FF2B5EF4-FFF2-40B4-BE49-F238E27FC236}">
+                <a16:creationId xmlns:a16="http://schemas.microsoft.com/office/drawing/2014/main" id="{80E70361-E3E6-497D-9C69-1566713DD4F7}"/>
+              </a:ext>
+            </a:extLst>
+          </p:cNvPr>
+          <p:cNvCxnSpPr>
+            <a:cxnSpLocks/>
+            <a:stCxn id="46" idx="6"/>
+          </p:cNvCxnSpPr>
+          <p:nvPr/>
+        </p:nvCxnSpPr>
+        <p:spPr>
+          <a:xfrm>
+            <a:off x="7727894" y="3603804"/>
+            <a:ext cx="407734" cy="0"/>
+          </a:xfrm>
+          <a:prstGeom prst="straightConnector1">
+            <a:avLst/>
+          </a:prstGeom>
+          <a:ln>
+            <a:solidFill>
+              <a:schemeClr val="tx1"/>
+            </a:solidFill>
+            <a:tailEnd type="triangle"/>
+          </a:ln>
+        </p:spPr>
+        <p:style>
+          <a:lnRef idx="1">
+            <a:schemeClr val="accent1"/>
+          </a:lnRef>
+          <a:fillRef idx="0">
+            <a:schemeClr val="accent1"/>
+          </a:fillRef>
+          <a:effectRef idx="0">
+            <a:schemeClr val="accent1"/>
+          </a:effectRef>
+          <a:fontRef idx="minor">
+            <a:schemeClr val="tx1"/>
+          </a:fontRef>
+        </p:style>
+      </p:cxnSp>
+      <p:cxnSp>
+        <p:nvCxnSpPr>
+          <p:cNvPr id="52" name="직선 화살표 연결선 51">
+            <a:extLst>
+              <a:ext uri="{FF2B5EF4-FFF2-40B4-BE49-F238E27FC236}">
+                <a16:creationId xmlns:a16="http://schemas.microsoft.com/office/drawing/2014/main" id="{1B82AA61-082B-464D-9193-2226DB9C727E}"/>
+              </a:ext>
+            </a:extLst>
+          </p:cNvPr>
+          <p:cNvCxnSpPr>
+            <a:cxnSpLocks/>
+            <a:stCxn id="47" idx="6"/>
+          </p:cNvCxnSpPr>
+          <p:nvPr/>
+        </p:nvCxnSpPr>
+        <p:spPr>
+          <a:xfrm flipV="1">
+            <a:off x="7727894" y="3927653"/>
+            <a:ext cx="407734" cy="1936"/>
+          </a:xfrm>
+          <a:prstGeom prst="straightConnector1">
+            <a:avLst/>
+          </a:prstGeom>
+          <a:ln>
+            <a:solidFill>
+              <a:schemeClr val="tx1"/>
+            </a:solidFill>
+            <a:tailEnd type="triangle"/>
+          </a:ln>
+        </p:spPr>
+        <p:style>
+          <a:lnRef idx="1">
+            <a:schemeClr val="accent1"/>
+          </a:lnRef>
+          <a:fillRef idx="0">
+            <a:schemeClr val="accent1"/>
+          </a:fillRef>
+          <a:effectRef idx="0">
+            <a:schemeClr val="accent1"/>
+          </a:effectRef>
+          <a:fontRef idx="minor">
+            <a:schemeClr val="tx1"/>
+          </a:fontRef>
+        </p:style>
+      </p:cxnSp>
+      <p:cxnSp>
+        <p:nvCxnSpPr>
+          <p:cNvPr id="53" name="직선 화살표 연결선 52">
+            <a:extLst>
+              <a:ext uri="{FF2B5EF4-FFF2-40B4-BE49-F238E27FC236}">
+                <a16:creationId xmlns:a16="http://schemas.microsoft.com/office/drawing/2014/main" id="{B09F769C-7C76-46A0-AE03-CDF543C3ABDF}"/>
+              </a:ext>
+            </a:extLst>
+          </p:cNvPr>
+          <p:cNvCxnSpPr>
+            <a:cxnSpLocks/>
+            <a:stCxn id="48" idx="6"/>
+          </p:cNvCxnSpPr>
+          <p:nvPr/>
+        </p:nvCxnSpPr>
+        <p:spPr>
+          <a:xfrm>
+            <a:off x="7727894" y="4270554"/>
+            <a:ext cx="407734" cy="0"/>
+          </a:xfrm>
+          <a:prstGeom prst="straightConnector1">
+            <a:avLst/>
+          </a:prstGeom>
+          <a:ln>
+            <a:solidFill>
+              <a:schemeClr val="tx1"/>
+            </a:solidFill>
+            <a:tailEnd type="triangle"/>
+          </a:ln>
+        </p:spPr>
+        <p:style>
+          <a:lnRef idx="1">
+            <a:schemeClr val="accent1"/>
+          </a:lnRef>
+          <a:fillRef idx="0">
+            <a:schemeClr val="accent1"/>
+          </a:fillRef>
+          <a:effectRef idx="0">
+            <a:schemeClr val="accent1"/>
+          </a:effectRef>
+          <a:fontRef idx="minor">
+            <a:schemeClr val="tx1"/>
+          </a:fontRef>
+        </p:style>
+      </p:cxnSp>
+      <p:cxnSp>
+        <p:nvCxnSpPr>
+          <p:cNvPr id="54" name="직선 화살표 연결선 53">
+            <a:extLst>
+              <a:ext uri="{FF2B5EF4-FFF2-40B4-BE49-F238E27FC236}">
+                <a16:creationId xmlns:a16="http://schemas.microsoft.com/office/drawing/2014/main" id="{EB4F4292-B184-4B6B-9C13-4038FDB690C2}"/>
+              </a:ext>
+            </a:extLst>
+          </p:cNvPr>
+          <p:cNvCxnSpPr>
+            <a:cxnSpLocks/>
+            <a:stCxn id="49" idx="6"/>
+          </p:cNvCxnSpPr>
+          <p:nvPr/>
+        </p:nvCxnSpPr>
+        <p:spPr>
+          <a:xfrm>
+            <a:off x="7736547" y="4664254"/>
+            <a:ext cx="399081" cy="0"/>
+          </a:xfrm>
+          <a:prstGeom prst="straightConnector1">
+            <a:avLst/>
+          </a:prstGeom>
+          <a:ln>
+            <a:solidFill>
+              <a:schemeClr val="tx1"/>
+            </a:solidFill>
+            <a:tailEnd type="triangle"/>
+          </a:ln>
+        </p:spPr>
+        <p:style>
+          <a:lnRef idx="1">
+            <a:schemeClr val="accent1"/>
+          </a:lnRef>
+          <a:fillRef idx="0">
+            <a:schemeClr val="accent1"/>
+          </a:fillRef>
+          <a:effectRef idx="0">
+            <a:schemeClr val="accent1"/>
+          </a:effectRef>
+          <a:fontRef idx="minor">
+            <a:schemeClr val="tx1"/>
+          </a:fontRef>
+        </p:style>
+      </p:cxnSp>
+      <p:cxnSp>
+        <p:nvCxnSpPr>
+          <p:cNvPr id="55" name="직선 화살표 연결선 54">
+            <a:extLst>
+              <a:ext uri="{FF2B5EF4-FFF2-40B4-BE49-F238E27FC236}">
+                <a16:creationId xmlns:a16="http://schemas.microsoft.com/office/drawing/2014/main" id="{86EE2938-F00F-44B1-9BD4-7C44E3B2B246}"/>
+              </a:ext>
+            </a:extLst>
+          </p:cNvPr>
+          <p:cNvCxnSpPr>
+            <a:cxnSpLocks/>
+            <a:stCxn id="50" idx="6"/>
+          </p:cNvCxnSpPr>
+          <p:nvPr/>
+        </p:nvCxnSpPr>
+        <p:spPr>
+          <a:xfrm flipV="1">
+            <a:off x="7740422" y="5013503"/>
+            <a:ext cx="395206" cy="954"/>
+          </a:xfrm>
+          <a:prstGeom prst="straightConnector1">
+            <a:avLst/>
+          </a:prstGeom>
+          <a:ln>
+            <a:solidFill>
+              <a:schemeClr val="tx1"/>
+            </a:solidFill>
+            <a:tailEnd type="triangle"/>
+          </a:ln>
+        </p:spPr>
+        <p:style>
+          <a:lnRef idx="1">
+            <a:schemeClr val="accent1"/>
+          </a:lnRef>
+          <a:fillRef idx="0">
+            <a:schemeClr val="accent1"/>
+          </a:fillRef>
+          <a:effectRef idx="0">
+            <a:schemeClr val="accent1"/>
+          </a:effectRef>
+          <a:fontRef idx="minor">
+            <a:schemeClr val="tx1"/>
+          </a:fontRef>
+        </p:style>
+      </p:cxnSp>
+      <p:sp>
+        <p:nvSpPr>
+          <p:cNvPr id="61" name="TextBox 60">
+            <a:extLst>
+              <a:ext uri="{FF2B5EF4-FFF2-40B4-BE49-F238E27FC236}">
+                <a16:creationId xmlns:a16="http://schemas.microsoft.com/office/drawing/2014/main" id="{A3A8F5CB-A15C-4E51-B881-3313CBACB063}"/>
+              </a:ext>
+            </a:extLst>
+          </p:cNvPr>
+          <p:cNvSpPr txBox="1"/>
+          <p:nvPr/>
+        </p:nvSpPr>
+        <p:spPr>
+          <a:xfrm>
+            <a:off x="8135628" y="5324887"/>
+            <a:ext cx="2616200" cy="323165"/>
+          </a:xfrm>
+          <a:prstGeom prst="rect">
+            <a:avLst/>
+          </a:prstGeom>
+          <a:noFill/>
+        </p:spPr>
+        <p:txBody>
+          <a:bodyPr wrap="square" rtlCol="0">
+            <a:spAutoFit/>
+          </a:bodyPr>
+          <a:lstStyle/>
+          <a:p>
+            <a:pPr algn="ctr"/>
+            <a:r>
+              <a:rPr lang="en-US" altLang="ko-KR" sz="1500" b="1" dirty="0">
+                <a:solidFill>
+                  <a:srgbClr val="00B050"/>
+                </a:solidFill>
+              </a:rPr>
+              <a:t>Systolic Data Setup</a:t>
+            </a:r>
+            <a:endParaRPr lang="ko-KR" altLang="en-US" sz="1500" b="1" dirty="0">
+              <a:solidFill>
+                <a:srgbClr val="00B050"/>
+              </a:solidFill>
+            </a:endParaRPr>
+          </a:p>
+        </p:txBody>
+      </p:sp>
+      <p:sp>
+        <p:nvSpPr>
+          <p:cNvPr id="62" name="TextBox 61">
+            <a:extLst>
+              <a:ext uri="{FF2B5EF4-FFF2-40B4-BE49-F238E27FC236}">
+                <a16:creationId xmlns:a16="http://schemas.microsoft.com/office/drawing/2014/main" id="{B77B0E22-D5CB-4DD0-AD5F-9D8392FDE466}"/>
+              </a:ext>
+            </a:extLst>
+          </p:cNvPr>
+          <p:cNvSpPr txBox="1"/>
+          <p:nvPr/>
+        </p:nvSpPr>
+        <p:spPr>
+          <a:xfrm>
+            <a:off x="451173" y="247635"/>
+            <a:ext cx="5060196" cy="323165"/>
+          </a:xfrm>
+          <a:prstGeom prst="rect">
+            <a:avLst/>
+          </a:prstGeom>
+          <a:noFill/>
+        </p:spPr>
+        <p:txBody>
+          <a:bodyPr wrap="square" rtlCol="0">
+            <a:spAutoFit/>
+          </a:bodyPr>
+          <a:lstStyle/>
+          <a:p>
+            <a:r>
+              <a:rPr lang="en-US" altLang="ko-KR" sz="1500" b="1" dirty="0"/>
+              <a:t>Unified Buffer(</a:t>
+            </a:r>
+            <a:r>
+              <a:rPr lang="en-US" altLang="ko-KR" sz="1500" b="1" dirty="0" err="1"/>
+              <a:t>Ifmap</a:t>
+            </a:r>
+            <a:r>
+              <a:rPr lang="en-US" altLang="ko-KR" sz="1500" b="1" dirty="0"/>
+              <a:t>)</a:t>
+            </a:r>
+            <a:endParaRPr lang="ko-KR" altLang="en-US" sz="1500" b="1" dirty="0"/>
+          </a:p>
+        </p:txBody>
+      </p:sp>
+    </p:spTree>
+    <p:extLst>
+      <p:ext uri="{BB962C8B-B14F-4D97-AF65-F5344CB8AC3E}">
+        <p14:creationId xmlns:p14="http://schemas.microsoft.com/office/powerpoint/2010/main" val="3390785088"/>
+      </p:ext>
+    </p:extLst>
+  </p:cSld>
+  <p:clrMapOvr>
+    <a:masterClrMapping/>
+  </p:clrMapOvr>
+</p:sld>
+</file>
+
 <file path=ppt/theme/theme1.xml><?xml version="1.0" encoding="utf-8"?>
 <a:theme xmlns:a="http://schemas.openxmlformats.org/drawingml/2006/main" name="Office 테마">
   <a:themeElements>

--- a/SA_Simulator.pptx
+++ b/SA_Simulator.pptx
@@ -263,7 +263,7 @@
           <a:p>
             <a:fld id="{1951C600-A5E6-4FAC-AB4D-C2C9AF20EF8A}" type="datetimeFigureOut">
               <a:rPr lang="ko-KR" altLang="en-US" smtClean="0"/>
-              <a:t>2021-10-01</a:t>
+              <a:t>2021. 10. 28.</a:t>
             </a:fld>
             <a:endParaRPr lang="ko-KR" altLang="en-US"/>
           </a:p>
@@ -461,7 +461,7 @@
           <a:p>
             <a:fld id="{1951C600-A5E6-4FAC-AB4D-C2C9AF20EF8A}" type="datetimeFigureOut">
               <a:rPr lang="ko-KR" altLang="en-US" smtClean="0"/>
-              <a:t>2021-10-01</a:t>
+              <a:t>2021. 10. 28.</a:t>
             </a:fld>
             <a:endParaRPr lang="ko-KR" altLang="en-US"/>
           </a:p>
@@ -669,7 +669,7 @@
           <a:p>
             <a:fld id="{1951C600-A5E6-4FAC-AB4D-C2C9AF20EF8A}" type="datetimeFigureOut">
               <a:rPr lang="ko-KR" altLang="en-US" smtClean="0"/>
-              <a:t>2021-10-01</a:t>
+              <a:t>2021. 10. 28.</a:t>
             </a:fld>
             <a:endParaRPr lang="ko-KR" altLang="en-US"/>
           </a:p>
@@ -867,7 +867,7 @@
           <a:p>
             <a:fld id="{1951C600-A5E6-4FAC-AB4D-C2C9AF20EF8A}" type="datetimeFigureOut">
               <a:rPr lang="ko-KR" altLang="en-US" smtClean="0"/>
-              <a:t>2021-10-01</a:t>
+              <a:t>2021. 10. 28.</a:t>
             </a:fld>
             <a:endParaRPr lang="ko-KR" altLang="en-US"/>
           </a:p>
@@ -1142,7 +1142,7 @@
           <a:p>
             <a:fld id="{1951C600-A5E6-4FAC-AB4D-C2C9AF20EF8A}" type="datetimeFigureOut">
               <a:rPr lang="ko-KR" altLang="en-US" smtClean="0"/>
-              <a:t>2021-10-01</a:t>
+              <a:t>2021. 10. 28.</a:t>
             </a:fld>
             <a:endParaRPr lang="ko-KR" altLang="en-US"/>
           </a:p>
@@ -1407,7 +1407,7 @@
           <a:p>
             <a:fld id="{1951C600-A5E6-4FAC-AB4D-C2C9AF20EF8A}" type="datetimeFigureOut">
               <a:rPr lang="ko-KR" altLang="en-US" smtClean="0"/>
-              <a:t>2021-10-01</a:t>
+              <a:t>2021. 10. 28.</a:t>
             </a:fld>
             <a:endParaRPr lang="ko-KR" altLang="en-US"/>
           </a:p>
@@ -1819,7 +1819,7 @@
           <a:p>
             <a:fld id="{1951C600-A5E6-4FAC-AB4D-C2C9AF20EF8A}" type="datetimeFigureOut">
               <a:rPr lang="ko-KR" altLang="en-US" smtClean="0"/>
-              <a:t>2021-10-01</a:t>
+              <a:t>2021. 10. 28.</a:t>
             </a:fld>
             <a:endParaRPr lang="ko-KR" altLang="en-US"/>
           </a:p>
@@ -1960,7 +1960,7 @@
           <a:p>
             <a:fld id="{1951C600-A5E6-4FAC-AB4D-C2C9AF20EF8A}" type="datetimeFigureOut">
               <a:rPr lang="ko-KR" altLang="en-US" smtClean="0"/>
-              <a:t>2021-10-01</a:t>
+              <a:t>2021. 10. 28.</a:t>
             </a:fld>
             <a:endParaRPr lang="ko-KR" altLang="en-US"/>
           </a:p>
@@ -2073,7 +2073,7 @@
           <a:p>
             <a:fld id="{1951C600-A5E6-4FAC-AB4D-C2C9AF20EF8A}" type="datetimeFigureOut">
               <a:rPr lang="ko-KR" altLang="en-US" smtClean="0"/>
-              <a:t>2021-10-01</a:t>
+              <a:t>2021. 10. 28.</a:t>
             </a:fld>
             <a:endParaRPr lang="ko-KR" altLang="en-US"/>
           </a:p>
@@ -2384,7 +2384,7 @@
           <a:p>
             <a:fld id="{1951C600-A5E6-4FAC-AB4D-C2C9AF20EF8A}" type="datetimeFigureOut">
               <a:rPr lang="ko-KR" altLang="en-US" smtClean="0"/>
-              <a:t>2021-10-01</a:t>
+              <a:t>2021. 10. 28.</a:t>
             </a:fld>
             <a:endParaRPr lang="ko-KR" altLang="en-US"/>
           </a:p>
@@ -2672,7 +2672,7 @@
           <a:p>
             <a:fld id="{1951C600-A5E6-4FAC-AB4D-C2C9AF20EF8A}" type="datetimeFigureOut">
               <a:rPr lang="ko-KR" altLang="en-US" smtClean="0"/>
-              <a:t>2021-10-01</a:t>
+              <a:t>2021. 10. 28.</a:t>
             </a:fld>
             <a:endParaRPr lang="ko-KR" altLang="en-US"/>
           </a:p>
@@ -2913,7 +2913,7 @@
           <a:p>
             <a:fld id="{1951C600-A5E6-4FAC-AB4D-C2C9AF20EF8A}" type="datetimeFigureOut">
               <a:rPr lang="ko-KR" altLang="en-US" smtClean="0"/>
-              <a:t>2021-10-01</a:t>
+              <a:t>2021. 10. 28.</a:t>
             </a:fld>
             <a:endParaRPr lang="ko-KR" altLang="en-US"/>
           </a:p>
@@ -4977,7 +4977,7 @@
         </p:blipFill>
         <p:spPr>
           <a:xfrm>
-            <a:off x="1200150" y="3265743"/>
+            <a:off x="903166" y="3266777"/>
             <a:ext cx="2743200" cy="3111500"/>
           </a:xfrm>
           <a:prstGeom prst="rect">
@@ -9138,6 +9138,265 @@
               <a:t>)</a:t>
             </a:r>
             <a:endParaRPr lang="ko-KR" altLang="en-US" sz="1500" b="1" dirty="0"/>
+          </a:p>
+        </p:txBody>
+      </p:sp>
+      <p:sp>
+        <p:nvSpPr>
+          <p:cNvPr id="2" name="TextBox 1">
+            <a:extLst>
+              <a:ext uri="{FF2B5EF4-FFF2-40B4-BE49-F238E27FC236}">
+                <a16:creationId xmlns:a16="http://schemas.microsoft.com/office/drawing/2014/main" id="{38449933-F0D3-7945-8408-A23E19150278}"/>
+              </a:ext>
+            </a:extLst>
+          </p:cNvPr>
+          <p:cNvSpPr txBox="1"/>
+          <p:nvPr/>
+        </p:nvSpPr>
+        <p:spPr>
+          <a:xfrm>
+            <a:off x="3229004" y="3119745"/>
+            <a:ext cx="1542562" cy="246221"/>
+          </a:xfrm>
+          <a:prstGeom prst="rect">
+            <a:avLst/>
+          </a:prstGeom>
+          <a:noFill/>
+        </p:spPr>
+        <p:txBody>
+          <a:bodyPr wrap="square" rtlCol="0">
+            <a:spAutoFit/>
+          </a:bodyPr>
+          <a:lstStyle/>
+          <a:p>
+            <a:pPr algn="ctr"/>
+            <a:r>
+              <a:rPr kumimoji="1" lang="en-US" altLang="ko-Kore-KR" sz="1000" dirty="0"/>
+              <a:t>IFMAP_FIFO[27]</a:t>
+            </a:r>
+            <a:endParaRPr kumimoji="1" lang="ko-Kore-KR" altLang="en-US" sz="1000" dirty="0"/>
+          </a:p>
+        </p:txBody>
+      </p:sp>
+      <p:sp>
+        <p:nvSpPr>
+          <p:cNvPr id="24" name="TextBox 23">
+            <a:extLst>
+              <a:ext uri="{FF2B5EF4-FFF2-40B4-BE49-F238E27FC236}">
+                <a16:creationId xmlns:a16="http://schemas.microsoft.com/office/drawing/2014/main" id="{DBFF655E-A6FB-5646-B49B-B6C873BFA349}"/>
+              </a:ext>
+            </a:extLst>
+          </p:cNvPr>
+          <p:cNvSpPr txBox="1"/>
+          <p:nvPr/>
+        </p:nvSpPr>
+        <p:spPr>
+          <a:xfrm>
+            <a:off x="3877196" y="4893209"/>
+            <a:ext cx="445284" cy="246221"/>
+          </a:xfrm>
+          <a:prstGeom prst="rect">
+            <a:avLst/>
+          </a:prstGeom>
+          <a:noFill/>
+        </p:spPr>
+        <p:txBody>
+          <a:bodyPr wrap="square" rtlCol="0">
+            <a:spAutoFit/>
+          </a:bodyPr>
+          <a:lstStyle/>
+          <a:p>
+            <a:pPr algn="ctr"/>
+            <a:r>
+              <a:rPr kumimoji="1" lang="en-US" altLang="ko-Kore-KR" sz="1000" dirty="0"/>
+              <a:t>[26]</a:t>
+            </a:r>
+            <a:endParaRPr kumimoji="1" lang="ko-Kore-KR" altLang="en-US" sz="1000" dirty="0"/>
+          </a:p>
+        </p:txBody>
+      </p:sp>
+      <p:sp>
+        <p:nvSpPr>
+          <p:cNvPr id="25" name="TextBox 24">
+            <a:extLst>
+              <a:ext uri="{FF2B5EF4-FFF2-40B4-BE49-F238E27FC236}">
+                <a16:creationId xmlns:a16="http://schemas.microsoft.com/office/drawing/2014/main" id="{DDE1C307-3DC2-0F49-AB07-E36711C8DB9C}"/>
+              </a:ext>
+            </a:extLst>
+          </p:cNvPr>
+          <p:cNvSpPr txBox="1"/>
+          <p:nvPr/>
+        </p:nvSpPr>
+        <p:spPr>
+          <a:xfrm>
+            <a:off x="3873321" y="4541142"/>
+            <a:ext cx="445284" cy="246221"/>
+          </a:xfrm>
+          <a:prstGeom prst="rect">
+            <a:avLst/>
+          </a:prstGeom>
+          <a:noFill/>
+        </p:spPr>
+        <p:txBody>
+          <a:bodyPr wrap="square" rtlCol="0">
+            <a:spAutoFit/>
+          </a:bodyPr>
+          <a:lstStyle/>
+          <a:p>
+            <a:pPr algn="ctr"/>
+            <a:r>
+              <a:rPr kumimoji="1" lang="en-US" altLang="ko-Kore-KR" sz="1000" dirty="0"/>
+              <a:t>[25]</a:t>
+            </a:r>
+            <a:endParaRPr kumimoji="1" lang="ko-Kore-KR" altLang="en-US" sz="1000" dirty="0"/>
+          </a:p>
+        </p:txBody>
+      </p:sp>
+      <p:sp>
+        <p:nvSpPr>
+          <p:cNvPr id="26" name="TextBox 25">
+            <a:extLst>
+              <a:ext uri="{FF2B5EF4-FFF2-40B4-BE49-F238E27FC236}">
+                <a16:creationId xmlns:a16="http://schemas.microsoft.com/office/drawing/2014/main" id="{DBB2C7C9-5275-F748-83D1-2CF8C350DD40}"/>
+              </a:ext>
+            </a:extLst>
+          </p:cNvPr>
+          <p:cNvSpPr txBox="1"/>
+          <p:nvPr/>
+        </p:nvSpPr>
+        <p:spPr>
+          <a:xfrm>
+            <a:off x="3886134" y="3806406"/>
+            <a:ext cx="445284" cy="246221"/>
+          </a:xfrm>
+          <a:prstGeom prst="rect">
+            <a:avLst/>
+          </a:prstGeom>
+          <a:noFill/>
+        </p:spPr>
+        <p:txBody>
+          <a:bodyPr wrap="square" rtlCol="0">
+            <a:spAutoFit/>
+          </a:bodyPr>
+          <a:lstStyle/>
+          <a:p>
+            <a:pPr algn="ctr"/>
+            <a:r>
+              <a:rPr kumimoji="1" lang="en-US" altLang="ko-Kore-KR" sz="1000" dirty="0"/>
+              <a:t>[1]</a:t>
+            </a:r>
+            <a:endParaRPr kumimoji="1" lang="ko-Kore-KR" altLang="en-US" sz="1000" dirty="0"/>
+          </a:p>
+        </p:txBody>
+      </p:sp>
+      <p:sp>
+        <p:nvSpPr>
+          <p:cNvPr id="27" name="TextBox 26">
+            <a:extLst>
+              <a:ext uri="{FF2B5EF4-FFF2-40B4-BE49-F238E27FC236}">
+                <a16:creationId xmlns:a16="http://schemas.microsoft.com/office/drawing/2014/main" id="{0C5D4EB1-8E67-8047-8688-B42A9475F3E2}"/>
+              </a:ext>
+            </a:extLst>
+          </p:cNvPr>
+          <p:cNvSpPr txBox="1"/>
+          <p:nvPr/>
+        </p:nvSpPr>
+        <p:spPr>
+          <a:xfrm>
+            <a:off x="3880861" y="3475324"/>
+            <a:ext cx="445284" cy="246221"/>
+          </a:xfrm>
+          <a:prstGeom prst="rect">
+            <a:avLst/>
+          </a:prstGeom>
+          <a:noFill/>
+        </p:spPr>
+        <p:txBody>
+          <a:bodyPr wrap="square" rtlCol="0">
+            <a:spAutoFit/>
+          </a:bodyPr>
+          <a:lstStyle/>
+          <a:p>
+            <a:pPr algn="ctr"/>
+            <a:r>
+              <a:rPr kumimoji="1" lang="en-US" altLang="ko-Kore-KR" sz="1000" dirty="0"/>
+              <a:t>[0]</a:t>
+            </a:r>
+            <a:endParaRPr kumimoji="1" lang="ko-Kore-KR" altLang="en-US" sz="1000" dirty="0"/>
+          </a:p>
+        </p:txBody>
+      </p:sp>
+      <p:sp>
+        <p:nvSpPr>
+          <p:cNvPr id="28" name="TextBox 27">
+            <a:extLst>
+              <a:ext uri="{FF2B5EF4-FFF2-40B4-BE49-F238E27FC236}">
+                <a16:creationId xmlns:a16="http://schemas.microsoft.com/office/drawing/2014/main" id="{6BEA1A57-FECD-7842-858D-0698092AB9DF}"/>
+              </a:ext>
+            </a:extLst>
+          </p:cNvPr>
+          <p:cNvSpPr txBox="1"/>
+          <p:nvPr/>
+        </p:nvSpPr>
+        <p:spPr>
+          <a:xfrm>
+            <a:off x="6471445" y="5233710"/>
+            <a:ext cx="624924" cy="246221"/>
+          </a:xfrm>
+          <a:prstGeom prst="rect">
+            <a:avLst/>
+          </a:prstGeom>
+          <a:noFill/>
+        </p:spPr>
+        <p:txBody>
+          <a:bodyPr wrap="square" rtlCol="0">
+            <a:spAutoFit/>
+          </a:bodyPr>
+          <a:lstStyle/>
+          <a:p>
+            <a:pPr algn="ctr"/>
+            <a:r>
+              <a:rPr kumimoji="1" lang="en-US" altLang="ko-Kore-KR" sz="1000" dirty="0"/>
+              <a:t>[Front]</a:t>
+            </a:r>
+            <a:endParaRPr kumimoji="1" lang="ko-Kore-KR" altLang="en-US" sz="1000" dirty="0"/>
+          </a:p>
+        </p:txBody>
+      </p:sp>
+      <p:sp>
+        <p:nvSpPr>
+          <p:cNvPr id="29" name="TextBox 28">
+            <a:extLst>
+              <a:ext uri="{FF2B5EF4-FFF2-40B4-BE49-F238E27FC236}">
+                <a16:creationId xmlns:a16="http://schemas.microsoft.com/office/drawing/2014/main" id="{D1C09C17-5FFE-144D-8D76-85F2C02606A9}"/>
+              </a:ext>
+            </a:extLst>
+          </p:cNvPr>
+          <p:cNvSpPr txBox="1"/>
+          <p:nvPr/>
+        </p:nvSpPr>
+        <p:spPr>
+          <a:xfrm>
+            <a:off x="4318605" y="5233108"/>
+            <a:ext cx="624924" cy="246221"/>
+          </a:xfrm>
+          <a:prstGeom prst="rect">
+            <a:avLst/>
+          </a:prstGeom>
+          <a:noFill/>
+        </p:spPr>
+        <p:txBody>
+          <a:bodyPr wrap="square" rtlCol="0">
+            <a:spAutoFit/>
+          </a:bodyPr>
+          <a:lstStyle/>
+          <a:p>
+            <a:pPr algn="ctr"/>
+            <a:r>
+              <a:rPr kumimoji="1" lang="en-US" altLang="ko-Kore-KR" sz="1000" dirty="0"/>
+              <a:t>[Back]</a:t>
+            </a:r>
+            <a:endParaRPr kumimoji="1" lang="ko-Kore-KR" altLang="en-US" sz="1000" dirty="0"/>
           </a:p>
         </p:txBody>
       </p:sp>
